--- a/사랑한데-적재/A4.pptx
+++ b/사랑한데-적재/A4.pptx
@@ -4,6 +4,9 @@
   <p:sldMasterIdLst>
     <p:sldMasterId id="2147483660" r:id="rId1"/>
   </p:sldMasterIdLst>
+  <p:notesMasterIdLst>
+    <p:notesMasterId r:id="rId3"/>
+  </p:notesMasterIdLst>
   <p:sldIdLst>
     <p:sldId id="256" r:id="rId2"/>
   </p:sldIdLst>
@@ -112,6 +115,355 @@
 </p:presentation>
 </file>
 
+<file path=ppt/notesMasters/notesMaster1.xml><?xml version="1.0" encoding="utf-8"?>
+<p:notesMaster xmlns:a="http://schemas.openxmlformats.org/drawingml/2006/main" xmlns:r="http://schemas.openxmlformats.org/officeDocument/2006/relationships" xmlns:p="http://schemas.openxmlformats.org/presentationml/2006/main">
+  <p:cSld>
+    <p:bg>
+      <p:bgRef idx="1001">
+        <a:schemeClr val="bg1"/>
+      </p:bgRef>
+    </p:bg>
+    <p:spTree>
+      <p:nvGrpSpPr>
+        <p:cNvPr id="1" name=""/>
+        <p:cNvGrpSpPr/>
+        <p:nvPr/>
+      </p:nvGrpSpPr>
+      <p:grpSpPr>
+        <a:xfrm>
+          <a:off x="0" y="0"/>
+          <a:ext cx="0" cy="0"/>
+          <a:chOff x="0" y="0"/>
+          <a:chExt cx="0" cy="0"/>
+        </a:xfrm>
+      </p:grpSpPr>
+      <p:sp>
+        <p:nvSpPr>
+          <p:cNvPr id="2" name="머리글 개체 틀 1"/>
+          <p:cNvSpPr>
+            <a:spLocks noGrp="1"/>
+          </p:cNvSpPr>
+          <p:nvPr>
+            <p:ph type="hdr" sz="quarter"/>
+          </p:nvPr>
+        </p:nvSpPr>
+        <p:spPr>
+          <a:xfrm>
+            <a:off x="0" y="0"/>
+            <a:ext cx="2971800" cy="458788"/>
+          </a:xfrm>
+          <a:prstGeom prst="rect">
+            <a:avLst/>
+          </a:prstGeom>
+        </p:spPr>
+        <p:txBody>
+          <a:bodyPr vert="horz" lIns="91440" tIns="45720" rIns="91440" bIns="45720" rtlCol="0"/>
+          <a:lstStyle>
+            <a:lvl1pPr algn="l">
+              <a:defRPr sz="1200"/>
+            </a:lvl1pPr>
+          </a:lstStyle>
+          <a:p>
+            <a:endParaRPr lang="ko-KR" altLang="en-US"/>
+          </a:p>
+        </p:txBody>
+      </p:sp>
+      <p:sp>
+        <p:nvSpPr>
+          <p:cNvPr id="3" name="날짜 개체 틀 2"/>
+          <p:cNvSpPr>
+            <a:spLocks noGrp="1"/>
+          </p:cNvSpPr>
+          <p:nvPr>
+            <p:ph type="dt" idx="1"/>
+          </p:nvPr>
+        </p:nvSpPr>
+        <p:spPr>
+          <a:xfrm>
+            <a:off x="3884613" y="0"/>
+            <a:ext cx="2971800" cy="458788"/>
+          </a:xfrm>
+          <a:prstGeom prst="rect">
+            <a:avLst/>
+          </a:prstGeom>
+        </p:spPr>
+        <p:txBody>
+          <a:bodyPr vert="horz" lIns="91440" tIns="45720" rIns="91440" bIns="45720" rtlCol="0"/>
+          <a:lstStyle>
+            <a:lvl1pPr algn="r">
+              <a:defRPr sz="1200"/>
+            </a:lvl1pPr>
+          </a:lstStyle>
+          <a:p>
+            <a:fld id="{9418636B-E033-4A2B-8581-5D68566B4FF2}" type="datetimeFigureOut">
+              <a:rPr lang="ko-KR" altLang="en-US" smtClean="0"/>
+              <a:t>2025-04-12</a:t>
+            </a:fld>
+            <a:endParaRPr lang="ko-KR" altLang="en-US"/>
+          </a:p>
+        </p:txBody>
+      </p:sp>
+      <p:sp>
+        <p:nvSpPr>
+          <p:cNvPr id="4" name="슬라이드 이미지 개체 틀 3"/>
+          <p:cNvSpPr>
+            <a:spLocks noGrp="1" noRot="1" noChangeAspect="1"/>
+          </p:cNvSpPr>
+          <p:nvPr>
+            <p:ph type="sldImg" idx="2"/>
+          </p:nvPr>
+        </p:nvSpPr>
+        <p:spPr>
+          <a:xfrm>
+            <a:off x="2360613" y="1143000"/>
+            <a:ext cx="2136775" cy="3086100"/>
+          </a:xfrm>
+          <a:prstGeom prst="rect">
+            <a:avLst/>
+          </a:prstGeom>
+          <a:noFill/>
+          <a:ln w="12700">
+            <a:solidFill>
+              <a:prstClr val="black"/>
+            </a:solidFill>
+          </a:ln>
+        </p:spPr>
+        <p:txBody>
+          <a:bodyPr vert="horz" lIns="91440" tIns="45720" rIns="91440" bIns="45720" rtlCol="0" anchor="ctr"/>
+          <a:lstStyle/>
+          <a:p>
+            <a:endParaRPr lang="ko-KR" altLang="en-US"/>
+          </a:p>
+        </p:txBody>
+      </p:sp>
+      <p:sp>
+        <p:nvSpPr>
+          <p:cNvPr id="5" name="슬라이드 노트 개체 틀 4"/>
+          <p:cNvSpPr>
+            <a:spLocks noGrp="1"/>
+          </p:cNvSpPr>
+          <p:nvPr>
+            <p:ph type="body" sz="quarter" idx="3"/>
+          </p:nvPr>
+        </p:nvSpPr>
+        <p:spPr>
+          <a:xfrm>
+            <a:off x="685800" y="4400550"/>
+            <a:ext cx="5486400" cy="3600450"/>
+          </a:xfrm>
+          <a:prstGeom prst="rect">
+            <a:avLst/>
+          </a:prstGeom>
+        </p:spPr>
+        <p:txBody>
+          <a:bodyPr vert="horz" lIns="91440" tIns="45720" rIns="91440" bIns="45720" rtlCol="0"/>
+          <a:lstStyle/>
+          <a:p>
+            <a:pPr lvl="0"/>
+            <a:r>
+              <a:rPr lang="ko-KR" altLang="en-US"/>
+              <a:t>마스터 텍스트 스타일을 편집하려면 클릭</a:t>
+            </a:r>
+          </a:p>
+          <a:p>
+            <a:pPr lvl="1"/>
+            <a:r>
+              <a:rPr lang="ko-KR" altLang="en-US"/>
+              <a:t>두 번째 수준</a:t>
+            </a:r>
+          </a:p>
+          <a:p>
+            <a:pPr lvl="2"/>
+            <a:r>
+              <a:rPr lang="ko-KR" altLang="en-US"/>
+              <a:t>세 번째 수준</a:t>
+            </a:r>
+          </a:p>
+          <a:p>
+            <a:pPr lvl="3"/>
+            <a:r>
+              <a:rPr lang="ko-KR" altLang="en-US"/>
+              <a:t>네 번째 수준</a:t>
+            </a:r>
+          </a:p>
+          <a:p>
+            <a:pPr lvl="4"/>
+            <a:r>
+              <a:rPr lang="ko-KR" altLang="en-US"/>
+              <a:t>다섯 번째 수준</a:t>
+            </a:r>
+          </a:p>
+        </p:txBody>
+      </p:sp>
+      <p:sp>
+        <p:nvSpPr>
+          <p:cNvPr id="6" name="바닥글 개체 틀 5"/>
+          <p:cNvSpPr>
+            <a:spLocks noGrp="1"/>
+          </p:cNvSpPr>
+          <p:nvPr>
+            <p:ph type="ftr" sz="quarter" idx="4"/>
+          </p:nvPr>
+        </p:nvSpPr>
+        <p:spPr>
+          <a:xfrm>
+            <a:off x="0" y="8685213"/>
+            <a:ext cx="2971800" cy="458787"/>
+          </a:xfrm>
+          <a:prstGeom prst="rect">
+            <a:avLst/>
+          </a:prstGeom>
+        </p:spPr>
+        <p:txBody>
+          <a:bodyPr vert="horz" lIns="91440" tIns="45720" rIns="91440" bIns="45720" rtlCol="0" anchor="b"/>
+          <a:lstStyle>
+            <a:lvl1pPr algn="l">
+              <a:defRPr sz="1200"/>
+            </a:lvl1pPr>
+          </a:lstStyle>
+          <a:p>
+            <a:endParaRPr lang="ko-KR" altLang="en-US"/>
+          </a:p>
+        </p:txBody>
+      </p:sp>
+      <p:sp>
+        <p:nvSpPr>
+          <p:cNvPr id="7" name="슬라이드 번호 개체 틀 6"/>
+          <p:cNvSpPr>
+            <a:spLocks noGrp="1"/>
+          </p:cNvSpPr>
+          <p:nvPr>
+            <p:ph type="sldNum" sz="quarter" idx="5"/>
+          </p:nvPr>
+        </p:nvSpPr>
+        <p:spPr>
+          <a:xfrm>
+            <a:off x="3884613" y="8685213"/>
+            <a:ext cx="2971800" cy="458787"/>
+          </a:xfrm>
+          <a:prstGeom prst="rect">
+            <a:avLst/>
+          </a:prstGeom>
+        </p:spPr>
+        <p:txBody>
+          <a:bodyPr vert="horz" lIns="91440" tIns="45720" rIns="91440" bIns="45720" rtlCol="0" anchor="b"/>
+          <a:lstStyle>
+            <a:lvl1pPr algn="r">
+              <a:defRPr sz="1200"/>
+            </a:lvl1pPr>
+          </a:lstStyle>
+          <a:p>
+            <a:fld id="{4FA9C1AD-6669-4A53-BFA0-F5548899EF11}" type="slidenum">
+              <a:rPr lang="ko-KR" altLang="en-US" smtClean="0"/>
+              <a:t>‹#›</a:t>
+            </a:fld>
+            <a:endParaRPr lang="ko-KR" altLang="en-US"/>
+          </a:p>
+        </p:txBody>
+      </p:sp>
+    </p:spTree>
+    <p:extLst>
+      <p:ext uri="{BB962C8B-B14F-4D97-AF65-F5344CB8AC3E}">
+        <p14:creationId xmlns:p14="http://schemas.microsoft.com/office/powerpoint/2010/main" val="134568851"/>
+      </p:ext>
+    </p:extLst>
+  </p:cSld>
+  <p:clrMap bg1="lt1" tx1="dk1" bg2="lt2" tx2="dk2" accent1="accent1" accent2="accent2" accent3="accent3" accent4="accent4" accent5="accent5" accent6="accent6" hlink="hlink" folHlink="folHlink"/>
+  <p:notesStyle>
+    <a:lvl1pPr marL="0" algn="l" defTabSz="914400" rtl="0" eaLnBrk="1" latinLnBrk="1" hangingPunct="1">
+      <a:defRPr sz="1200" kern="1200">
+        <a:solidFill>
+          <a:schemeClr val="tx1"/>
+        </a:solidFill>
+        <a:latin typeface="+mn-lt"/>
+        <a:ea typeface="+mn-ea"/>
+        <a:cs typeface="+mn-cs"/>
+      </a:defRPr>
+    </a:lvl1pPr>
+    <a:lvl2pPr marL="457200" algn="l" defTabSz="914400" rtl="0" eaLnBrk="1" latinLnBrk="1" hangingPunct="1">
+      <a:defRPr sz="1200" kern="1200">
+        <a:solidFill>
+          <a:schemeClr val="tx1"/>
+        </a:solidFill>
+        <a:latin typeface="+mn-lt"/>
+        <a:ea typeface="+mn-ea"/>
+        <a:cs typeface="+mn-cs"/>
+      </a:defRPr>
+    </a:lvl2pPr>
+    <a:lvl3pPr marL="914400" algn="l" defTabSz="914400" rtl="0" eaLnBrk="1" latinLnBrk="1" hangingPunct="1">
+      <a:defRPr sz="1200" kern="1200">
+        <a:solidFill>
+          <a:schemeClr val="tx1"/>
+        </a:solidFill>
+        <a:latin typeface="+mn-lt"/>
+        <a:ea typeface="+mn-ea"/>
+        <a:cs typeface="+mn-cs"/>
+      </a:defRPr>
+    </a:lvl3pPr>
+    <a:lvl4pPr marL="1371600" algn="l" defTabSz="914400" rtl="0" eaLnBrk="1" latinLnBrk="1" hangingPunct="1">
+      <a:defRPr sz="1200" kern="1200">
+        <a:solidFill>
+          <a:schemeClr val="tx1"/>
+        </a:solidFill>
+        <a:latin typeface="+mn-lt"/>
+        <a:ea typeface="+mn-ea"/>
+        <a:cs typeface="+mn-cs"/>
+      </a:defRPr>
+    </a:lvl4pPr>
+    <a:lvl5pPr marL="1828800" algn="l" defTabSz="914400" rtl="0" eaLnBrk="1" latinLnBrk="1" hangingPunct="1">
+      <a:defRPr sz="1200" kern="1200">
+        <a:solidFill>
+          <a:schemeClr val="tx1"/>
+        </a:solidFill>
+        <a:latin typeface="+mn-lt"/>
+        <a:ea typeface="+mn-ea"/>
+        <a:cs typeface="+mn-cs"/>
+      </a:defRPr>
+    </a:lvl5pPr>
+    <a:lvl6pPr marL="2286000" algn="l" defTabSz="914400" rtl="0" eaLnBrk="1" latinLnBrk="1" hangingPunct="1">
+      <a:defRPr sz="1200" kern="1200">
+        <a:solidFill>
+          <a:schemeClr val="tx1"/>
+        </a:solidFill>
+        <a:latin typeface="+mn-lt"/>
+        <a:ea typeface="+mn-ea"/>
+        <a:cs typeface="+mn-cs"/>
+      </a:defRPr>
+    </a:lvl6pPr>
+    <a:lvl7pPr marL="2743200" algn="l" defTabSz="914400" rtl="0" eaLnBrk="1" latinLnBrk="1" hangingPunct="1">
+      <a:defRPr sz="1200" kern="1200">
+        <a:solidFill>
+          <a:schemeClr val="tx1"/>
+        </a:solidFill>
+        <a:latin typeface="+mn-lt"/>
+        <a:ea typeface="+mn-ea"/>
+        <a:cs typeface="+mn-cs"/>
+      </a:defRPr>
+    </a:lvl7pPr>
+    <a:lvl8pPr marL="3200400" algn="l" defTabSz="914400" rtl="0" eaLnBrk="1" latinLnBrk="1" hangingPunct="1">
+      <a:defRPr sz="1200" kern="1200">
+        <a:solidFill>
+          <a:schemeClr val="tx1"/>
+        </a:solidFill>
+        <a:latin typeface="+mn-lt"/>
+        <a:ea typeface="+mn-ea"/>
+        <a:cs typeface="+mn-cs"/>
+      </a:defRPr>
+    </a:lvl8pPr>
+    <a:lvl9pPr marL="3657600" algn="l" defTabSz="914400" rtl="0" eaLnBrk="1" latinLnBrk="1" hangingPunct="1">
+      <a:defRPr sz="1200" kern="1200">
+        <a:solidFill>
+          <a:schemeClr val="tx1"/>
+        </a:solidFill>
+        <a:latin typeface="+mn-lt"/>
+        <a:ea typeface="+mn-ea"/>
+        <a:cs typeface="+mn-cs"/>
+      </a:defRPr>
+    </a:lvl9pPr>
+  </p:notesStyle>
+</p:notesMaster>
+</file>
+
 <file path=ppt/slideLayouts/slideLayout1.xml><?xml version="1.0" encoding="utf-8"?>
 <p:sldLayout xmlns:a="http://schemas.openxmlformats.org/drawingml/2006/main" xmlns:r="http://schemas.openxmlformats.org/officeDocument/2006/relationships" xmlns:p="http://schemas.openxmlformats.org/presentationml/2006/main" type="title" preserve="1">
   <p:cSld name="제목 슬라이드">
@@ -144,6 +496,9 @@
             <a:off x="514350" y="1621191"/>
             <a:ext cx="5829300" cy="3448756"/>
           </a:xfrm>
+          <a:prstGeom prst="rect">
+            <a:avLst/>
+          </a:prstGeom>
         </p:spPr>
         <p:txBody>
           <a:bodyPr anchor="b"/>
@@ -176,6 +531,9 @@
             <a:off x="857250" y="5202944"/>
             <a:ext cx="5143500" cy="2391656"/>
           </a:xfrm>
+          <a:prstGeom prst="rect">
+            <a:avLst/>
+          </a:prstGeom>
         </p:spPr>
         <p:txBody>
           <a:bodyPr/>
@@ -236,14 +594,22 @@
             <p:ph type="dt" sz="half" idx="10"/>
           </p:nvPr>
         </p:nvSpPr>
-        <p:spPr/>
+        <p:spPr>
+          <a:xfrm>
+            <a:off x="471488" y="9181397"/>
+            <a:ext cx="1543050" cy="527403"/>
+          </a:xfrm>
+          <a:prstGeom prst="rect">
+            <a:avLst/>
+          </a:prstGeom>
+        </p:spPr>
         <p:txBody>
           <a:bodyPr/>
           <a:lstStyle/>
           <a:p>
             <a:fld id="{20C4091B-B1A9-47E7-8E17-9ECD1C021906}" type="datetimeFigureOut">
               <a:rPr lang="ko-KR" altLang="en-US" smtClean="0"/>
-              <a:t>2025-04-05</a:t>
+              <a:t>2025-04-12</a:t>
             </a:fld>
             <a:endParaRPr lang="ko-KR" altLang="en-US"/>
           </a:p>
@@ -259,7 +625,15 @@
             <p:ph type="ftr" sz="quarter" idx="11"/>
           </p:nvPr>
         </p:nvSpPr>
-        <p:spPr/>
+        <p:spPr>
+          <a:xfrm>
+            <a:off x="2271713" y="9181397"/>
+            <a:ext cx="2314575" cy="527403"/>
+          </a:xfrm>
+          <a:prstGeom prst="rect">
+            <a:avLst/>
+          </a:prstGeom>
+        </p:spPr>
         <p:txBody>
           <a:bodyPr/>
           <a:lstStyle/>
@@ -278,7 +652,15 @@
             <p:ph type="sldNum" sz="quarter" idx="12"/>
           </p:nvPr>
         </p:nvSpPr>
-        <p:spPr/>
+        <p:spPr>
+          <a:xfrm>
+            <a:off x="4843463" y="9181397"/>
+            <a:ext cx="1543050" cy="527403"/>
+          </a:xfrm>
+          <a:prstGeom prst="rect">
+            <a:avLst/>
+          </a:prstGeom>
+        </p:spPr>
         <p:txBody>
           <a:bodyPr/>
           <a:lstStyle/>
@@ -331,7 +713,15 @@
             <p:ph type="title"/>
           </p:nvPr>
         </p:nvSpPr>
-        <p:spPr/>
+        <p:spPr>
+          <a:xfrm>
+            <a:off x="471488" y="527405"/>
+            <a:ext cx="5915025" cy="1914702"/>
+          </a:xfrm>
+          <a:prstGeom prst="rect">
+            <a:avLst/>
+          </a:prstGeom>
+        </p:spPr>
         <p:txBody>
           <a:bodyPr/>
           <a:lstStyle/>
@@ -354,7 +744,15 @@
             <p:ph type="body" orient="vert" idx="1"/>
           </p:nvPr>
         </p:nvSpPr>
-        <p:spPr/>
+        <p:spPr>
+          <a:xfrm>
+            <a:off x="471488" y="2637014"/>
+            <a:ext cx="5915025" cy="6285266"/>
+          </a:xfrm>
+          <a:prstGeom prst="rect">
+            <a:avLst/>
+          </a:prstGeom>
+        </p:spPr>
         <p:txBody>
           <a:bodyPr vert="eaVert"/>
           <a:lstStyle/>
@@ -406,14 +804,22 @@
             <p:ph type="dt" sz="half" idx="10"/>
           </p:nvPr>
         </p:nvSpPr>
-        <p:spPr/>
+        <p:spPr>
+          <a:xfrm>
+            <a:off x="471488" y="9181397"/>
+            <a:ext cx="1543050" cy="527403"/>
+          </a:xfrm>
+          <a:prstGeom prst="rect">
+            <a:avLst/>
+          </a:prstGeom>
+        </p:spPr>
         <p:txBody>
           <a:bodyPr/>
           <a:lstStyle/>
           <a:p>
             <a:fld id="{20C4091B-B1A9-47E7-8E17-9ECD1C021906}" type="datetimeFigureOut">
               <a:rPr lang="ko-KR" altLang="en-US" smtClean="0"/>
-              <a:t>2025-04-05</a:t>
+              <a:t>2025-04-12</a:t>
             </a:fld>
             <a:endParaRPr lang="ko-KR" altLang="en-US"/>
           </a:p>
@@ -429,7 +835,15 @@
             <p:ph type="ftr" sz="quarter" idx="11"/>
           </p:nvPr>
         </p:nvSpPr>
-        <p:spPr/>
+        <p:spPr>
+          <a:xfrm>
+            <a:off x="2271713" y="9181397"/>
+            <a:ext cx="2314575" cy="527403"/>
+          </a:xfrm>
+          <a:prstGeom prst="rect">
+            <a:avLst/>
+          </a:prstGeom>
+        </p:spPr>
         <p:txBody>
           <a:bodyPr/>
           <a:lstStyle/>
@@ -448,7 +862,15 @@
             <p:ph type="sldNum" sz="quarter" idx="12"/>
           </p:nvPr>
         </p:nvSpPr>
-        <p:spPr/>
+        <p:spPr>
+          <a:xfrm>
+            <a:off x="4843463" y="9181397"/>
+            <a:ext cx="1543050" cy="527403"/>
+          </a:xfrm>
+          <a:prstGeom prst="rect">
+            <a:avLst/>
+          </a:prstGeom>
+        </p:spPr>
         <p:txBody>
           <a:bodyPr/>
           <a:lstStyle/>
@@ -506,6 +928,9 @@
             <a:off x="4907757" y="527403"/>
             <a:ext cx="1478756" cy="8394877"/>
           </a:xfrm>
+          <a:prstGeom prst="rect">
+            <a:avLst/>
+          </a:prstGeom>
         </p:spPr>
         <p:txBody>
           <a:bodyPr vert="eaVert"/>
@@ -534,6 +959,9 @@
             <a:off x="471488" y="527403"/>
             <a:ext cx="4350544" cy="8394877"/>
           </a:xfrm>
+          <a:prstGeom prst="rect">
+            <a:avLst/>
+          </a:prstGeom>
         </p:spPr>
         <p:txBody>
           <a:bodyPr vert="eaVert"/>
@@ -586,14 +1014,22 @@
             <p:ph type="dt" sz="half" idx="10"/>
           </p:nvPr>
         </p:nvSpPr>
-        <p:spPr/>
+        <p:spPr>
+          <a:xfrm>
+            <a:off x="471488" y="9181397"/>
+            <a:ext cx="1543050" cy="527403"/>
+          </a:xfrm>
+          <a:prstGeom prst="rect">
+            <a:avLst/>
+          </a:prstGeom>
+        </p:spPr>
         <p:txBody>
           <a:bodyPr/>
           <a:lstStyle/>
           <a:p>
             <a:fld id="{20C4091B-B1A9-47E7-8E17-9ECD1C021906}" type="datetimeFigureOut">
               <a:rPr lang="ko-KR" altLang="en-US" smtClean="0"/>
-              <a:t>2025-04-05</a:t>
+              <a:t>2025-04-12</a:t>
             </a:fld>
             <a:endParaRPr lang="ko-KR" altLang="en-US"/>
           </a:p>
@@ -609,7 +1045,15 @@
             <p:ph type="ftr" sz="quarter" idx="11"/>
           </p:nvPr>
         </p:nvSpPr>
-        <p:spPr/>
+        <p:spPr>
+          <a:xfrm>
+            <a:off x="2271713" y="9181397"/>
+            <a:ext cx="2314575" cy="527403"/>
+          </a:xfrm>
+          <a:prstGeom prst="rect">
+            <a:avLst/>
+          </a:prstGeom>
+        </p:spPr>
         <p:txBody>
           <a:bodyPr/>
           <a:lstStyle/>
@@ -628,7 +1072,15 @@
             <p:ph type="sldNum" sz="quarter" idx="12"/>
           </p:nvPr>
         </p:nvSpPr>
-        <p:spPr/>
+        <p:spPr>
+          <a:xfrm>
+            <a:off x="4843463" y="9181397"/>
+            <a:ext cx="1543050" cy="527403"/>
+          </a:xfrm>
+          <a:prstGeom prst="rect">
+            <a:avLst/>
+          </a:prstGeom>
+        </p:spPr>
         <p:txBody>
           <a:bodyPr/>
           <a:lstStyle/>
@@ -681,7 +1133,15 @@
             <p:ph type="title"/>
           </p:nvPr>
         </p:nvSpPr>
-        <p:spPr/>
+        <p:spPr>
+          <a:xfrm>
+            <a:off x="471488" y="527405"/>
+            <a:ext cx="5915025" cy="1914702"/>
+          </a:xfrm>
+          <a:prstGeom prst="rect">
+            <a:avLst/>
+          </a:prstGeom>
+        </p:spPr>
         <p:txBody>
           <a:bodyPr/>
           <a:lstStyle/>
@@ -704,7 +1164,15 @@
             <p:ph idx="1"/>
           </p:nvPr>
         </p:nvSpPr>
-        <p:spPr/>
+        <p:spPr>
+          <a:xfrm>
+            <a:off x="471488" y="2637014"/>
+            <a:ext cx="5915025" cy="6285266"/>
+          </a:xfrm>
+          <a:prstGeom prst="rect">
+            <a:avLst/>
+          </a:prstGeom>
+        </p:spPr>
         <p:txBody>
           <a:bodyPr/>
           <a:lstStyle/>
@@ -756,14 +1224,22 @@
             <p:ph type="dt" sz="half" idx="10"/>
           </p:nvPr>
         </p:nvSpPr>
-        <p:spPr/>
+        <p:spPr>
+          <a:xfrm>
+            <a:off x="471488" y="9181397"/>
+            <a:ext cx="1543050" cy="527403"/>
+          </a:xfrm>
+          <a:prstGeom prst="rect">
+            <a:avLst/>
+          </a:prstGeom>
+        </p:spPr>
         <p:txBody>
           <a:bodyPr/>
           <a:lstStyle/>
           <a:p>
             <a:fld id="{20C4091B-B1A9-47E7-8E17-9ECD1C021906}" type="datetimeFigureOut">
               <a:rPr lang="ko-KR" altLang="en-US" smtClean="0"/>
-              <a:t>2025-04-05</a:t>
+              <a:t>2025-04-12</a:t>
             </a:fld>
             <a:endParaRPr lang="ko-KR" altLang="en-US"/>
           </a:p>
@@ -779,7 +1255,15 @@
             <p:ph type="ftr" sz="quarter" idx="11"/>
           </p:nvPr>
         </p:nvSpPr>
-        <p:spPr/>
+        <p:spPr>
+          <a:xfrm>
+            <a:off x="2271713" y="9181397"/>
+            <a:ext cx="2314575" cy="527403"/>
+          </a:xfrm>
+          <a:prstGeom prst="rect">
+            <a:avLst/>
+          </a:prstGeom>
+        </p:spPr>
         <p:txBody>
           <a:bodyPr/>
           <a:lstStyle/>
@@ -798,7 +1282,15 @@
             <p:ph type="sldNum" sz="quarter" idx="12"/>
           </p:nvPr>
         </p:nvSpPr>
-        <p:spPr/>
+        <p:spPr>
+          <a:xfrm>
+            <a:off x="4843463" y="9181397"/>
+            <a:ext cx="1543050" cy="527403"/>
+          </a:xfrm>
+          <a:prstGeom prst="rect">
+            <a:avLst/>
+          </a:prstGeom>
+        </p:spPr>
         <p:txBody>
           <a:bodyPr/>
           <a:lstStyle/>
@@ -856,6 +1348,9 @@
             <a:off x="467916" y="2469624"/>
             <a:ext cx="5915025" cy="4120620"/>
           </a:xfrm>
+          <a:prstGeom prst="rect">
+            <a:avLst/>
+          </a:prstGeom>
         </p:spPr>
         <p:txBody>
           <a:bodyPr anchor="b"/>
@@ -888,6 +1383,9 @@
             <a:off x="467916" y="6629226"/>
             <a:ext cx="5915025" cy="2166937"/>
           </a:xfrm>
+          <a:prstGeom prst="rect">
+            <a:avLst/>
+          </a:prstGeom>
         </p:spPr>
         <p:txBody>
           <a:bodyPr/>
@@ -1000,14 +1498,22 @@
             <p:ph type="dt" sz="half" idx="10"/>
           </p:nvPr>
         </p:nvSpPr>
-        <p:spPr/>
+        <p:spPr>
+          <a:xfrm>
+            <a:off x="471488" y="9181397"/>
+            <a:ext cx="1543050" cy="527403"/>
+          </a:xfrm>
+          <a:prstGeom prst="rect">
+            <a:avLst/>
+          </a:prstGeom>
+        </p:spPr>
         <p:txBody>
           <a:bodyPr/>
           <a:lstStyle/>
           <a:p>
             <a:fld id="{20C4091B-B1A9-47E7-8E17-9ECD1C021906}" type="datetimeFigureOut">
               <a:rPr lang="ko-KR" altLang="en-US" smtClean="0"/>
-              <a:t>2025-04-05</a:t>
+              <a:t>2025-04-12</a:t>
             </a:fld>
             <a:endParaRPr lang="ko-KR" altLang="en-US"/>
           </a:p>
@@ -1023,7 +1529,15 @@
             <p:ph type="ftr" sz="quarter" idx="11"/>
           </p:nvPr>
         </p:nvSpPr>
-        <p:spPr/>
+        <p:spPr>
+          <a:xfrm>
+            <a:off x="2271713" y="9181397"/>
+            <a:ext cx="2314575" cy="527403"/>
+          </a:xfrm>
+          <a:prstGeom prst="rect">
+            <a:avLst/>
+          </a:prstGeom>
+        </p:spPr>
         <p:txBody>
           <a:bodyPr/>
           <a:lstStyle/>
@@ -1042,7 +1556,15 @@
             <p:ph type="sldNum" sz="quarter" idx="12"/>
           </p:nvPr>
         </p:nvSpPr>
-        <p:spPr/>
+        <p:spPr>
+          <a:xfrm>
+            <a:off x="4843463" y="9181397"/>
+            <a:ext cx="1543050" cy="527403"/>
+          </a:xfrm>
+          <a:prstGeom prst="rect">
+            <a:avLst/>
+          </a:prstGeom>
+        </p:spPr>
         <p:txBody>
           <a:bodyPr/>
           <a:lstStyle/>
@@ -1095,7 +1617,15 @@
             <p:ph type="title"/>
           </p:nvPr>
         </p:nvSpPr>
-        <p:spPr/>
+        <p:spPr>
+          <a:xfrm>
+            <a:off x="471488" y="527405"/>
+            <a:ext cx="5915025" cy="1914702"/>
+          </a:xfrm>
+          <a:prstGeom prst="rect">
+            <a:avLst/>
+          </a:prstGeom>
+        </p:spPr>
         <p:txBody>
           <a:bodyPr/>
           <a:lstStyle/>
@@ -1123,6 +1653,9 @@
             <a:off x="471488" y="2637014"/>
             <a:ext cx="2914650" cy="6285266"/>
           </a:xfrm>
+          <a:prstGeom prst="rect">
+            <a:avLst/>
+          </a:prstGeom>
         </p:spPr>
         <p:txBody>
           <a:bodyPr/>
@@ -1180,6 +1713,9 @@
             <a:off x="3471863" y="2637014"/>
             <a:ext cx="2914650" cy="6285266"/>
           </a:xfrm>
+          <a:prstGeom prst="rect">
+            <a:avLst/>
+          </a:prstGeom>
         </p:spPr>
         <p:txBody>
           <a:bodyPr/>
@@ -1232,14 +1768,22 @@
             <p:ph type="dt" sz="half" idx="10"/>
           </p:nvPr>
         </p:nvSpPr>
-        <p:spPr/>
+        <p:spPr>
+          <a:xfrm>
+            <a:off x="471488" y="9181397"/>
+            <a:ext cx="1543050" cy="527403"/>
+          </a:xfrm>
+          <a:prstGeom prst="rect">
+            <a:avLst/>
+          </a:prstGeom>
+        </p:spPr>
         <p:txBody>
           <a:bodyPr/>
           <a:lstStyle/>
           <a:p>
             <a:fld id="{20C4091B-B1A9-47E7-8E17-9ECD1C021906}" type="datetimeFigureOut">
               <a:rPr lang="ko-KR" altLang="en-US" smtClean="0"/>
-              <a:t>2025-04-05</a:t>
+              <a:t>2025-04-12</a:t>
             </a:fld>
             <a:endParaRPr lang="ko-KR" altLang="en-US"/>
           </a:p>
@@ -1255,7 +1799,15 @@
             <p:ph type="ftr" sz="quarter" idx="11"/>
           </p:nvPr>
         </p:nvSpPr>
-        <p:spPr/>
+        <p:spPr>
+          <a:xfrm>
+            <a:off x="2271713" y="9181397"/>
+            <a:ext cx="2314575" cy="527403"/>
+          </a:xfrm>
+          <a:prstGeom prst="rect">
+            <a:avLst/>
+          </a:prstGeom>
+        </p:spPr>
         <p:txBody>
           <a:bodyPr/>
           <a:lstStyle/>
@@ -1274,7 +1826,15 @@
             <p:ph type="sldNum" sz="quarter" idx="12"/>
           </p:nvPr>
         </p:nvSpPr>
-        <p:spPr/>
+        <p:spPr>
+          <a:xfrm>
+            <a:off x="4843463" y="9181397"/>
+            <a:ext cx="1543050" cy="527403"/>
+          </a:xfrm>
+          <a:prstGeom prst="rect">
+            <a:avLst/>
+          </a:prstGeom>
+        </p:spPr>
         <p:txBody>
           <a:bodyPr/>
           <a:lstStyle/>
@@ -1332,6 +1892,9 @@
             <a:off x="472381" y="527405"/>
             <a:ext cx="5915025" cy="1914702"/>
           </a:xfrm>
+          <a:prstGeom prst="rect">
+            <a:avLst/>
+          </a:prstGeom>
         </p:spPr>
         <p:txBody>
           <a:bodyPr/>
@@ -1360,6 +1923,9 @@
             <a:off x="472381" y="2428347"/>
             <a:ext cx="2901255" cy="1190095"/>
           </a:xfrm>
+          <a:prstGeom prst="rect">
+            <a:avLst/>
+          </a:prstGeom>
         </p:spPr>
         <p:txBody>
           <a:bodyPr anchor="b"/>
@@ -1425,6 +1991,9 @@
             <a:off x="472381" y="3618442"/>
             <a:ext cx="2901255" cy="5322183"/>
           </a:xfrm>
+          <a:prstGeom prst="rect">
+            <a:avLst/>
+          </a:prstGeom>
         </p:spPr>
         <p:txBody>
           <a:bodyPr/>
@@ -1482,6 +2051,9 @@
             <a:off x="3471863" y="2428347"/>
             <a:ext cx="2915543" cy="1190095"/>
           </a:xfrm>
+          <a:prstGeom prst="rect">
+            <a:avLst/>
+          </a:prstGeom>
         </p:spPr>
         <p:txBody>
           <a:bodyPr anchor="b"/>
@@ -1547,6 +2119,9 @@
             <a:off x="3471863" y="3618442"/>
             <a:ext cx="2915543" cy="5322183"/>
           </a:xfrm>
+          <a:prstGeom prst="rect">
+            <a:avLst/>
+          </a:prstGeom>
         </p:spPr>
         <p:txBody>
           <a:bodyPr/>
@@ -1599,14 +2174,22 @@
             <p:ph type="dt" sz="half" idx="10"/>
           </p:nvPr>
         </p:nvSpPr>
-        <p:spPr/>
+        <p:spPr>
+          <a:xfrm>
+            <a:off x="471488" y="9181397"/>
+            <a:ext cx="1543050" cy="527403"/>
+          </a:xfrm>
+          <a:prstGeom prst="rect">
+            <a:avLst/>
+          </a:prstGeom>
+        </p:spPr>
         <p:txBody>
           <a:bodyPr/>
           <a:lstStyle/>
           <a:p>
             <a:fld id="{20C4091B-B1A9-47E7-8E17-9ECD1C021906}" type="datetimeFigureOut">
               <a:rPr lang="ko-KR" altLang="en-US" smtClean="0"/>
-              <a:t>2025-04-05</a:t>
+              <a:t>2025-04-12</a:t>
             </a:fld>
             <a:endParaRPr lang="ko-KR" altLang="en-US"/>
           </a:p>
@@ -1622,7 +2205,15 @@
             <p:ph type="ftr" sz="quarter" idx="11"/>
           </p:nvPr>
         </p:nvSpPr>
-        <p:spPr/>
+        <p:spPr>
+          <a:xfrm>
+            <a:off x="2271713" y="9181397"/>
+            <a:ext cx="2314575" cy="527403"/>
+          </a:xfrm>
+          <a:prstGeom prst="rect">
+            <a:avLst/>
+          </a:prstGeom>
+        </p:spPr>
         <p:txBody>
           <a:bodyPr/>
           <a:lstStyle/>
@@ -1641,7 +2232,15 @@
             <p:ph type="sldNum" sz="quarter" idx="12"/>
           </p:nvPr>
         </p:nvSpPr>
-        <p:spPr/>
+        <p:spPr>
+          <a:xfrm>
+            <a:off x="4843463" y="9181397"/>
+            <a:ext cx="1543050" cy="527403"/>
+          </a:xfrm>
+          <a:prstGeom prst="rect">
+            <a:avLst/>
+          </a:prstGeom>
+        </p:spPr>
         <p:txBody>
           <a:bodyPr/>
           <a:lstStyle/>
@@ -1694,7 +2293,15 @@
             <p:ph type="title"/>
           </p:nvPr>
         </p:nvSpPr>
-        <p:spPr/>
+        <p:spPr>
+          <a:xfrm>
+            <a:off x="471488" y="527405"/>
+            <a:ext cx="5915025" cy="1914702"/>
+          </a:xfrm>
+          <a:prstGeom prst="rect">
+            <a:avLst/>
+          </a:prstGeom>
+        </p:spPr>
         <p:txBody>
           <a:bodyPr/>
           <a:lstStyle/>
@@ -1717,14 +2324,22 @@
             <p:ph type="dt" sz="half" idx="10"/>
           </p:nvPr>
         </p:nvSpPr>
-        <p:spPr/>
+        <p:spPr>
+          <a:xfrm>
+            <a:off x="471488" y="9181397"/>
+            <a:ext cx="1543050" cy="527403"/>
+          </a:xfrm>
+          <a:prstGeom prst="rect">
+            <a:avLst/>
+          </a:prstGeom>
+        </p:spPr>
         <p:txBody>
           <a:bodyPr/>
           <a:lstStyle/>
           <a:p>
             <a:fld id="{20C4091B-B1A9-47E7-8E17-9ECD1C021906}" type="datetimeFigureOut">
               <a:rPr lang="ko-KR" altLang="en-US" smtClean="0"/>
-              <a:t>2025-04-05</a:t>
+              <a:t>2025-04-12</a:t>
             </a:fld>
             <a:endParaRPr lang="ko-KR" altLang="en-US"/>
           </a:p>
@@ -1740,7 +2355,15 @@
             <p:ph type="ftr" sz="quarter" idx="11"/>
           </p:nvPr>
         </p:nvSpPr>
-        <p:spPr/>
+        <p:spPr>
+          <a:xfrm>
+            <a:off x="2271713" y="9181397"/>
+            <a:ext cx="2314575" cy="527403"/>
+          </a:xfrm>
+          <a:prstGeom prst="rect">
+            <a:avLst/>
+          </a:prstGeom>
+        </p:spPr>
         <p:txBody>
           <a:bodyPr/>
           <a:lstStyle/>
@@ -1759,7 +2382,15 @@
             <p:ph type="sldNum" sz="quarter" idx="12"/>
           </p:nvPr>
         </p:nvSpPr>
-        <p:spPr/>
+        <p:spPr>
+          <a:xfrm>
+            <a:off x="4843463" y="9181397"/>
+            <a:ext cx="1543050" cy="527403"/>
+          </a:xfrm>
+          <a:prstGeom prst="rect">
+            <a:avLst/>
+          </a:prstGeom>
+        </p:spPr>
         <p:txBody>
           <a:bodyPr/>
           <a:lstStyle/>
@@ -1802,71 +2433,6 @@
           <a:chExt cx="0" cy="0"/>
         </a:xfrm>
       </p:grpSpPr>
-      <p:sp>
-        <p:nvSpPr>
-          <p:cNvPr id="2" name="Date Placeholder 1"/>
-          <p:cNvSpPr>
-            <a:spLocks noGrp="1"/>
-          </p:cNvSpPr>
-          <p:nvPr>
-            <p:ph type="dt" sz="half" idx="10"/>
-          </p:nvPr>
-        </p:nvSpPr>
-        <p:spPr/>
-        <p:txBody>
-          <a:bodyPr/>
-          <a:lstStyle/>
-          <a:p>
-            <a:fld id="{20C4091B-B1A9-47E7-8E17-9ECD1C021906}" type="datetimeFigureOut">
-              <a:rPr lang="ko-KR" altLang="en-US" smtClean="0"/>
-              <a:t>2025-04-05</a:t>
-            </a:fld>
-            <a:endParaRPr lang="ko-KR" altLang="en-US"/>
-          </a:p>
-        </p:txBody>
-      </p:sp>
-      <p:sp>
-        <p:nvSpPr>
-          <p:cNvPr id="3" name="Footer Placeholder 2"/>
-          <p:cNvSpPr>
-            <a:spLocks noGrp="1"/>
-          </p:cNvSpPr>
-          <p:nvPr>
-            <p:ph type="ftr" sz="quarter" idx="11"/>
-          </p:nvPr>
-        </p:nvSpPr>
-        <p:spPr/>
-        <p:txBody>
-          <a:bodyPr/>
-          <a:lstStyle/>
-          <a:p>
-            <a:endParaRPr lang="ko-KR" altLang="en-US"/>
-          </a:p>
-        </p:txBody>
-      </p:sp>
-      <p:sp>
-        <p:nvSpPr>
-          <p:cNvPr id="4" name="Slide Number Placeholder 3"/>
-          <p:cNvSpPr>
-            <a:spLocks noGrp="1"/>
-          </p:cNvSpPr>
-          <p:nvPr>
-            <p:ph type="sldNum" sz="quarter" idx="12"/>
-          </p:nvPr>
-        </p:nvSpPr>
-        <p:spPr/>
-        <p:txBody>
-          <a:bodyPr/>
-          <a:lstStyle/>
-          <a:p>
-            <a:fld id="{A78E0EC4-710C-4049-AAA2-FE6529C24B2B}" type="slidenum">
-              <a:rPr lang="ko-KR" altLang="en-US" smtClean="0"/>
-              <a:t>‹#›</a:t>
-            </a:fld>
-            <a:endParaRPr lang="ko-KR" altLang="en-US"/>
-          </a:p>
-        </p:txBody>
-      </p:sp>
     </p:spTree>
     <p:extLst>
       <p:ext uri="{BB962C8B-B14F-4D97-AF65-F5344CB8AC3E}">
@@ -1912,6 +2478,9 @@
             <a:off x="472381" y="660400"/>
             <a:ext cx="2211884" cy="2311400"/>
           </a:xfrm>
+          <a:prstGeom prst="rect">
+            <a:avLst/>
+          </a:prstGeom>
         </p:spPr>
         <p:txBody>
           <a:bodyPr anchor="b"/>
@@ -1944,6 +2513,9 @@
             <a:off x="2915543" y="1426283"/>
             <a:ext cx="3471863" cy="7039681"/>
           </a:xfrm>
+          <a:prstGeom prst="rect">
+            <a:avLst/>
+          </a:prstGeom>
         </p:spPr>
         <p:txBody>
           <a:bodyPr/>
@@ -2029,6 +2601,9 @@
             <a:off x="472381" y="2971800"/>
             <a:ext cx="2211884" cy="5505627"/>
           </a:xfrm>
+          <a:prstGeom prst="rect">
+            <a:avLst/>
+          </a:prstGeom>
         </p:spPr>
         <p:txBody>
           <a:bodyPr/>
@@ -2089,14 +2664,22 @@
             <p:ph type="dt" sz="half" idx="10"/>
           </p:nvPr>
         </p:nvSpPr>
-        <p:spPr/>
+        <p:spPr>
+          <a:xfrm>
+            <a:off x="471488" y="9181397"/>
+            <a:ext cx="1543050" cy="527403"/>
+          </a:xfrm>
+          <a:prstGeom prst="rect">
+            <a:avLst/>
+          </a:prstGeom>
+        </p:spPr>
         <p:txBody>
           <a:bodyPr/>
           <a:lstStyle/>
           <a:p>
             <a:fld id="{20C4091B-B1A9-47E7-8E17-9ECD1C021906}" type="datetimeFigureOut">
               <a:rPr lang="ko-KR" altLang="en-US" smtClean="0"/>
-              <a:t>2025-04-05</a:t>
+              <a:t>2025-04-12</a:t>
             </a:fld>
             <a:endParaRPr lang="ko-KR" altLang="en-US"/>
           </a:p>
@@ -2112,7 +2695,15 @@
             <p:ph type="ftr" sz="quarter" idx="11"/>
           </p:nvPr>
         </p:nvSpPr>
-        <p:spPr/>
+        <p:spPr>
+          <a:xfrm>
+            <a:off x="2271713" y="9181397"/>
+            <a:ext cx="2314575" cy="527403"/>
+          </a:xfrm>
+          <a:prstGeom prst="rect">
+            <a:avLst/>
+          </a:prstGeom>
+        </p:spPr>
         <p:txBody>
           <a:bodyPr/>
           <a:lstStyle/>
@@ -2131,7 +2722,15 @@
             <p:ph type="sldNum" sz="quarter" idx="12"/>
           </p:nvPr>
         </p:nvSpPr>
-        <p:spPr/>
+        <p:spPr>
+          <a:xfrm>
+            <a:off x="4843463" y="9181397"/>
+            <a:ext cx="1543050" cy="527403"/>
+          </a:xfrm>
+          <a:prstGeom prst="rect">
+            <a:avLst/>
+          </a:prstGeom>
+        </p:spPr>
         <p:txBody>
           <a:bodyPr/>
           <a:lstStyle/>
@@ -2189,6 +2788,9 @@
             <a:off x="472381" y="660400"/>
             <a:ext cx="2211884" cy="2311400"/>
           </a:xfrm>
+          <a:prstGeom prst="rect">
+            <a:avLst/>
+          </a:prstGeom>
         </p:spPr>
         <p:txBody>
           <a:bodyPr anchor="b"/>
@@ -2221,6 +2823,9 @@
             <a:off x="2915543" y="1426283"/>
             <a:ext cx="3471863" cy="7039681"/>
           </a:xfrm>
+          <a:prstGeom prst="rect">
+            <a:avLst/>
+          </a:prstGeom>
         </p:spPr>
         <p:txBody>
           <a:bodyPr anchor="t"/>
@@ -2286,6 +2891,9 @@
             <a:off x="472381" y="2971800"/>
             <a:ext cx="2211884" cy="5505627"/>
           </a:xfrm>
+          <a:prstGeom prst="rect">
+            <a:avLst/>
+          </a:prstGeom>
         </p:spPr>
         <p:txBody>
           <a:bodyPr/>
@@ -2346,14 +2954,22 @@
             <p:ph type="dt" sz="half" idx="10"/>
           </p:nvPr>
         </p:nvSpPr>
-        <p:spPr/>
+        <p:spPr>
+          <a:xfrm>
+            <a:off x="471488" y="9181397"/>
+            <a:ext cx="1543050" cy="527403"/>
+          </a:xfrm>
+          <a:prstGeom prst="rect">
+            <a:avLst/>
+          </a:prstGeom>
+        </p:spPr>
         <p:txBody>
           <a:bodyPr/>
           <a:lstStyle/>
           <a:p>
             <a:fld id="{20C4091B-B1A9-47E7-8E17-9ECD1C021906}" type="datetimeFigureOut">
               <a:rPr lang="ko-KR" altLang="en-US" smtClean="0"/>
-              <a:t>2025-04-05</a:t>
+              <a:t>2025-04-12</a:t>
             </a:fld>
             <a:endParaRPr lang="ko-KR" altLang="en-US"/>
           </a:p>
@@ -2369,7 +2985,15 @@
             <p:ph type="ftr" sz="quarter" idx="11"/>
           </p:nvPr>
         </p:nvSpPr>
-        <p:spPr/>
+        <p:spPr>
+          <a:xfrm>
+            <a:off x="2271713" y="9181397"/>
+            <a:ext cx="2314575" cy="527403"/>
+          </a:xfrm>
+          <a:prstGeom prst="rect">
+            <a:avLst/>
+          </a:prstGeom>
+        </p:spPr>
         <p:txBody>
           <a:bodyPr/>
           <a:lstStyle/>
@@ -2388,7 +3012,15 @@
             <p:ph type="sldNum" sz="quarter" idx="12"/>
           </p:nvPr>
         </p:nvSpPr>
-        <p:spPr/>
+        <p:spPr>
+          <a:xfrm>
+            <a:off x="4843463" y="9181397"/>
+            <a:ext cx="1543050" cy="527403"/>
+          </a:xfrm>
+          <a:prstGeom prst="rect">
+            <a:avLst/>
+          </a:prstGeom>
+        </p:spPr>
         <p:txBody>
           <a:bodyPr/>
           <a:lstStyle/>
@@ -2436,217 +3068,2600 @@
           <a:chExt cx="0" cy="0"/>
         </a:xfrm>
       </p:grpSpPr>
+      <p:grpSp>
+        <p:nvGrpSpPr>
+          <p:cNvPr id="13" name="그룹 12">
+            <a:extLst>
+              <a:ext uri="{FF2B5EF4-FFF2-40B4-BE49-F238E27FC236}">
+                <a16:creationId xmlns:a16="http://schemas.microsoft.com/office/drawing/2014/main" id="{A377376E-33E7-E217-7917-56934A616958}"/>
+              </a:ext>
+            </a:extLst>
+          </p:cNvPr>
+          <p:cNvGrpSpPr/>
+          <p:nvPr userDrawn="1"/>
+        </p:nvGrpSpPr>
+        <p:grpSpPr>
+          <a:xfrm>
+            <a:off x="-9144" y="0"/>
+            <a:ext cx="6867144" cy="9906000"/>
+            <a:chOff x="-9144" y="0"/>
+            <a:chExt cx="6867144" cy="9906000"/>
+          </a:xfrm>
+        </p:grpSpPr>
+        <p:cxnSp>
+          <p:nvCxnSpPr>
+            <p:cNvPr id="8" name="직선 연결선 7">
+              <a:extLst>
+                <a:ext uri="{FF2B5EF4-FFF2-40B4-BE49-F238E27FC236}">
+                  <a16:creationId xmlns:a16="http://schemas.microsoft.com/office/drawing/2014/main" id="{96E54351-350F-536C-F06B-E828599DEE99}"/>
+                </a:ext>
+              </a:extLst>
+            </p:cNvPr>
+            <p:cNvCxnSpPr/>
+            <p:nvPr userDrawn="1"/>
+          </p:nvCxnSpPr>
+          <p:spPr>
+            <a:xfrm>
+              <a:off x="3424428" y="0"/>
+              <a:ext cx="0" cy="9906000"/>
+            </a:xfrm>
+            <a:prstGeom prst="line">
+              <a:avLst/>
+            </a:prstGeom>
+            <a:ln w="9525" cap="flat" cmpd="sng" algn="ctr">
+              <a:solidFill>
+                <a:schemeClr val="bg1">
+                  <a:lumMod val="85000"/>
+                </a:schemeClr>
+              </a:solidFill>
+              <a:prstDash val="dash"/>
+              <a:round/>
+              <a:headEnd type="none" w="med" len="med"/>
+              <a:tailEnd type="none" w="med" len="med"/>
+            </a:ln>
+          </p:spPr>
+          <p:style>
+            <a:lnRef idx="0">
+              <a:scrgbClr r="0" g="0" b="0"/>
+            </a:lnRef>
+            <a:fillRef idx="0">
+              <a:scrgbClr r="0" g="0" b="0"/>
+            </a:fillRef>
+            <a:effectRef idx="0">
+              <a:scrgbClr r="0" g="0" b="0"/>
+            </a:effectRef>
+            <a:fontRef idx="minor">
+              <a:schemeClr val="tx1"/>
+            </a:fontRef>
+          </p:style>
+        </p:cxnSp>
+        <p:cxnSp>
+          <p:nvCxnSpPr>
+            <p:cNvPr id="9" name="직선 연결선 8">
+              <a:extLst>
+                <a:ext uri="{FF2B5EF4-FFF2-40B4-BE49-F238E27FC236}">
+                  <a16:creationId xmlns:a16="http://schemas.microsoft.com/office/drawing/2014/main" id="{D8F1EE4B-62D9-260E-3673-E8949A284AC0}"/>
+                </a:ext>
+              </a:extLst>
+            </p:cNvPr>
+            <p:cNvCxnSpPr/>
+            <p:nvPr userDrawn="1"/>
+          </p:nvCxnSpPr>
+          <p:spPr>
+            <a:xfrm>
+              <a:off x="1707642" y="0"/>
+              <a:ext cx="0" cy="9906000"/>
+            </a:xfrm>
+            <a:prstGeom prst="line">
+              <a:avLst/>
+            </a:prstGeom>
+            <a:ln w="9525" cap="flat" cmpd="sng" algn="ctr">
+              <a:solidFill>
+                <a:schemeClr val="bg1">
+                  <a:lumMod val="85000"/>
+                </a:schemeClr>
+              </a:solidFill>
+              <a:prstDash val="dash"/>
+              <a:round/>
+              <a:headEnd type="none" w="med" len="med"/>
+              <a:tailEnd type="none" w="med" len="med"/>
+            </a:ln>
+          </p:spPr>
+          <p:style>
+            <a:lnRef idx="0">
+              <a:scrgbClr r="0" g="0" b="0"/>
+            </a:lnRef>
+            <a:fillRef idx="0">
+              <a:scrgbClr r="0" g="0" b="0"/>
+            </a:fillRef>
+            <a:effectRef idx="0">
+              <a:scrgbClr r="0" g="0" b="0"/>
+            </a:effectRef>
+            <a:fontRef idx="minor">
+              <a:schemeClr val="tx1"/>
+            </a:fontRef>
+          </p:style>
+        </p:cxnSp>
+        <p:cxnSp>
+          <p:nvCxnSpPr>
+            <p:cNvPr id="10" name="직선 연결선 9">
+              <a:extLst>
+                <a:ext uri="{FF2B5EF4-FFF2-40B4-BE49-F238E27FC236}">
+                  <a16:creationId xmlns:a16="http://schemas.microsoft.com/office/drawing/2014/main" id="{8C7E6CCA-78A4-7FCF-0874-2DE7048A0FEE}"/>
+                </a:ext>
+              </a:extLst>
+            </p:cNvPr>
+            <p:cNvCxnSpPr/>
+            <p:nvPr userDrawn="1"/>
+          </p:nvCxnSpPr>
+          <p:spPr>
+            <a:xfrm>
+              <a:off x="-9144" y="0"/>
+              <a:ext cx="0" cy="9906000"/>
+            </a:xfrm>
+            <a:prstGeom prst="line">
+              <a:avLst/>
+            </a:prstGeom>
+            <a:ln w="9525" cap="flat" cmpd="sng" algn="ctr">
+              <a:solidFill>
+                <a:schemeClr val="bg1">
+                  <a:lumMod val="85000"/>
+                </a:schemeClr>
+              </a:solidFill>
+              <a:prstDash val="dash"/>
+              <a:round/>
+              <a:headEnd type="none" w="med" len="med"/>
+              <a:tailEnd type="none" w="med" len="med"/>
+            </a:ln>
+          </p:spPr>
+          <p:style>
+            <a:lnRef idx="0">
+              <a:scrgbClr r="0" g="0" b="0"/>
+            </a:lnRef>
+            <a:fillRef idx="0">
+              <a:scrgbClr r="0" g="0" b="0"/>
+            </a:fillRef>
+            <a:effectRef idx="0">
+              <a:scrgbClr r="0" g="0" b="0"/>
+            </a:effectRef>
+            <a:fontRef idx="minor">
+              <a:schemeClr val="tx1"/>
+            </a:fontRef>
+          </p:style>
+        </p:cxnSp>
+        <p:cxnSp>
+          <p:nvCxnSpPr>
+            <p:cNvPr id="11" name="직선 연결선 10">
+              <a:extLst>
+                <a:ext uri="{FF2B5EF4-FFF2-40B4-BE49-F238E27FC236}">
+                  <a16:creationId xmlns:a16="http://schemas.microsoft.com/office/drawing/2014/main" id="{70310EC4-A88D-686D-EB50-B3BF56CF236F}"/>
+                </a:ext>
+              </a:extLst>
+            </p:cNvPr>
+            <p:cNvCxnSpPr/>
+            <p:nvPr userDrawn="1"/>
+          </p:nvCxnSpPr>
+          <p:spPr>
+            <a:xfrm>
+              <a:off x="6858000" y="0"/>
+              <a:ext cx="0" cy="9906000"/>
+            </a:xfrm>
+            <a:prstGeom prst="line">
+              <a:avLst/>
+            </a:prstGeom>
+            <a:ln w="9525" cap="flat" cmpd="sng" algn="ctr">
+              <a:solidFill>
+                <a:schemeClr val="bg1">
+                  <a:lumMod val="85000"/>
+                </a:schemeClr>
+              </a:solidFill>
+              <a:prstDash val="dash"/>
+              <a:round/>
+              <a:headEnd type="none" w="med" len="med"/>
+              <a:tailEnd type="none" w="med" len="med"/>
+            </a:ln>
+          </p:spPr>
+          <p:style>
+            <a:lnRef idx="0">
+              <a:scrgbClr r="0" g="0" b="0"/>
+            </a:lnRef>
+            <a:fillRef idx="0">
+              <a:scrgbClr r="0" g="0" b="0"/>
+            </a:fillRef>
+            <a:effectRef idx="0">
+              <a:scrgbClr r="0" g="0" b="0"/>
+            </a:effectRef>
+            <a:fontRef idx="minor">
+              <a:schemeClr val="tx1"/>
+            </a:fontRef>
+          </p:style>
+        </p:cxnSp>
+        <p:cxnSp>
+          <p:nvCxnSpPr>
+            <p:cNvPr id="12" name="직선 연결선 11">
+              <a:extLst>
+                <a:ext uri="{FF2B5EF4-FFF2-40B4-BE49-F238E27FC236}">
+                  <a16:creationId xmlns:a16="http://schemas.microsoft.com/office/drawing/2014/main" id="{6790F5CF-14C2-2556-CB1B-E4A333CE394E}"/>
+                </a:ext>
+              </a:extLst>
+            </p:cNvPr>
+            <p:cNvCxnSpPr/>
+            <p:nvPr userDrawn="1"/>
+          </p:nvCxnSpPr>
+          <p:spPr>
+            <a:xfrm>
+              <a:off x="5141214" y="0"/>
+              <a:ext cx="0" cy="9906000"/>
+            </a:xfrm>
+            <a:prstGeom prst="line">
+              <a:avLst/>
+            </a:prstGeom>
+            <a:ln w="9525" cap="flat" cmpd="sng" algn="ctr">
+              <a:solidFill>
+                <a:schemeClr val="bg1">
+                  <a:lumMod val="85000"/>
+                </a:schemeClr>
+              </a:solidFill>
+              <a:prstDash val="dash"/>
+              <a:round/>
+              <a:headEnd type="none" w="med" len="med"/>
+              <a:tailEnd type="none" w="med" len="med"/>
+            </a:ln>
+          </p:spPr>
+          <p:style>
+            <a:lnRef idx="0">
+              <a:scrgbClr r="0" g="0" b="0"/>
+            </a:lnRef>
+            <a:fillRef idx="0">
+              <a:scrgbClr r="0" g="0" b="0"/>
+            </a:fillRef>
+            <a:effectRef idx="0">
+              <a:scrgbClr r="0" g="0" b="0"/>
+            </a:effectRef>
+            <a:fontRef idx="minor">
+              <a:schemeClr val="tx1"/>
+            </a:fontRef>
+          </p:style>
+        </p:cxnSp>
+      </p:grpSp>
       <p:sp>
         <p:nvSpPr>
-          <p:cNvPr id="2" name="Title Placeholder 1"/>
-          <p:cNvSpPr>
-            <a:spLocks noGrp="1"/>
-          </p:cNvSpPr>
-          <p:nvPr>
-            <p:ph type="title"/>
-          </p:nvPr>
+          <p:cNvPr id="18" name="TextBox 17">
+            <a:extLst>
+              <a:ext uri="{FF2B5EF4-FFF2-40B4-BE49-F238E27FC236}">
+                <a16:creationId xmlns:a16="http://schemas.microsoft.com/office/drawing/2014/main" id="{263543E4-01BD-53D8-4C3A-0872CD57452E}"/>
+              </a:ext>
+            </a:extLst>
+          </p:cNvPr>
+          <p:cNvSpPr txBox="1"/>
+          <p:nvPr userDrawn="1"/>
         </p:nvSpPr>
         <p:spPr>
           <a:xfrm>
-            <a:off x="471488" y="527405"/>
-            <a:ext cx="5915025" cy="1914702"/>
-          </a:xfrm>
-          <a:prstGeom prst="rect">
-            <a:avLst/>
-          </a:prstGeom>
+            <a:off x="1591282" y="491142"/>
+            <a:ext cx="3429000" cy="369332"/>
+          </a:xfrm>
+          <a:prstGeom prst="rect">
+            <a:avLst/>
+          </a:prstGeom>
+          <a:noFill/>
         </p:spPr>
         <p:txBody>
-          <a:bodyPr vert="horz" lIns="91440" tIns="45720" rIns="91440" bIns="45720" rtlCol="0" anchor="ctr">
-            <a:normAutofit/>
+          <a:bodyPr wrap="square">
+            <a:spAutoFit/>
           </a:bodyPr>
           <a:lstStyle/>
           <a:p>
-            <a:r>
-              <a:rPr lang="ko-KR" altLang="en-US"/>
-              <a:t>마스터 제목 스타일 편집</a:t>
-            </a:r>
-            <a:endParaRPr lang="en-US" dirty="0"/>
+            <a:pPr algn="ctr"/>
+            <a:r>
+              <a:rPr lang="ko-KR" altLang="en-US" b="1" dirty="0">
+                <a:latin typeface="나눔고딕" panose="020D0604000000000000" pitchFamily="50" charset="-127"/>
+                <a:ea typeface="나눔고딕" panose="020D0604000000000000" pitchFamily="50" charset="-127"/>
+              </a:rPr>
+              <a:t>사랑한데 </a:t>
+            </a:r>
+            <a:r>
+              <a:rPr lang="en-US" altLang="ko-KR" b="1" dirty="0">
+                <a:latin typeface="나눔고딕" panose="020D0604000000000000" pitchFamily="50" charset="-127"/>
+                <a:ea typeface="나눔고딕" panose="020D0604000000000000" pitchFamily="50" charset="-127"/>
+              </a:rPr>
+              <a:t>- </a:t>
+            </a:r>
+            <a:r>
+              <a:rPr lang="ko-KR" altLang="en-US" b="1" dirty="0">
+                <a:latin typeface="나눔고딕" panose="020D0604000000000000" pitchFamily="50" charset="-127"/>
+                <a:ea typeface="나눔고딕" panose="020D0604000000000000" pitchFamily="50" charset="-127"/>
+              </a:rPr>
+              <a:t>적재</a:t>
+            </a:r>
+          </a:p>
+        </p:txBody>
+      </p:sp>
+      <p:cxnSp>
+        <p:nvCxnSpPr>
+          <p:cNvPr id="38" name="직선 연결선 37">
+            <a:extLst>
+              <a:ext uri="{FF2B5EF4-FFF2-40B4-BE49-F238E27FC236}">
+                <a16:creationId xmlns:a16="http://schemas.microsoft.com/office/drawing/2014/main" id="{6DB2EAA0-AC53-F85A-7089-A3EA3DD83A6F}"/>
+              </a:ext>
+            </a:extLst>
+          </p:cNvPr>
+          <p:cNvCxnSpPr>
+            <a:cxnSpLocks/>
+          </p:cNvCxnSpPr>
+          <p:nvPr userDrawn="1"/>
+        </p:nvCxnSpPr>
+        <p:spPr>
+          <a:xfrm>
+            <a:off x="0" y="9906000"/>
+            <a:ext cx="6858000" cy="0"/>
+          </a:xfrm>
+          <a:prstGeom prst="line">
+            <a:avLst/>
+          </a:prstGeom>
+          <a:ln w="9525" cap="flat" cmpd="sng" algn="ctr">
+            <a:solidFill>
+              <a:schemeClr val="bg1">
+                <a:lumMod val="85000"/>
+              </a:schemeClr>
+            </a:solidFill>
+            <a:prstDash val="dash"/>
+            <a:round/>
+            <a:headEnd type="none" w="med" len="med"/>
+            <a:tailEnd type="none" w="med" len="med"/>
+          </a:ln>
+        </p:spPr>
+        <p:style>
+          <a:lnRef idx="0">
+            <a:scrgbClr r="0" g="0" b="0"/>
+          </a:lnRef>
+          <a:fillRef idx="0">
+            <a:scrgbClr r="0" g="0" b="0"/>
+          </a:fillRef>
+          <a:effectRef idx="0">
+            <a:scrgbClr r="0" g="0" b="0"/>
+          </a:effectRef>
+          <a:fontRef idx="minor">
+            <a:schemeClr val="tx1"/>
+          </a:fontRef>
+        </p:style>
+      </p:cxnSp>
+      <p:cxnSp>
+        <p:nvCxnSpPr>
+          <p:cNvPr id="43" name="직선 연결선 42">
+            <a:extLst>
+              <a:ext uri="{FF2B5EF4-FFF2-40B4-BE49-F238E27FC236}">
+                <a16:creationId xmlns:a16="http://schemas.microsoft.com/office/drawing/2014/main" id="{AC835E60-1A27-E848-6630-E6AF1F977F20}"/>
+              </a:ext>
+            </a:extLst>
+          </p:cNvPr>
+          <p:cNvCxnSpPr>
+            <a:cxnSpLocks/>
+          </p:cNvCxnSpPr>
+          <p:nvPr userDrawn="1"/>
+        </p:nvCxnSpPr>
+        <p:spPr>
+          <a:xfrm>
+            <a:off x="0" y="999744"/>
+            <a:ext cx="6858000" cy="0"/>
+          </a:xfrm>
+          <a:prstGeom prst="line">
+            <a:avLst/>
+          </a:prstGeom>
+          <a:ln w="9525" cap="flat" cmpd="sng" algn="ctr">
+            <a:solidFill>
+              <a:schemeClr val="bg1">
+                <a:lumMod val="85000"/>
+              </a:schemeClr>
+            </a:solidFill>
+            <a:prstDash val="dash"/>
+            <a:round/>
+            <a:headEnd type="none" w="med" len="med"/>
+            <a:tailEnd type="none" w="med" len="med"/>
+          </a:ln>
+        </p:spPr>
+        <p:style>
+          <a:lnRef idx="0">
+            <a:scrgbClr r="0" g="0" b="0"/>
+          </a:lnRef>
+          <a:fillRef idx="0">
+            <a:scrgbClr r="0" g="0" b="0"/>
+          </a:fillRef>
+          <a:effectRef idx="0">
+            <a:scrgbClr r="0" g="0" b="0"/>
+          </a:effectRef>
+          <a:fontRef idx="minor">
+            <a:schemeClr val="tx1"/>
+          </a:fontRef>
+        </p:style>
+      </p:cxnSp>
+      <p:cxnSp>
+        <p:nvCxnSpPr>
+          <p:cNvPr id="44" name="직선 연결선 43">
+            <a:extLst>
+              <a:ext uri="{FF2B5EF4-FFF2-40B4-BE49-F238E27FC236}">
+                <a16:creationId xmlns:a16="http://schemas.microsoft.com/office/drawing/2014/main" id="{E1B786FA-488D-63FC-BE2B-8927D41ADEB0}"/>
+              </a:ext>
+            </a:extLst>
+          </p:cNvPr>
+          <p:cNvCxnSpPr>
+            <a:cxnSpLocks/>
+          </p:cNvCxnSpPr>
+          <p:nvPr userDrawn="1"/>
+        </p:nvCxnSpPr>
+        <p:spPr>
+          <a:xfrm>
+            <a:off x="0" y="1287043"/>
+            <a:ext cx="6858000" cy="0"/>
+          </a:xfrm>
+          <a:prstGeom prst="line">
+            <a:avLst/>
+          </a:prstGeom>
+          <a:ln w="9525" cap="flat" cmpd="sng" algn="ctr">
+            <a:solidFill>
+              <a:schemeClr val="bg1">
+                <a:lumMod val="85000"/>
+              </a:schemeClr>
+            </a:solidFill>
+            <a:prstDash val="dash"/>
+            <a:round/>
+            <a:headEnd type="none" w="med" len="med"/>
+            <a:tailEnd type="none" w="med" len="med"/>
+          </a:ln>
+        </p:spPr>
+        <p:style>
+          <a:lnRef idx="0">
+            <a:scrgbClr r="0" g="0" b="0"/>
+          </a:lnRef>
+          <a:fillRef idx="0">
+            <a:scrgbClr r="0" g="0" b="0"/>
+          </a:fillRef>
+          <a:effectRef idx="0">
+            <a:scrgbClr r="0" g="0" b="0"/>
+          </a:effectRef>
+          <a:fontRef idx="minor">
+            <a:schemeClr val="tx1"/>
+          </a:fontRef>
+        </p:style>
+      </p:cxnSp>
+      <p:cxnSp>
+        <p:nvCxnSpPr>
+          <p:cNvPr id="45" name="직선 연결선 44">
+            <a:extLst>
+              <a:ext uri="{FF2B5EF4-FFF2-40B4-BE49-F238E27FC236}">
+                <a16:creationId xmlns:a16="http://schemas.microsoft.com/office/drawing/2014/main" id="{567CAC49-38C0-05C4-FBD0-6A2F7830C5B8}"/>
+              </a:ext>
+            </a:extLst>
+          </p:cNvPr>
+          <p:cNvCxnSpPr>
+            <a:cxnSpLocks/>
+          </p:cNvCxnSpPr>
+          <p:nvPr userDrawn="1"/>
+        </p:nvCxnSpPr>
+        <p:spPr>
+          <a:xfrm>
+            <a:off x="0" y="1574342"/>
+            <a:ext cx="6858000" cy="0"/>
+          </a:xfrm>
+          <a:prstGeom prst="line">
+            <a:avLst/>
+          </a:prstGeom>
+          <a:ln w="9525" cap="flat" cmpd="sng" algn="ctr">
+            <a:solidFill>
+              <a:schemeClr val="bg1">
+                <a:lumMod val="85000"/>
+              </a:schemeClr>
+            </a:solidFill>
+            <a:prstDash val="dash"/>
+            <a:round/>
+            <a:headEnd type="none" w="med" len="med"/>
+            <a:tailEnd type="none" w="med" len="med"/>
+          </a:ln>
+        </p:spPr>
+        <p:style>
+          <a:lnRef idx="0">
+            <a:scrgbClr r="0" g="0" b="0"/>
+          </a:lnRef>
+          <a:fillRef idx="0">
+            <a:scrgbClr r="0" g="0" b="0"/>
+          </a:fillRef>
+          <a:effectRef idx="0">
+            <a:scrgbClr r="0" g="0" b="0"/>
+          </a:effectRef>
+          <a:fontRef idx="minor">
+            <a:schemeClr val="tx1"/>
+          </a:fontRef>
+        </p:style>
+      </p:cxnSp>
+      <p:cxnSp>
+        <p:nvCxnSpPr>
+          <p:cNvPr id="46" name="직선 연결선 45">
+            <a:extLst>
+              <a:ext uri="{FF2B5EF4-FFF2-40B4-BE49-F238E27FC236}">
+                <a16:creationId xmlns:a16="http://schemas.microsoft.com/office/drawing/2014/main" id="{78904F8F-CE2A-540F-7153-57C6763CF68D}"/>
+              </a:ext>
+            </a:extLst>
+          </p:cNvPr>
+          <p:cNvCxnSpPr>
+            <a:cxnSpLocks/>
+          </p:cNvCxnSpPr>
+          <p:nvPr userDrawn="1"/>
+        </p:nvCxnSpPr>
+        <p:spPr>
+          <a:xfrm>
+            <a:off x="0" y="1861641"/>
+            <a:ext cx="6858000" cy="0"/>
+          </a:xfrm>
+          <a:prstGeom prst="line">
+            <a:avLst/>
+          </a:prstGeom>
+          <a:ln w="9525" cap="flat" cmpd="sng" algn="ctr">
+            <a:solidFill>
+              <a:schemeClr val="bg1">
+                <a:lumMod val="85000"/>
+              </a:schemeClr>
+            </a:solidFill>
+            <a:prstDash val="dash"/>
+            <a:round/>
+            <a:headEnd type="none" w="med" len="med"/>
+            <a:tailEnd type="none" w="med" len="med"/>
+          </a:ln>
+        </p:spPr>
+        <p:style>
+          <a:lnRef idx="0">
+            <a:scrgbClr r="0" g="0" b="0"/>
+          </a:lnRef>
+          <a:fillRef idx="0">
+            <a:scrgbClr r="0" g="0" b="0"/>
+          </a:fillRef>
+          <a:effectRef idx="0">
+            <a:scrgbClr r="0" g="0" b="0"/>
+          </a:effectRef>
+          <a:fontRef idx="minor">
+            <a:schemeClr val="tx1"/>
+          </a:fontRef>
+        </p:style>
+      </p:cxnSp>
+      <p:cxnSp>
+        <p:nvCxnSpPr>
+          <p:cNvPr id="47" name="직선 연결선 46">
+            <a:extLst>
+              <a:ext uri="{FF2B5EF4-FFF2-40B4-BE49-F238E27FC236}">
+                <a16:creationId xmlns:a16="http://schemas.microsoft.com/office/drawing/2014/main" id="{B1008A32-FD17-B306-5DE3-2878A3641D39}"/>
+              </a:ext>
+            </a:extLst>
+          </p:cNvPr>
+          <p:cNvCxnSpPr>
+            <a:cxnSpLocks/>
+          </p:cNvCxnSpPr>
+          <p:nvPr userDrawn="1"/>
+        </p:nvCxnSpPr>
+        <p:spPr>
+          <a:xfrm>
+            <a:off x="0" y="2148940"/>
+            <a:ext cx="6858000" cy="0"/>
+          </a:xfrm>
+          <a:prstGeom prst="line">
+            <a:avLst/>
+          </a:prstGeom>
+          <a:ln w="9525" cap="flat" cmpd="sng" algn="ctr">
+            <a:solidFill>
+              <a:schemeClr val="bg1">
+                <a:lumMod val="85000"/>
+              </a:schemeClr>
+            </a:solidFill>
+            <a:prstDash val="dash"/>
+            <a:round/>
+            <a:headEnd type="none" w="med" len="med"/>
+            <a:tailEnd type="none" w="med" len="med"/>
+          </a:ln>
+        </p:spPr>
+        <p:style>
+          <a:lnRef idx="0">
+            <a:scrgbClr r="0" g="0" b="0"/>
+          </a:lnRef>
+          <a:fillRef idx="0">
+            <a:scrgbClr r="0" g="0" b="0"/>
+          </a:fillRef>
+          <a:effectRef idx="0">
+            <a:scrgbClr r="0" g="0" b="0"/>
+          </a:effectRef>
+          <a:fontRef idx="minor">
+            <a:schemeClr val="tx1"/>
+          </a:fontRef>
+        </p:style>
+      </p:cxnSp>
+      <p:cxnSp>
+        <p:nvCxnSpPr>
+          <p:cNvPr id="48" name="직선 연결선 47">
+            <a:extLst>
+              <a:ext uri="{FF2B5EF4-FFF2-40B4-BE49-F238E27FC236}">
+                <a16:creationId xmlns:a16="http://schemas.microsoft.com/office/drawing/2014/main" id="{E8BFDB65-3E60-B6F7-3C8C-2A99ECFBB17F}"/>
+              </a:ext>
+            </a:extLst>
+          </p:cNvPr>
+          <p:cNvCxnSpPr>
+            <a:cxnSpLocks/>
+          </p:cNvCxnSpPr>
+          <p:nvPr userDrawn="1"/>
+        </p:nvCxnSpPr>
+        <p:spPr>
+          <a:xfrm>
+            <a:off x="0" y="2436239"/>
+            <a:ext cx="6858000" cy="0"/>
+          </a:xfrm>
+          <a:prstGeom prst="line">
+            <a:avLst/>
+          </a:prstGeom>
+          <a:ln w="9525" cap="flat" cmpd="sng" algn="ctr">
+            <a:solidFill>
+              <a:schemeClr val="bg1">
+                <a:lumMod val="85000"/>
+              </a:schemeClr>
+            </a:solidFill>
+            <a:prstDash val="dash"/>
+            <a:round/>
+            <a:headEnd type="none" w="med" len="med"/>
+            <a:tailEnd type="none" w="med" len="med"/>
+          </a:ln>
+        </p:spPr>
+        <p:style>
+          <a:lnRef idx="0">
+            <a:scrgbClr r="0" g="0" b="0"/>
+          </a:lnRef>
+          <a:fillRef idx="0">
+            <a:scrgbClr r="0" g="0" b="0"/>
+          </a:fillRef>
+          <a:effectRef idx="0">
+            <a:scrgbClr r="0" g="0" b="0"/>
+          </a:effectRef>
+          <a:fontRef idx="minor">
+            <a:schemeClr val="tx1"/>
+          </a:fontRef>
+        </p:style>
+      </p:cxnSp>
+      <p:cxnSp>
+        <p:nvCxnSpPr>
+          <p:cNvPr id="49" name="직선 연결선 48">
+            <a:extLst>
+              <a:ext uri="{FF2B5EF4-FFF2-40B4-BE49-F238E27FC236}">
+                <a16:creationId xmlns:a16="http://schemas.microsoft.com/office/drawing/2014/main" id="{43A4866F-C9B6-DA79-0EA6-1D56EE60D18E}"/>
+              </a:ext>
+            </a:extLst>
+          </p:cNvPr>
+          <p:cNvCxnSpPr>
+            <a:cxnSpLocks/>
+          </p:cNvCxnSpPr>
+          <p:nvPr userDrawn="1"/>
+        </p:nvCxnSpPr>
+        <p:spPr>
+          <a:xfrm>
+            <a:off x="0" y="2723538"/>
+            <a:ext cx="6858000" cy="0"/>
+          </a:xfrm>
+          <a:prstGeom prst="line">
+            <a:avLst/>
+          </a:prstGeom>
+          <a:ln w="9525" cap="flat" cmpd="sng" algn="ctr">
+            <a:solidFill>
+              <a:schemeClr val="bg1">
+                <a:lumMod val="85000"/>
+              </a:schemeClr>
+            </a:solidFill>
+            <a:prstDash val="dash"/>
+            <a:round/>
+            <a:headEnd type="none" w="med" len="med"/>
+            <a:tailEnd type="none" w="med" len="med"/>
+          </a:ln>
+        </p:spPr>
+        <p:style>
+          <a:lnRef idx="0">
+            <a:scrgbClr r="0" g="0" b="0"/>
+          </a:lnRef>
+          <a:fillRef idx="0">
+            <a:scrgbClr r="0" g="0" b="0"/>
+          </a:fillRef>
+          <a:effectRef idx="0">
+            <a:scrgbClr r="0" g="0" b="0"/>
+          </a:effectRef>
+          <a:fontRef idx="minor">
+            <a:schemeClr val="tx1"/>
+          </a:fontRef>
+        </p:style>
+      </p:cxnSp>
+      <p:cxnSp>
+        <p:nvCxnSpPr>
+          <p:cNvPr id="50" name="직선 연결선 49">
+            <a:extLst>
+              <a:ext uri="{FF2B5EF4-FFF2-40B4-BE49-F238E27FC236}">
+                <a16:creationId xmlns:a16="http://schemas.microsoft.com/office/drawing/2014/main" id="{4B7EF08F-E0FF-08F3-EB88-C0E143DA7B86}"/>
+              </a:ext>
+            </a:extLst>
+          </p:cNvPr>
+          <p:cNvCxnSpPr>
+            <a:cxnSpLocks/>
+          </p:cNvCxnSpPr>
+          <p:nvPr userDrawn="1"/>
+        </p:nvCxnSpPr>
+        <p:spPr>
+          <a:xfrm>
+            <a:off x="0" y="3010837"/>
+            <a:ext cx="6858000" cy="0"/>
+          </a:xfrm>
+          <a:prstGeom prst="line">
+            <a:avLst/>
+          </a:prstGeom>
+          <a:ln w="9525" cap="flat" cmpd="sng" algn="ctr">
+            <a:solidFill>
+              <a:schemeClr val="bg1">
+                <a:lumMod val="85000"/>
+              </a:schemeClr>
+            </a:solidFill>
+            <a:prstDash val="dash"/>
+            <a:round/>
+            <a:headEnd type="none" w="med" len="med"/>
+            <a:tailEnd type="none" w="med" len="med"/>
+          </a:ln>
+        </p:spPr>
+        <p:style>
+          <a:lnRef idx="0">
+            <a:scrgbClr r="0" g="0" b="0"/>
+          </a:lnRef>
+          <a:fillRef idx="0">
+            <a:scrgbClr r="0" g="0" b="0"/>
+          </a:fillRef>
+          <a:effectRef idx="0">
+            <a:scrgbClr r="0" g="0" b="0"/>
+          </a:effectRef>
+          <a:fontRef idx="minor">
+            <a:schemeClr val="tx1"/>
+          </a:fontRef>
+        </p:style>
+      </p:cxnSp>
+      <p:cxnSp>
+        <p:nvCxnSpPr>
+          <p:cNvPr id="51" name="직선 연결선 50">
+            <a:extLst>
+              <a:ext uri="{FF2B5EF4-FFF2-40B4-BE49-F238E27FC236}">
+                <a16:creationId xmlns:a16="http://schemas.microsoft.com/office/drawing/2014/main" id="{79D78ED2-560C-8D0E-E75D-E62B1AFB587E}"/>
+              </a:ext>
+            </a:extLst>
+          </p:cNvPr>
+          <p:cNvCxnSpPr>
+            <a:cxnSpLocks/>
+          </p:cNvCxnSpPr>
+          <p:nvPr userDrawn="1"/>
+        </p:nvCxnSpPr>
+        <p:spPr>
+          <a:xfrm>
+            <a:off x="0" y="3298136"/>
+            <a:ext cx="6858000" cy="0"/>
+          </a:xfrm>
+          <a:prstGeom prst="line">
+            <a:avLst/>
+          </a:prstGeom>
+          <a:ln w="9525" cap="flat" cmpd="sng" algn="ctr">
+            <a:solidFill>
+              <a:schemeClr val="bg1">
+                <a:lumMod val="85000"/>
+              </a:schemeClr>
+            </a:solidFill>
+            <a:prstDash val="dash"/>
+            <a:round/>
+            <a:headEnd type="none" w="med" len="med"/>
+            <a:tailEnd type="none" w="med" len="med"/>
+          </a:ln>
+        </p:spPr>
+        <p:style>
+          <a:lnRef idx="0">
+            <a:scrgbClr r="0" g="0" b="0"/>
+          </a:lnRef>
+          <a:fillRef idx="0">
+            <a:scrgbClr r="0" g="0" b="0"/>
+          </a:fillRef>
+          <a:effectRef idx="0">
+            <a:scrgbClr r="0" g="0" b="0"/>
+          </a:effectRef>
+          <a:fontRef idx="minor">
+            <a:schemeClr val="tx1"/>
+          </a:fontRef>
+        </p:style>
+      </p:cxnSp>
+      <p:cxnSp>
+        <p:nvCxnSpPr>
+          <p:cNvPr id="52" name="직선 연결선 51">
+            <a:extLst>
+              <a:ext uri="{FF2B5EF4-FFF2-40B4-BE49-F238E27FC236}">
+                <a16:creationId xmlns:a16="http://schemas.microsoft.com/office/drawing/2014/main" id="{2E190F40-DBF9-C718-4320-E76BCAC81428}"/>
+              </a:ext>
+            </a:extLst>
+          </p:cNvPr>
+          <p:cNvCxnSpPr>
+            <a:cxnSpLocks/>
+          </p:cNvCxnSpPr>
+          <p:nvPr userDrawn="1"/>
+        </p:nvCxnSpPr>
+        <p:spPr>
+          <a:xfrm>
+            <a:off x="0" y="3585435"/>
+            <a:ext cx="6858000" cy="0"/>
+          </a:xfrm>
+          <a:prstGeom prst="line">
+            <a:avLst/>
+          </a:prstGeom>
+          <a:ln w="9525" cap="flat" cmpd="sng" algn="ctr">
+            <a:solidFill>
+              <a:schemeClr val="bg1">
+                <a:lumMod val="85000"/>
+              </a:schemeClr>
+            </a:solidFill>
+            <a:prstDash val="dash"/>
+            <a:round/>
+            <a:headEnd type="none" w="med" len="med"/>
+            <a:tailEnd type="none" w="med" len="med"/>
+          </a:ln>
+        </p:spPr>
+        <p:style>
+          <a:lnRef idx="0">
+            <a:scrgbClr r="0" g="0" b="0"/>
+          </a:lnRef>
+          <a:fillRef idx="0">
+            <a:scrgbClr r="0" g="0" b="0"/>
+          </a:fillRef>
+          <a:effectRef idx="0">
+            <a:scrgbClr r="0" g="0" b="0"/>
+          </a:effectRef>
+          <a:fontRef idx="minor">
+            <a:schemeClr val="tx1"/>
+          </a:fontRef>
+        </p:style>
+      </p:cxnSp>
+      <p:cxnSp>
+        <p:nvCxnSpPr>
+          <p:cNvPr id="53" name="직선 연결선 52">
+            <a:extLst>
+              <a:ext uri="{FF2B5EF4-FFF2-40B4-BE49-F238E27FC236}">
+                <a16:creationId xmlns:a16="http://schemas.microsoft.com/office/drawing/2014/main" id="{9EBB237F-71CE-333A-02E1-E36969A2BC0A}"/>
+              </a:ext>
+            </a:extLst>
+          </p:cNvPr>
+          <p:cNvCxnSpPr>
+            <a:cxnSpLocks/>
+          </p:cNvCxnSpPr>
+          <p:nvPr userDrawn="1"/>
+        </p:nvCxnSpPr>
+        <p:spPr>
+          <a:xfrm>
+            <a:off x="0" y="3872734"/>
+            <a:ext cx="6858000" cy="0"/>
+          </a:xfrm>
+          <a:prstGeom prst="line">
+            <a:avLst/>
+          </a:prstGeom>
+          <a:ln w="9525" cap="flat" cmpd="sng" algn="ctr">
+            <a:solidFill>
+              <a:schemeClr val="bg1">
+                <a:lumMod val="85000"/>
+              </a:schemeClr>
+            </a:solidFill>
+            <a:prstDash val="dash"/>
+            <a:round/>
+            <a:headEnd type="none" w="med" len="med"/>
+            <a:tailEnd type="none" w="med" len="med"/>
+          </a:ln>
+        </p:spPr>
+        <p:style>
+          <a:lnRef idx="0">
+            <a:scrgbClr r="0" g="0" b="0"/>
+          </a:lnRef>
+          <a:fillRef idx="0">
+            <a:scrgbClr r="0" g="0" b="0"/>
+          </a:fillRef>
+          <a:effectRef idx="0">
+            <a:scrgbClr r="0" g="0" b="0"/>
+          </a:effectRef>
+          <a:fontRef idx="minor">
+            <a:schemeClr val="tx1"/>
+          </a:fontRef>
+        </p:style>
+      </p:cxnSp>
+      <p:cxnSp>
+        <p:nvCxnSpPr>
+          <p:cNvPr id="54" name="직선 연결선 53">
+            <a:extLst>
+              <a:ext uri="{FF2B5EF4-FFF2-40B4-BE49-F238E27FC236}">
+                <a16:creationId xmlns:a16="http://schemas.microsoft.com/office/drawing/2014/main" id="{BB962AF2-35A7-3A16-47E0-82004B7C07C4}"/>
+              </a:ext>
+            </a:extLst>
+          </p:cNvPr>
+          <p:cNvCxnSpPr>
+            <a:cxnSpLocks/>
+          </p:cNvCxnSpPr>
+          <p:nvPr userDrawn="1"/>
+        </p:nvCxnSpPr>
+        <p:spPr>
+          <a:xfrm>
+            <a:off x="0" y="4160033"/>
+            <a:ext cx="6858000" cy="0"/>
+          </a:xfrm>
+          <a:prstGeom prst="line">
+            <a:avLst/>
+          </a:prstGeom>
+          <a:ln w="9525" cap="flat" cmpd="sng" algn="ctr">
+            <a:solidFill>
+              <a:schemeClr val="bg1">
+                <a:lumMod val="85000"/>
+              </a:schemeClr>
+            </a:solidFill>
+            <a:prstDash val="dash"/>
+            <a:round/>
+            <a:headEnd type="none" w="med" len="med"/>
+            <a:tailEnd type="none" w="med" len="med"/>
+          </a:ln>
+        </p:spPr>
+        <p:style>
+          <a:lnRef idx="0">
+            <a:scrgbClr r="0" g="0" b="0"/>
+          </a:lnRef>
+          <a:fillRef idx="0">
+            <a:scrgbClr r="0" g="0" b="0"/>
+          </a:fillRef>
+          <a:effectRef idx="0">
+            <a:scrgbClr r="0" g="0" b="0"/>
+          </a:effectRef>
+          <a:fontRef idx="minor">
+            <a:schemeClr val="tx1"/>
+          </a:fontRef>
+        </p:style>
+      </p:cxnSp>
+      <p:cxnSp>
+        <p:nvCxnSpPr>
+          <p:cNvPr id="55" name="직선 연결선 54">
+            <a:extLst>
+              <a:ext uri="{FF2B5EF4-FFF2-40B4-BE49-F238E27FC236}">
+                <a16:creationId xmlns:a16="http://schemas.microsoft.com/office/drawing/2014/main" id="{1B6605CA-4728-85D2-795F-6A119FA5668F}"/>
+              </a:ext>
+            </a:extLst>
+          </p:cNvPr>
+          <p:cNvCxnSpPr>
+            <a:cxnSpLocks/>
+          </p:cNvCxnSpPr>
+          <p:nvPr userDrawn="1"/>
+        </p:nvCxnSpPr>
+        <p:spPr>
+          <a:xfrm>
+            <a:off x="0" y="4447332"/>
+            <a:ext cx="6858000" cy="0"/>
+          </a:xfrm>
+          <a:prstGeom prst="line">
+            <a:avLst/>
+          </a:prstGeom>
+          <a:ln w="9525" cap="flat" cmpd="sng" algn="ctr">
+            <a:solidFill>
+              <a:schemeClr val="bg1">
+                <a:lumMod val="85000"/>
+              </a:schemeClr>
+            </a:solidFill>
+            <a:prstDash val="dash"/>
+            <a:round/>
+            <a:headEnd type="none" w="med" len="med"/>
+            <a:tailEnd type="none" w="med" len="med"/>
+          </a:ln>
+        </p:spPr>
+        <p:style>
+          <a:lnRef idx="0">
+            <a:scrgbClr r="0" g="0" b="0"/>
+          </a:lnRef>
+          <a:fillRef idx="0">
+            <a:scrgbClr r="0" g="0" b="0"/>
+          </a:fillRef>
+          <a:effectRef idx="0">
+            <a:scrgbClr r="0" g="0" b="0"/>
+          </a:effectRef>
+          <a:fontRef idx="minor">
+            <a:schemeClr val="tx1"/>
+          </a:fontRef>
+        </p:style>
+      </p:cxnSp>
+      <p:cxnSp>
+        <p:nvCxnSpPr>
+          <p:cNvPr id="56" name="직선 연결선 55">
+            <a:extLst>
+              <a:ext uri="{FF2B5EF4-FFF2-40B4-BE49-F238E27FC236}">
+                <a16:creationId xmlns:a16="http://schemas.microsoft.com/office/drawing/2014/main" id="{D9B05A69-F47F-25DD-CB65-8C8D787FDFFF}"/>
+              </a:ext>
+            </a:extLst>
+          </p:cNvPr>
+          <p:cNvCxnSpPr>
+            <a:cxnSpLocks/>
+          </p:cNvCxnSpPr>
+          <p:nvPr userDrawn="1"/>
+        </p:nvCxnSpPr>
+        <p:spPr>
+          <a:xfrm>
+            <a:off x="0" y="4734631"/>
+            <a:ext cx="6858000" cy="0"/>
+          </a:xfrm>
+          <a:prstGeom prst="line">
+            <a:avLst/>
+          </a:prstGeom>
+          <a:ln w="9525" cap="flat" cmpd="sng" algn="ctr">
+            <a:solidFill>
+              <a:schemeClr val="bg1">
+                <a:lumMod val="85000"/>
+              </a:schemeClr>
+            </a:solidFill>
+            <a:prstDash val="dash"/>
+            <a:round/>
+            <a:headEnd type="none" w="med" len="med"/>
+            <a:tailEnd type="none" w="med" len="med"/>
+          </a:ln>
+        </p:spPr>
+        <p:style>
+          <a:lnRef idx="0">
+            <a:scrgbClr r="0" g="0" b="0"/>
+          </a:lnRef>
+          <a:fillRef idx="0">
+            <a:scrgbClr r="0" g="0" b="0"/>
+          </a:fillRef>
+          <a:effectRef idx="0">
+            <a:scrgbClr r="0" g="0" b="0"/>
+          </a:effectRef>
+          <a:fontRef idx="minor">
+            <a:schemeClr val="tx1"/>
+          </a:fontRef>
+        </p:style>
+      </p:cxnSp>
+      <p:cxnSp>
+        <p:nvCxnSpPr>
+          <p:cNvPr id="57" name="직선 연결선 56">
+            <a:extLst>
+              <a:ext uri="{FF2B5EF4-FFF2-40B4-BE49-F238E27FC236}">
+                <a16:creationId xmlns:a16="http://schemas.microsoft.com/office/drawing/2014/main" id="{C5DE46F4-7351-2544-0452-003C3D818095}"/>
+              </a:ext>
+            </a:extLst>
+          </p:cNvPr>
+          <p:cNvCxnSpPr>
+            <a:cxnSpLocks/>
+          </p:cNvCxnSpPr>
+          <p:nvPr userDrawn="1"/>
+        </p:nvCxnSpPr>
+        <p:spPr>
+          <a:xfrm>
+            <a:off x="0" y="5021930"/>
+            <a:ext cx="6858000" cy="0"/>
+          </a:xfrm>
+          <a:prstGeom prst="line">
+            <a:avLst/>
+          </a:prstGeom>
+          <a:ln w="9525" cap="flat" cmpd="sng" algn="ctr">
+            <a:solidFill>
+              <a:schemeClr val="bg1">
+                <a:lumMod val="85000"/>
+              </a:schemeClr>
+            </a:solidFill>
+            <a:prstDash val="dash"/>
+            <a:round/>
+            <a:headEnd type="none" w="med" len="med"/>
+            <a:tailEnd type="none" w="med" len="med"/>
+          </a:ln>
+        </p:spPr>
+        <p:style>
+          <a:lnRef idx="0">
+            <a:scrgbClr r="0" g="0" b="0"/>
+          </a:lnRef>
+          <a:fillRef idx="0">
+            <a:scrgbClr r="0" g="0" b="0"/>
+          </a:fillRef>
+          <a:effectRef idx="0">
+            <a:scrgbClr r="0" g="0" b="0"/>
+          </a:effectRef>
+          <a:fontRef idx="minor">
+            <a:schemeClr val="tx1"/>
+          </a:fontRef>
+        </p:style>
+      </p:cxnSp>
+      <p:cxnSp>
+        <p:nvCxnSpPr>
+          <p:cNvPr id="58" name="직선 연결선 57">
+            <a:extLst>
+              <a:ext uri="{FF2B5EF4-FFF2-40B4-BE49-F238E27FC236}">
+                <a16:creationId xmlns:a16="http://schemas.microsoft.com/office/drawing/2014/main" id="{6F43C428-D414-2155-C63D-74EC4DC671BF}"/>
+              </a:ext>
+            </a:extLst>
+          </p:cNvPr>
+          <p:cNvCxnSpPr>
+            <a:cxnSpLocks/>
+          </p:cNvCxnSpPr>
+          <p:nvPr userDrawn="1"/>
+        </p:nvCxnSpPr>
+        <p:spPr>
+          <a:xfrm>
+            <a:off x="0" y="5309229"/>
+            <a:ext cx="6858000" cy="0"/>
+          </a:xfrm>
+          <a:prstGeom prst="line">
+            <a:avLst/>
+          </a:prstGeom>
+          <a:ln w="9525" cap="flat" cmpd="sng" algn="ctr">
+            <a:solidFill>
+              <a:schemeClr val="bg1">
+                <a:lumMod val="85000"/>
+              </a:schemeClr>
+            </a:solidFill>
+            <a:prstDash val="dash"/>
+            <a:round/>
+            <a:headEnd type="none" w="med" len="med"/>
+            <a:tailEnd type="none" w="med" len="med"/>
+          </a:ln>
+        </p:spPr>
+        <p:style>
+          <a:lnRef idx="0">
+            <a:scrgbClr r="0" g="0" b="0"/>
+          </a:lnRef>
+          <a:fillRef idx="0">
+            <a:scrgbClr r="0" g="0" b="0"/>
+          </a:fillRef>
+          <a:effectRef idx="0">
+            <a:scrgbClr r="0" g="0" b="0"/>
+          </a:effectRef>
+          <a:fontRef idx="minor">
+            <a:schemeClr val="tx1"/>
+          </a:fontRef>
+        </p:style>
+      </p:cxnSp>
+      <p:cxnSp>
+        <p:nvCxnSpPr>
+          <p:cNvPr id="59" name="직선 연결선 58">
+            <a:extLst>
+              <a:ext uri="{FF2B5EF4-FFF2-40B4-BE49-F238E27FC236}">
+                <a16:creationId xmlns:a16="http://schemas.microsoft.com/office/drawing/2014/main" id="{80B9E67F-52FC-78FC-6C35-5886B219AFEA}"/>
+              </a:ext>
+            </a:extLst>
+          </p:cNvPr>
+          <p:cNvCxnSpPr>
+            <a:cxnSpLocks/>
+          </p:cNvCxnSpPr>
+          <p:nvPr userDrawn="1"/>
+        </p:nvCxnSpPr>
+        <p:spPr>
+          <a:xfrm>
+            <a:off x="0" y="5596528"/>
+            <a:ext cx="6858000" cy="0"/>
+          </a:xfrm>
+          <a:prstGeom prst="line">
+            <a:avLst/>
+          </a:prstGeom>
+          <a:ln w="9525" cap="flat" cmpd="sng" algn="ctr">
+            <a:solidFill>
+              <a:schemeClr val="bg1">
+                <a:lumMod val="85000"/>
+              </a:schemeClr>
+            </a:solidFill>
+            <a:prstDash val="dash"/>
+            <a:round/>
+            <a:headEnd type="none" w="med" len="med"/>
+            <a:tailEnd type="none" w="med" len="med"/>
+          </a:ln>
+        </p:spPr>
+        <p:style>
+          <a:lnRef idx="0">
+            <a:scrgbClr r="0" g="0" b="0"/>
+          </a:lnRef>
+          <a:fillRef idx="0">
+            <a:scrgbClr r="0" g="0" b="0"/>
+          </a:fillRef>
+          <a:effectRef idx="0">
+            <a:scrgbClr r="0" g="0" b="0"/>
+          </a:effectRef>
+          <a:fontRef idx="minor">
+            <a:schemeClr val="tx1"/>
+          </a:fontRef>
+        </p:style>
+      </p:cxnSp>
+      <p:cxnSp>
+        <p:nvCxnSpPr>
+          <p:cNvPr id="60" name="직선 연결선 59">
+            <a:extLst>
+              <a:ext uri="{FF2B5EF4-FFF2-40B4-BE49-F238E27FC236}">
+                <a16:creationId xmlns:a16="http://schemas.microsoft.com/office/drawing/2014/main" id="{02EC071B-3779-9319-1F9B-5116DCFEF6EF}"/>
+              </a:ext>
+            </a:extLst>
+          </p:cNvPr>
+          <p:cNvCxnSpPr>
+            <a:cxnSpLocks/>
+          </p:cNvCxnSpPr>
+          <p:nvPr userDrawn="1"/>
+        </p:nvCxnSpPr>
+        <p:spPr>
+          <a:xfrm>
+            <a:off x="0" y="5883827"/>
+            <a:ext cx="6858000" cy="0"/>
+          </a:xfrm>
+          <a:prstGeom prst="line">
+            <a:avLst/>
+          </a:prstGeom>
+          <a:ln w="9525" cap="flat" cmpd="sng" algn="ctr">
+            <a:solidFill>
+              <a:schemeClr val="bg1">
+                <a:lumMod val="85000"/>
+              </a:schemeClr>
+            </a:solidFill>
+            <a:prstDash val="dash"/>
+            <a:round/>
+            <a:headEnd type="none" w="med" len="med"/>
+            <a:tailEnd type="none" w="med" len="med"/>
+          </a:ln>
+        </p:spPr>
+        <p:style>
+          <a:lnRef idx="0">
+            <a:scrgbClr r="0" g="0" b="0"/>
+          </a:lnRef>
+          <a:fillRef idx="0">
+            <a:scrgbClr r="0" g="0" b="0"/>
+          </a:fillRef>
+          <a:effectRef idx="0">
+            <a:scrgbClr r="0" g="0" b="0"/>
+          </a:effectRef>
+          <a:fontRef idx="minor">
+            <a:schemeClr val="tx1"/>
+          </a:fontRef>
+        </p:style>
+      </p:cxnSp>
+      <p:cxnSp>
+        <p:nvCxnSpPr>
+          <p:cNvPr id="61" name="직선 연결선 60">
+            <a:extLst>
+              <a:ext uri="{FF2B5EF4-FFF2-40B4-BE49-F238E27FC236}">
+                <a16:creationId xmlns:a16="http://schemas.microsoft.com/office/drawing/2014/main" id="{4F3FBBB4-5120-8DB4-4F11-D8FBB862D5C6}"/>
+              </a:ext>
+            </a:extLst>
+          </p:cNvPr>
+          <p:cNvCxnSpPr>
+            <a:cxnSpLocks/>
+          </p:cNvCxnSpPr>
+          <p:nvPr userDrawn="1"/>
+        </p:nvCxnSpPr>
+        <p:spPr>
+          <a:xfrm>
+            <a:off x="0" y="6171126"/>
+            <a:ext cx="6858000" cy="0"/>
+          </a:xfrm>
+          <a:prstGeom prst="line">
+            <a:avLst/>
+          </a:prstGeom>
+          <a:ln w="9525" cap="flat" cmpd="sng" algn="ctr">
+            <a:solidFill>
+              <a:schemeClr val="bg1">
+                <a:lumMod val="85000"/>
+              </a:schemeClr>
+            </a:solidFill>
+            <a:prstDash val="dash"/>
+            <a:round/>
+            <a:headEnd type="none" w="med" len="med"/>
+            <a:tailEnd type="none" w="med" len="med"/>
+          </a:ln>
+        </p:spPr>
+        <p:style>
+          <a:lnRef idx="0">
+            <a:scrgbClr r="0" g="0" b="0"/>
+          </a:lnRef>
+          <a:fillRef idx="0">
+            <a:scrgbClr r="0" g="0" b="0"/>
+          </a:fillRef>
+          <a:effectRef idx="0">
+            <a:scrgbClr r="0" g="0" b="0"/>
+          </a:effectRef>
+          <a:fontRef idx="minor">
+            <a:schemeClr val="tx1"/>
+          </a:fontRef>
+        </p:style>
+      </p:cxnSp>
+      <p:cxnSp>
+        <p:nvCxnSpPr>
+          <p:cNvPr id="62" name="직선 연결선 61">
+            <a:extLst>
+              <a:ext uri="{FF2B5EF4-FFF2-40B4-BE49-F238E27FC236}">
+                <a16:creationId xmlns:a16="http://schemas.microsoft.com/office/drawing/2014/main" id="{1BD14841-7970-E0D7-2A44-B00C63A682BA}"/>
+              </a:ext>
+            </a:extLst>
+          </p:cNvPr>
+          <p:cNvCxnSpPr>
+            <a:cxnSpLocks/>
+          </p:cNvCxnSpPr>
+          <p:nvPr userDrawn="1"/>
+        </p:nvCxnSpPr>
+        <p:spPr>
+          <a:xfrm>
+            <a:off x="0" y="6458425"/>
+            <a:ext cx="6858000" cy="0"/>
+          </a:xfrm>
+          <a:prstGeom prst="line">
+            <a:avLst/>
+          </a:prstGeom>
+          <a:ln w="9525" cap="flat" cmpd="sng" algn="ctr">
+            <a:solidFill>
+              <a:schemeClr val="bg1">
+                <a:lumMod val="85000"/>
+              </a:schemeClr>
+            </a:solidFill>
+            <a:prstDash val="dash"/>
+            <a:round/>
+            <a:headEnd type="none" w="med" len="med"/>
+            <a:tailEnd type="none" w="med" len="med"/>
+          </a:ln>
+        </p:spPr>
+        <p:style>
+          <a:lnRef idx="0">
+            <a:scrgbClr r="0" g="0" b="0"/>
+          </a:lnRef>
+          <a:fillRef idx="0">
+            <a:scrgbClr r="0" g="0" b="0"/>
+          </a:fillRef>
+          <a:effectRef idx="0">
+            <a:scrgbClr r="0" g="0" b="0"/>
+          </a:effectRef>
+          <a:fontRef idx="minor">
+            <a:schemeClr val="tx1"/>
+          </a:fontRef>
+        </p:style>
+      </p:cxnSp>
+      <p:cxnSp>
+        <p:nvCxnSpPr>
+          <p:cNvPr id="63" name="직선 연결선 62">
+            <a:extLst>
+              <a:ext uri="{FF2B5EF4-FFF2-40B4-BE49-F238E27FC236}">
+                <a16:creationId xmlns:a16="http://schemas.microsoft.com/office/drawing/2014/main" id="{F2D22CC3-DDDA-615C-9192-BF3972A3F0D8}"/>
+              </a:ext>
+            </a:extLst>
+          </p:cNvPr>
+          <p:cNvCxnSpPr>
+            <a:cxnSpLocks/>
+          </p:cNvCxnSpPr>
+          <p:nvPr userDrawn="1"/>
+        </p:nvCxnSpPr>
+        <p:spPr>
+          <a:xfrm>
+            <a:off x="0" y="6745724"/>
+            <a:ext cx="6858000" cy="0"/>
+          </a:xfrm>
+          <a:prstGeom prst="line">
+            <a:avLst/>
+          </a:prstGeom>
+          <a:ln w="9525" cap="flat" cmpd="sng" algn="ctr">
+            <a:solidFill>
+              <a:schemeClr val="bg1">
+                <a:lumMod val="85000"/>
+              </a:schemeClr>
+            </a:solidFill>
+            <a:prstDash val="dash"/>
+            <a:round/>
+            <a:headEnd type="none" w="med" len="med"/>
+            <a:tailEnd type="none" w="med" len="med"/>
+          </a:ln>
+        </p:spPr>
+        <p:style>
+          <a:lnRef idx="0">
+            <a:scrgbClr r="0" g="0" b="0"/>
+          </a:lnRef>
+          <a:fillRef idx="0">
+            <a:scrgbClr r="0" g="0" b="0"/>
+          </a:fillRef>
+          <a:effectRef idx="0">
+            <a:scrgbClr r="0" g="0" b="0"/>
+          </a:effectRef>
+          <a:fontRef idx="minor">
+            <a:schemeClr val="tx1"/>
+          </a:fontRef>
+        </p:style>
+      </p:cxnSp>
+      <p:cxnSp>
+        <p:nvCxnSpPr>
+          <p:cNvPr id="64" name="직선 연결선 63">
+            <a:extLst>
+              <a:ext uri="{FF2B5EF4-FFF2-40B4-BE49-F238E27FC236}">
+                <a16:creationId xmlns:a16="http://schemas.microsoft.com/office/drawing/2014/main" id="{A5CD5FD3-E389-2207-EBFE-8EC84F9AA854}"/>
+              </a:ext>
+            </a:extLst>
+          </p:cNvPr>
+          <p:cNvCxnSpPr>
+            <a:cxnSpLocks/>
+          </p:cNvCxnSpPr>
+          <p:nvPr userDrawn="1"/>
+        </p:nvCxnSpPr>
+        <p:spPr>
+          <a:xfrm>
+            <a:off x="0" y="7033023"/>
+            <a:ext cx="6858000" cy="0"/>
+          </a:xfrm>
+          <a:prstGeom prst="line">
+            <a:avLst/>
+          </a:prstGeom>
+          <a:ln w="9525" cap="flat" cmpd="sng" algn="ctr">
+            <a:solidFill>
+              <a:schemeClr val="bg1">
+                <a:lumMod val="85000"/>
+              </a:schemeClr>
+            </a:solidFill>
+            <a:prstDash val="dash"/>
+            <a:round/>
+            <a:headEnd type="none" w="med" len="med"/>
+            <a:tailEnd type="none" w="med" len="med"/>
+          </a:ln>
+        </p:spPr>
+        <p:style>
+          <a:lnRef idx="0">
+            <a:scrgbClr r="0" g="0" b="0"/>
+          </a:lnRef>
+          <a:fillRef idx="0">
+            <a:scrgbClr r="0" g="0" b="0"/>
+          </a:fillRef>
+          <a:effectRef idx="0">
+            <a:scrgbClr r="0" g="0" b="0"/>
+          </a:effectRef>
+          <a:fontRef idx="minor">
+            <a:schemeClr val="tx1"/>
+          </a:fontRef>
+        </p:style>
+      </p:cxnSp>
+      <p:cxnSp>
+        <p:nvCxnSpPr>
+          <p:cNvPr id="65" name="직선 연결선 64">
+            <a:extLst>
+              <a:ext uri="{FF2B5EF4-FFF2-40B4-BE49-F238E27FC236}">
+                <a16:creationId xmlns:a16="http://schemas.microsoft.com/office/drawing/2014/main" id="{6A2005AE-186D-4B7A-F60C-17DFDEF34DD8}"/>
+              </a:ext>
+            </a:extLst>
+          </p:cNvPr>
+          <p:cNvCxnSpPr>
+            <a:cxnSpLocks/>
+          </p:cNvCxnSpPr>
+          <p:nvPr userDrawn="1"/>
+        </p:nvCxnSpPr>
+        <p:spPr>
+          <a:xfrm>
+            <a:off x="0" y="7320322"/>
+            <a:ext cx="6858000" cy="0"/>
+          </a:xfrm>
+          <a:prstGeom prst="line">
+            <a:avLst/>
+          </a:prstGeom>
+          <a:ln w="9525" cap="flat" cmpd="sng" algn="ctr">
+            <a:solidFill>
+              <a:schemeClr val="bg1">
+                <a:lumMod val="85000"/>
+              </a:schemeClr>
+            </a:solidFill>
+            <a:prstDash val="dash"/>
+            <a:round/>
+            <a:headEnd type="none" w="med" len="med"/>
+            <a:tailEnd type="none" w="med" len="med"/>
+          </a:ln>
+        </p:spPr>
+        <p:style>
+          <a:lnRef idx="0">
+            <a:scrgbClr r="0" g="0" b="0"/>
+          </a:lnRef>
+          <a:fillRef idx="0">
+            <a:scrgbClr r="0" g="0" b="0"/>
+          </a:fillRef>
+          <a:effectRef idx="0">
+            <a:scrgbClr r="0" g="0" b="0"/>
+          </a:effectRef>
+          <a:fontRef idx="minor">
+            <a:schemeClr val="tx1"/>
+          </a:fontRef>
+        </p:style>
+      </p:cxnSp>
+      <p:cxnSp>
+        <p:nvCxnSpPr>
+          <p:cNvPr id="66" name="직선 연결선 65">
+            <a:extLst>
+              <a:ext uri="{FF2B5EF4-FFF2-40B4-BE49-F238E27FC236}">
+                <a16:creationId xmlns:a16="http://schemas.microsoft.com/office/drawing/2014/main" id="{5799C2A3-8B2A-F63A-40AF-03C3B277FB39}"/>
+              </a:ext>
+            </a:extLst>
+          </p:cNvPr>
+          <p:cNvCxnSpPr>
+            <a:cxnSpLocks/>
+          </p:cNvCxnSpPr>
+          <p:nvPr userDrawn="1"/>
+        </p:nvCxnSpPr>
+        <p:spPr>
+          <a:xfrm>
+            <a:off x="0" y="7607621"/>
+            <a:ext cx="6858000" cy="0"/>
+          </a:xfrm>
+          <a:prstGeom prst="line">
+            <a:avLst/>
+          </a:prstGeom>
+          <a:ln w="9525" cap="flat" cmpd="sng" algn="ctr">
+            <a:solidFill>
+              <a:schemeClr val="bg1">
+                <a:lumMod val="85000"/>
+              </a:schemeClr>
+            </a:solidFill>
+            <a:prstDash val="dash"/>
+            <a:round/>
+            <a:headEnd type="none" w="med" len="med"/>
+            <a:tailEnd type="none" w="med" len="med"/>
+          </a:ln>
+        </p:spPr>
+        <p:style>
+          <a:lnRef idx="0">
+            <a:scrgbClr r="0" g="0" b="0"/>
+          </a:lnRef>
+          <a:fillRef idx="0">
+            <a:scrgbClr r="0" g="0" b="0"/>
+          </a:fillRef>
+          <a:effectRef idx="0">
+            <a:scrgbClr r="0" g="0" b="0"/>
+          </a:effectRef>
+          <a:fontRef idx="minor">
+            <a:schemeClr val="tx1"/>
+          </a:fontRef>
+        </p:style>
+      </p:cxnSp>
+      <p:cxnSp>
+        <p:nvCxnSpPr>
+          <p:cNvPr id="67" name="직선 연결선 66">
+            <a:extLst>
+              <a:ext uri="{FF2B5EF4-FFF2-40B4-BE49-F238E27FC236}">
+                <a16:creationId xmlns:a16="http://schemas.microsoft.com/office/drawing/2014/main" id="{A296D2FB-BF44-F5AA-D3E4-7AEADDB2CF0C}"/>
+              </a:ext>
+            </a:extLst>
+          </p:cNvPr>
+          <p:cNvCxnSpPr>
+            <a:cxnSpLocks/>
+          </p:cNvCxnSpPr>
+          <p:nvPr userDrawn="1"/>
+        </p:nvCxnSpPr>
+        <p:spPr>
+          <a:xfrm>
+            <a:off x="0" y="7894920"/>
+            <a:ext cx="6858000" cy="0"/>
+          </a:xfrm>
+          <a:prstGeom prst="line">
+            <a:avLst/>
+          </a:prstGeom>
+          <a:ln w="9525" cap="flat" cmpd="sng" algn="ctr">
+            <a:solidFill>
+              <a:schemeClr val="bg1">
+                <a:lumMod val="85000"/>
+              </a:schemeClr>
+            </a:solidFill>
+            <a:prstDash val="dash"/>
+            <a:round/>
+            <a:headEnd type="none" w="med" len="med"/>
+            <a:tailEnd type="none" w="med" len="med"/>
+          </a:ln>
+        </p:spPr>
+        <p:style>
+          <a:lnRef idx="0">
+            <a:scrgbClr r="0" g="0" b="0"/>
+          </a:lnRef>
+          <a:fillRef idx="0">
+            <a:scrgbClr r="0" g="0" b="0"/>
+          </a:fillRef>
+          <a:effectRef idx="0">
+            <a:scrgbClr r="0" g="0" b="0"/>
+          </a:effectRef>
+          <a:fontRef idx="minor">
+            <a:schemeClr val="tx1"/>
+          </a:fontRef>
+        </p:style>
+      </p:cxnSp>
+      <p:cxnSp>
+        <p:nvCxnSpPr>
+          <p:cNvPr id="68" name="직선 연결선 67">
+            <a:extLst>
+              <a:ext uri="{FF2B5EF4-FFF2-40B4-BE49-F238E27FC236}">
+                <a16:creationId xmlns:a16="http://schemas.microsoft.com/office/drawing/2014/main" id="{21647D97-AD60-0537-D129-DBF5722481E2}"/>
+              </a:ext>
+            </a:extLst>
+          </p:cNvPr>
+          <p:cNvCxnSpPr>
+            <a:cxnSpLocks/>
+          </p:cNvCxnSpPr>
+          <p:nvPr userDrawn="1"/>
+        </p:nvCxnSpPr>
+        <p:spPr>
+          <a:xfrm>
+            <a:off x="0" y="8182219"/>
+            <a:ext cx="6858000" cy="0"/>
+          </a:xfrm>
+          <a:prstGeom prst="line">
+            <a:avLst/>
+          </a:prstGeom>
+          <a:ln w="9525" cap="flat" cmpd="sng" algn="ctr">
+            <a:solidFill>
+              <a:schemeClr val="bg1">
+                <a:lumMod val="85000"/>
+              </a:schemeClr>
+            </a:solidFill>
+            <a:prstDash val="dash"/>
+            <a:round/>
+            <a:headEnd type="none" w="med" len="med"/>
+            <a:tailEnd type="none" w="med" len="med"/>
+          </a:ln>
+        </p:spPr>
+        <p:style>
+          <a:lnRef idx="0">
+            <a:scrgbClr r="0" g="0" b="0"/>
+          </a:lnRef>
+          <a:fillRef idx="0">
+            <a:scrgbClr r="0" g="0" b="0"/>
+          </a:fillRef>
+          <a:effectRef idx="0">
+            <a:scrgbClr r="0" g="0" b="0"/>
+          </a:effectRef>
+          <a:fontRef idx="minor">
+            <a:schemeClr val="tx1"/>
+          </a:fontRef>
+        </p:style>
+      </p:cxnSp>
+      <p:cxnSp>
+        <p:nvCxnSpPr>
+          <p:cNvPr id="69" name="직선 연결선 68">
+            <a:extLst>
+              <a:ext uri="{FF2B5EF4-FFF2-40B4-BE49-F238E27FC236}">
+                <a16:creationId xmlns:a16="http://schemas.microsoft.com/office/drawing/2014/main" id="{F978A4B7-D052-3B43-9456-4EC67B48DCDD}"/>
+              </a:ext>
+            </a:extLst>
+          </p:cNvPr>
+          <p:cNvCxnSpPr>
+            <a:cxnSpLocks/>
+          </p:cNvCxnSpPr>
+          <p:nvPr userDrawn="1"/>
+        </p:nvCxnSpPr>
+        <p:spPr>
+          <a:xfrm>
+            <a:off x="0" y="8469518"/>
+            <a:ext cx="6858000" cy="0"/>
+          </a:xfrm>
+          <a:prstGeom prst="line">
+            <a:avLst/>
+          </a:prstGeom>
+          <a:ln w="9525" cap="flat" cmpd="sng" algn="ctr">
+            <a:solidFill>
+              <a:schemeClr val="bg1">
+                <a:lumMod val="85000"/>
+              </a:schemeClr>
+            </a:solidFill>
+            <a:prstDash val="dash"/>
+            <a:round/>
+            <a:headEnd type="none" w="med" len="med"/>
+            <a:tailEnd type="none" w="med" len="med"/>
+          </a:ln>
+        </p:spPr>
+        <p:style>
+          <a:lnRef idx="0">
+            <a:scrgbClr r="0" g="0" b="0"/>
+          </a:lnRef>
+          <a:fillRef idx="0">
+            <a:scrgbClr r="0" g="0" b="0"/>
+          </a:fillRef>
+          <a:effectRef idx="0">
+            <a:scrgbClr r="0" g="0" b="0"/>
+          </a:effectRef>
+          <a:fontRef idx="minor">
+            <a:schemeClr val="tx1"/>
+          </a:fontRef>
+        </p:style>
+      </p:cxnSp>
+      <p:cxnSp>
+        <p:nvCxnSpPr>
+          <p:cNvPr id="70" name="직선 연결선 69">
+            <a:extLst>
+              <a:ext uri="{FF2B5EF4-FFF2-40B4-BE49-F238E27FC236}">
+                <a16:creationId xmlns:a16="http://schemas.microsoft.com/office/drawing/2014/main" id="{2E35DABF-B41E-5F6A-2111-861C5F064767}"/>
+              </a:ext>
+            </a:extLst>
+          </p:cNvPr>
+          <p:cNvCxnSpPr>
+            <a:cxnSpLocks/>
+          </p:cNvCxnSpPr>
+          <p:nvPr userDrawn="1"/>
+        </p:nvCxnSpPr>
+        <p:spPr>
+          <a:xfrm>
+            <a:off x="0" y="8756817"/>
+            <a:ext cx="6858000" cy="0"/>
+          </a:xfrm>
+          <a:prstGeom prst="line">
+            <a:avLst/>
+          </a:prstGeom>
+          <a:ln w="9525" cap="flat" cmpd="sng" algn="ctr">
+            <a:solidFill>
+              <a:schemeClr val="bg1">
+                <a:lumMod val="85000"/>
+              </a:schemeClr>
+            </a:solidFill>
+            <a:prstDash val="dash"/>
+            <a:round/>
+            <a:headEnd type="none" w="med" len="med"/>
+            <a:tailEnd type="none" w="med" len="med"/>
+          </a:ln>
+        </p:spPr>
+        <p:style>
+          <a:lnRef idx="0">
+            <a:scrgbClr r="0" g="0" b="0"/>
+          </a:lnRef>
+          <a:fillRef idx="0">
+            <a:scrgbClr r="0" g="0" b="0"/>
+          </a:fillRef>
+          <a:effectRef idx="0">
+            <a:scrgbClr r="0" g="0" b="0"/>
+          </a:effectRef>
+          <a:fontRef idx="minor">
+            <a:schemeClr val="tx1"/>
+          </a:fontRef>
+        </p:style>
+      </p:cxnSp>
+      <p:cxnSp>
+        <p:nvCxnSpPr>
+          <p:cNvPr id="71" name="직선 연결선 70">
+            <a:extLst>
+              <a:ext uri="{FF2B5EF4-FFF2-40B4-BE49-F238E27FC236}">
+                <a16:creationId xmlns:a16="http://schemas.microsoft.com/office/drawing/2014/main" id="{68E7F2E9-F4FD-C069-EE77-D9516F72D1BE}"/>
+              </a:ext>
+            </a:extLst>
+          </p:cNvPr>
+          <p:cNvCxnSpPr>
+            <a:cxnSpLocks/>
+          </p:cNvCxnSpPr>
+          <p:nvPr userDrawn="1"/>
+        </p:nvCxnSpPr>
+        <p:spPr>
+          <a:xfrm>
+            <a:off x="0" y="9044116"/>
+            <a:ext cx="6858000" cy="0"/>
+          </a:xfrm>
+          <a:prstGeom prst="line">
+            <a:avLst/>
+          </a:prstGeom>
+          <a:ln w="9525" cap="flat" cmpd="sng" algn="ctr">
+            <a:solidFill>
+              <a:schemeClr val="bg1">
+                <a:lumMod val="85000"/>
+              </a:schemeClr>
+            </a:solidFill>
+            <a:prstDash val="dash"/>
+            <a:round/>
+            <a:headEnd type="none" w="med" len="med"/>
+            <a:tailEnd type="none" w="med" len="med"/>
+          </a:ln>
+        </p:spPr>
+        <p:style>
+          <a:lnRef idx="0">
+            <a:scrgbClr r="0" g="0" b="0"/>
+          </a:lnRef>
+          <a:fillRef idx="0">
+            <a:scrgbClr r="0" g="0" b="0"/>
+          </a:fillRef>
+          <a:effectRef idx="0">
+            <a:scrgbClr r="0" g="0" b="0"/>
+          </a:effectRef>
+          <a:fontRef idx="minor">
+            <a:schemeClr val="tx1"/>
+          </a:fontRef>
+        </p:style>
+      </p:cxnSp>
+      <p:cxnSp>
+        <p:nvCxnSpPr>
+          <p:cNvPr id="72" name="직선 연결선 71">
+            <a:extLst>
+              <a:ext uri="{FF2B5EF4-FFF2-40B4-BE49-F238E27FC236}">
+                <a16:creationId xmlns:a16="http://schemas.microsoft.com/office/drawing/2014/main" id="{1863474C-5BA1-9C36-C506-502B27B96228}"/>
+              </a:ext>
+            </a:extLst>
+          </p:cNvPr>
+          <p:cNvCxnSpPr>
+            <a:cxnSpLocks/>
+          </p:cNvCxnSpPr>
+          <p:nvPr userDrawn="1"/>
+        </p:nvCxnSpPr>
+        <p:spPr>
+          <a:xfrm>
+            <a:off x="0" y="9331415"/>
+            <a:ext cx="6858000" cy="0"/>
+          </a:xfrm>
+          <a:prstGeom prst="line">
+            <a:avLst/>
+          </a:prstGeom>
+          <a:ln w="9525" cap="flat" cmpd="sng" algn="ctr">
+            <a:solidFill>
+              <a:schemeClr val="bg1">
+                <a:lumMod val="85000"/>
+              </a:schemeClr>
+            </a:solidFill>
+            <a:prstDash val="dash"/>
+            <a:round/>
+            <a:headEnd type="none" w="med" len="med"/>
+            <a:tailEnd type="none" w="med" len="med"/>
+          </a:ln>
+        </p:spPr>
+        <p:style>
+          <a:lnRef idx="0">
+            <a:scrgbClr r="0" g="0" b="0"/>
+          </a:lnRef>
+          <a:fillRef idx="0">
+            <a:scrgbClr r="0" g="0" b="0"/>
+          </a:fillRef>
+          <a:effectRef idx="0">
+            <a:scrgbClr r="0" g="0" b="0"/>
+          </a:effectRef>
+          <a:fontRef idx="minor">
+            <a:schemeClr val="tx1"/>
+          </a:fontRef>
+        </p:style>
+      </p:cxnSp>
+      <p:cxnSp>
+        <p:nvCxnSpPr>
+          <p:cNvPr id="73" name="직선 연결선 72">
+            <a:extLst>
+              <a:ext uri="{FF2B5EF4-FFF2-40B4-BE49-F238E27FC236}">
+                <a16:creationId xmlns:a16="http://schemas.microsoft.com/office/drawing/2014/main" id="{A0AFD43B-5CE4-045C-944A-4E87019C902A}"/>
+              </a:ext>
+            </a:extLst>
+          </p:cNvPr>
+          <p:cNvCxnSpPr>
+            <a:cxnSpLocks/>
+          </p:cNvCxnSpPr>
+          <p:nvPr userDrawn="1"/>
+        </p:nvCxnSpPr>
+        <p:spPr>
+          <a:xfrm>
+            <a:off x="0" y="9618714"/>
+            <a:ext cx="6858000" cy="0"/>
+          </a:xfrm>
+          <a:prstGeom prst="line">
+            <a:avLst/>
+          </a:prstGeom>
+          <a:ln w="9525" cap="flat" cmpd="sng" algn="ctr">
+            <a:solidFill>
+              <a:schemeClr val="bg1">
+                <a:lumMod val="85000"/>
+              </a:schemeClr>
+            </a:solidFill>
+            <a:prstDash val="dash"/>
+            <a:round/>
+            <a:headEnd type="none" w="med" len="med"/>
+            <a:tailEnd type="none" w="med" len="med"/>
+          </a:ln>
+        </p:spPr>
+        <p:style>
+          <a:lnRef idx="0">
+            <a:scrgbClr r="0" g="0" b="0"/>
+          </a:lnRef>
+          <a:fillRef idx="0">
+            <a:scrgbClr r="0" g="0" b="0"/>
+          </a:fillRef>
+          <a:effectRef idx="0">
+            <a:scrgbClr r="0" g="0" b="0"/>
+          </a:effectRef>
+          <a:fontRef idx="minor">
+            <a:schemeClr val="tx1"/>
+          </a:fontRef>
+        </p:style>
+      </p:cxnSp>
+      <p:sp>
+        <p:nvSpPr>
+          <p:cNvPr id="74" name="TextBox 73">
+            <a:extLst>
+              <a:ext uri="{FF2B5EF4-FFF2-40B4-BE49-F238E27FC236}">
+                <a16:creationId xmlns:a16="http://schemas.microsoft.com/office/drawing/2014/main" id="{05356FF2-5FFA-B526-6A47-17987BE9603F}"/>
+              </a:ext>
+            </a:extLst>
+          </p:cNvPr>
+          <p:cNvSpPr txBox="1"/>
+          <p:nvPr userDrawn="1"/>
+        </p:nvSpPr>
+        <p:spPr>
+          <a:xfrm>
+            <a:off x="96834" y="813816"/>
+            <a:ext cx="78548" cy="184666"/>
+          </a:xfrm>
+          <a:prstGeom prst="rect">
+            <a:avLst/>
+          </a:prstGeom>
+          <a:noFill/>
+        </p:spPr>
+        <p:txBody>
+          <a:bodyPr wrap="none" lIns="0" tIns="0" rIns="0" bIns="0" rtlCol="0">
+            <a:spAutoFit/>
+          </a:bodyPr>
+          <a:lstStyle/>
+          <a:p>
+            <a:r>
+              <a:rPr lang="en-US" altLang="ko-KR" sz="1200" dirty="0">
+                <a:solidFill>
+                  <a:schemeClr val="bg1">
+                    <a:lumMod val="65000"/>
+                  </a:schemeClr>
+                </a:solidFill>
+              </a:rPr>
+              <a:t>1</a:t>
+            </a:r>
+            <a:endParaRPr lang="ko-KR" altLang="en-US" sz="1200" dirty="0">
+              <a:solidFill>
+                <a:schemeClr val="bg1">
+                  <a:lumMod val="65000"/>
+                </a:schemeClr>
+              </a:solidFill>
+            </a:endParaRPr>
           </a:p>
         </p:txBody>
       </p:sp>
       <p:sp>
         <p:nvSpPr>
-          <p:cNvPr id="3" name="Text Placeholder 2"/>
-          <p:cNvSpPr>
-            <a:spLocks noGrp="1"/>
-          </p:cNvSpPr>
-          <p:nvPr>
-            <p:ph type="body" idx="1"/>
-          </p:nvPr>
+          <p:cNvPr id="75" name="TextBox 74">
+            <a:extLst>
+              <a:ext uri="{FF2B5EF4-FFF2-40B4-BE49-F238E27FC236}">
+                <a16:creationId xmlns:a16="http://schemas.microsoft.com/office/drawing/2014/main" id="{785725FA-7FA4-D317-8485-7576679B5175}"/>
+              </a:ext>
+            </a:extLst>
+          </p:cNvPr>
+          <p:cNvSpPr txBox="1"/>
+          <p:nvPr userDrawn="1"/>
         </p:nvSpPr>
         <p:spPr>
           <a:xfrm>
-            <a:off x="471488" y="2637014"/>
-            <a:ext cx="5915025" cy="6285266"/>
-          </a:xfrm>
-          <a:prstGeom prst="rect">
-            <a:avLst/>
-          </a:prstGeom>
+            <a:off x="96834" y="1389235"/>
+            <a:ext cx="78548" cy="184666"/>
+          </a:xfrm>
+          <a:prstGeom prst="rect">
+            <a:avLst/>
+          </a:prstGeom>
+          <a:noFill/>
         </p:spPr>
         <p:txBody>
-          <a:bodyPr vert="horz" lIns="91440" tIns="45720" rIns="91440" bIns="45720" rtlCol="0">
-            <a:normAutofit/>
+          <a:bodyPr wrap="none" lIns="0" tIns="0" rIns="0" bIns="0" rtlCol="0">
+            <a:spAutoFit/>
           </a:bodyPr>
           <a:lstStyle/>
           <a:p>
-            <a:pPr lvl="0"/>
-            <a:r>
-              <a:rPr lang="ko-KR" altLang="en-US"/>
-              <a:t>마스터 텍스트 스타일을 편집하려면 클릭</a:t>
-            </a:r>
-          </a:p>
-          <a:p>
-            <a:pPr lvl="1"/>
-            <a:r>
-              <a:rPr lang="ko-KR" altLang="en-US"/>
-              <a:t>두 번째 수준</a:t>
-            </a:r>
-          </a:p>
-          <a:p>
-            <a:pPr lvl="2"/>
-            <a:r>
-              <a:rPr lang="ko-KR" altLang="en-US"/>
-              <a:t>세 번째 수준</a:t>
-            </a:r>
-          </a:p>
-          <a:p>
-            <a:pPr lvl="3"/>
-            <a:r>
-              <a:rPr lang="ko-KR" altLang="en-US"/>
-              <a:t>네 번째 수준</a:t>
-            </a:r>
-          </a:p>
-          <a:p>
-            <a:pPr lvl="4"/>
-            <a:r>
-              <a:rPr lang="ko-KR" altLang="en-US"/>
-              <a:t>다섯 번째 수준</a:t>
-            </a:r>
-            <a:endParaRPr lang="en-US" dirty="0"/>
+            <a:r>
+              <a:rPr lang="en-US" altLang="ko-KR" sz="1200" dirty="0">
+                <a:solidFill>
+                  <a:schemeClr val="bg1">
+                    <a:lumMod val="65000"/>
+                  </a:schemeClr>
+                </a:solidFill>
+              </a:rPr>
+              <a:t>5</a:t>
+            </a:r>
+            <a:endParaRPr lang="ko-KR" altLang="en-US" sz="1200" dirty="0">
+              <a:solidFill>
+                <a:schemeClr val="bg1">
+                  <a:lumMod val="65000"/>
+                </a:schemeClr>
+              </a:solidFill>
+            </a:endParaRPr>
           </a:p>
         </p:txBody>
       </p:sp>
       <p:sp>
         <p:nvSpPr>
-          <p:cNvPr id="4" name="Date Placeholder 3"/>
-          <p:cNvSpPr>
-            <a:spLocks noGrp="1"/>
-          </p:cNvSpPr>
-          <p:nvPr>
-            <p:ph type="dt" sz="half" idx="2"/>
-          </p:nvPr>
+          <p:cNvPr id="76" name="TextBox 75">
+            <a:extLst>
+              <a:ext uri="{FF2B5EF4-FFF2-40B4-BE49-F238E27FC236}">
+                <a16:creationId xmlns:a16="http://schemas.microsoft.com/office/drawing/2014/main" id="{0F6BF013-43DE-8799-5FCB-D1C7138564B5}"/>
+              </a:ext>
+            </a:extLst>
+          </p:cNvPr>
+          <p:cNvSpPr txBox="1"/>
+          <p:nvPr userDrawn="1"/>
         </p:nvSpPr>
         <p:spPr>
           <a:xfrm>
-            <a:off x="471488" y="9181397"/>
-            <a:ext cx="1543050" cy="527403"/>
-          </a:xfrm>
-          <a:prstGeom prst="rect">
-            <a:avLst/>
-          </a:prstGeom>
+            <a:off x="96834" y="1964654"/>
+            <a:ext cx="78548" cy="184666"/>
+          </a:xfrm>
+          <a:prstGeom prst="rect">
+            <a:avLst/>
+          </a:prstGeom>
+          <a:noFill/>
         </p:spPr>
         <p:txBody>
-          <a:bodyPr vert="horz" lIns="91440" tIns="45720" rIns="91440" bIns="45720" rtlCol="0" anchor="ctr"/>
-          <a:lstStyle>
-            <a:lvl1pPr algn="l">
-              <a:defRPr sz="900">
+          <a:bodyPr wrap="none" lIns="0" tIns="0" rIns="0" bIns="0" rtlCol="0">
+            <a:spAutoFit/>
+          </a:bodyPr>
+          <a:lstStyle/>
+          <a:p>
+            <a:r>
+              <a:rPr lang="en-US" altLang="ko-KR" sz="1200" dirty="0">
                 <a:solidFill>
-                  <a:schemeClr val="tx1">
-                    <a:tint val="75000"/>
+                  <a:schemeClr val="bg1">
+                    <a:lumMod val="65000"/>
                   </a:schemeClr>
                 </a:solidFill>
-              </a:defRPr>
-            </a:lvl1pPr>
-          </a:lstStyle>
-          <a:p>
-            <a:fld id="{20C4091B-B1A9-47E7-8E17-9ECD1C021906}" type="datetimeFigureOut">
-              <a:rPr lang="ko-KR" altLang="en-US" smtClean="0"/>
-              <a:t>2025-04-05</a:t>
-            </a:fld>
-            <a:endParaRPr lang="ko-KR" altLang="en-US"/>
+              </a:rPr>
+              <a:t>9</a:t>
+            </a:r>
+            <a:endParaRPr lang="ko-KR" altLang="en-US" sz="1200" dirty="0">
+              <a:solidFill>
+                <a:schemeClr val="bg1">
+                  <a:lumMod val="65000"/>
+                </a:schemeClr>
+              </a:solidFill>
+            </a:endParaRPr>
           </a:p>
         </p:txBody>
       </p:sp>
       <p:sp>
         <p:nvSpPr>
-          <p:cNvPr id="5" name="Footer Placeholder 4"/>
-          <p:cNvSpPr>
-            <a:spLocks noGrp="1"/>
-          </p:cNvSpPr>
-          <p:nvPr>
-            <p:ph type="ftr" sz="quarter" idx="3"/>
-          </p:nvPr>
+          <p:cNvPr id="77" name="TextBox 76">
+            <a:extLst>
+              <a:ext uri="{FF2B5EF4-FFF2-40B4-BE49-F238E27FC236}">
+                <a16:creationId xmlns:a16="http://schemas.microsoft.com/office/drawing/2014/main" id="{30BA5F14-2BAF-7145-4EE4-493D63761086}"/>
+              </a:ext>
+            </a:extLst>
+          </p:cNvPr>
+          <p:cNvSpPr txBox="1"/>
+          <p:nvPr userDrawn="1"/>
         </p:nvSpPr>
         <p:spPr>
           <a:xfrm>
-            <a:off x="2271713" y="9181397"/>
-            <a:ext cx="2314575" cy="527403"/>
-          </a:xfrm>
-          <a:prstGeom prst="rect">
-            <a:avLst/>
-          </a:prstGeom>
+            <a:off x="18288" y="2540073"/>
+            <a:ext cx="157094" cy="184666"/>
+          </a:xfrm>
+          <a:prstGeom prst="rect">
+            <a:avLst/>
+          </a:prstGeom>
+          <a:noFill/>
         </p:spPr>
         <p:txBody>
-          <a:bodyPr vert="horz" lIns="91440" tIns="45720" rIns="91440" bIns="45720" rtlCol="0" anchor="ctr"/>
-          <a:lstStyle>
-            <a:lvl1pPr algn="ctr">
-              <a:defRPr sz="900">
+          <a:bodyPr wrap="none" lIns="0" tIns="0" rIns="0" bIns="0" rtlCol="0">
+            <a:spAutoFit/>
+          </a:bodyPr>
+          <a:lstStyle/>
+          <a:p>
+            <a:r>
+              <a:rPr lang="en-US" altLang="ko-KR" sz="1200" dirty="0">
                 <a:solidFill>
-                  <a:schemeClr val="tx1">
-                    <a:tint val="75000"/>
+                  <a:schemeClr val="bg1">
+                    <a:lumMod val="65000"/>
                   </a:schemeClr>
                 </a:solidFill>
-              </a:defRPr>
-            </a:lvl1pPr>
-          </a:lstStyle>
-          <a:p>
-            <a:endParaRPr lang="ko-KR" altLang="en-US"/>
+              </a:rPr>
+              <a:t>13</a:t>
+            </a:r>
+            <a:endParaRPr lang="ko-KR" altLang="en-US" sz="1200" dirty="0">
+              <a:solidFill>
+                <a:schemeClr val="bg1">
+                  <a:lumMod val="65000"/>
+                </a:schemeClr>
+              </a:solidFill>
+            </a:endParaRPr>
           </a:p>
         </p:txBody>
       </p:sp>
       <p:sp>
         <p:nvSpPr>
-          <p:cNvPr id="6" name="Slide Number Placeholder 5"/>
-          <p:cNvSpPr>
-            <a:spLocks noGrp="1"/>
-          </p:cNvSpPr>
-          <p:nvPr>
-            <p:ph type="sldNum" sz="quarter" idx="4"/>
-          </p:nvPr>
+          <p:cNvPr id="78" name="TextBox 77">
+            <a:extLst>
+              <a:ext uri="{FF2B5EF4-FFF2-40B4-BE49-F238E27FC236}">
+                <a16:creationId xmlns:a16="http://schemas.microsoft.com/office/drawing/2014/main" id="{6506C56F-A778-5E7B-CDC9-1A34EDCD2663}"/>
+              </a:ext>
+            </a:extLst>
+          </p:cNvPr>
+          <p:cNvSpPr txBox="1"/>
+          <p:nvPr userDrawn="1"/>
         </p:nvSpPr>
         <p:spPr>
           <a:xfrm>
-            <a:off x="4843463" y="9181397"/>
-            <a:ext cx="1543050" cy="527403"/>
-          </a:xfrm>
-          <a:prstGeom prst="rect">
-            <a:avLst/>
-          </a:prstGeom>
+            <a:off x="18288" y="3115492"/>
+            <a:ext cx="157094" cy="184666"/>
+          </a:xfrm>
+          <a:prstGeom prst="rect">
+            <a:avLst/>
+          </a:prstGeom>
+          <a:noFill/>
         </p:spPr>
         <p:txBody>
-          <a:bodyPr vert="horz" lIns="91440" tIns="45720" rIns="91440" bIns="45720" rtlCol="0" anchor="ctr"/>
-          <a:lstStyle>
-            <a:lvl1pPr algn="r">
-              <a:defRPr sz="900">
+          <a:bodyPr wrap="none" lIns="0" tIns="0" rIns="0" bIns="0" rtlCol="0">
+            <a:spAutoFit/>
+          </a:bodyPr>
+          <a:lstStyle/>
+          <a:p>
+            <a:r>
+              <a:rPr lang="en-US" altLang="ko-KR" sz="1200" dirty="0">
                 <a:solidFill>
-                  <a:schemeClr val="tx1">
-                    <a:tint val="75000"/>
+                  <a:schemeClr val="bg1">
+                    <a:lumMod val="65000"/>
                   </a:schemeClr>
                 </a:solidFill>
-              </a:defRPr>
-            </a:lvl1pPr>
-          </a:lstStyle>
-          <a:p>
-            <a:fld id="{A78E0EC4-710C-4049-AAA2-FE6529C24B2B}" type="slidenum">
-              <a:rPr lang="ko-KR" altLang="en-US" smtClean="0"/>
-              <a:t>‹#›</a:t>
-            </a:fld>
-            <a:endParaRPr lang="ko-KR" altLang="en-US"/>
+              </a:rPr>
+              <a:t>17</a:t>
+            </a:r>
+            <a:endParaRPr lang="ko-KR" altLang="en-US" sz="1200" dirty="0">
+              <a:solidFill>
+                <a:schemeClr val="bg1">
+                  <a:lumMod val="65000"/>
+                </a:schemeClr>
+              </a:solidFill>
+            </a:endParaRPr>
+          </a:p>
+        </p:txBody>
+      </p:sp>
+      <p:sp>
+        <p:nvSpPr>
+          <p:cNvPr id="79" name="TextBox 78">
+            <a:extLst>
+              <a:ext uri="{FF2B5EF4-FFF2-40B4-BE49-F238E27FC236}">
+                <a16:creationId xmlns:a16="http://schemas.microsoft.com/office/drawing/2014/main" id="{81846128-285E-E407-6DBB-40A6750D9C93}"/>
+              </a:ext>
+            </a:extLst>
+          </p:cNvPr>
+          <p:cNvSpPr txBox="1"/>
+          <p:nvPr userDrawn="1"/>
+        </p:nvSpPr>
+        <p:spPr>
+          <a:xfrm>
+            <a:off x="18288" y="3690911"/>
+            <a:ext cx="157094" cy="184666"/>
+          </a:xfrm>
+          <a:prstGeom prst="rect">
+            <a:avLst/>
+          </a:prstGeom>
+          <a:noFill/>
+        </p:spPr>
+        <p:txBody>
+          <a:bodyPr wrap="none" lIns="0" tIns="0" rIns="0" bIns="0" rtlCol="0">
+            <a:spAutoFit/>
+          </a:bodyPr>
+          <a:lstStyle/>
+          <a:p>
+            <a:r>
+              <a:rPr lang="en-US" altLang="ko-KR" sz="1200" dirty="0">
+                <a:solidFill>
+                  <a:schemeClr val="bg1">
+                    <a:lumMod val="65000"/>
+                  </a:schemeClr>
+                </a:solidFill>
+              </a:rPr>
+              <a:t>21</a:t>
+            </a:r>
+            <a:endParaRPr lang="ko-KR" altLang="en-US" sz="1200" dirty="0">
+              <a:solidFill>
+                <a:schemeClr val="bg1">
+                  <a:lumMod val="65000"/>
+                </a:schemeClr>
+              </a:solidFill>
+            </a:endParaRPr>
+          </a:p>
+        </p:txBody>
+      </p:sp>
+      <p:sp>
+        <p:nvSpPr>
+          <p:cNvPr id="80" name="TextBox 79">
+            <a:extLst>
+              <a:ext uri="{FF2B5EF4-FFF2-40B4-BE49-F238E27FC236}">
+                <a16:creationId xmlns:a16="http://schemas.microsoft.com/office/drawing/2014/main" id="{50FF34F3-7090-E30A-8ACE-F1CE2D260CAC}"/>
+              </a:ext>
+            </a:extLst>
+          </p:cNvPr>
+          <p:cNvSpPr txBox="1"/>
+          <p:nvPr userDrawn="1"/>
+        </p:nvSpPr>
+        <p:spPr>
+          <a:xfrm>
+            <a:off x="18288" y="4266330"/>
+            <a:ext cx="157094" cy="184666"/>
+          </a:xfrm>
+          <a:prstGeom prst="rect">
+            <a:avLst/>
+          </a:prstGeom>
+          <a:noFill/>
+        </p:spPr>
+        <p:txBody>
+          <a:bodyPr wrap="none" lIns="0" tIns="0" rIns="0" bIns="0" rtlCol="0">
+            <a:spAutoFit/>
+          </a:bodyPr>
+          <a:lstStyle/>
+          <a:p>
+            <a:r>
+              <a:rPr lang="en-US" altLang="ko-KR" sz="1200" dirty="0">
+                <a:solidFill>
+                  <a:schemeClr val="bg1">
+                    <a:lumMod val="65000"/>
+                  </a:schemeClr>
+                </a:solidFill>
+              </a:rPr>
+              <a:t>25</a:t>
+            </a:r>
+            <a:endParaRPr lang="ko-KR" altLang="en-US" sz="1200" dirty="0">
+              <a:solidFill>
+                <a:schemeClr val="bg1">
+                  <a:lumMod val="65000"/>
+                </a:schemeClr>
+              </a:solidFill>
+            </a:endParaRPr>
+          </a:p>
+        </p:txBody>
+      </p:sp>
+      <p:sp>
+        <p:nvSpPr>
+          <p:cNvPr id="81" name="TextBox 80">
+            <a:extLst>
+              <a:ext uri="{FF2B5EF4-FFF2-40B4-BE49-F238E27FC236}">
+                <a16:creationId xmlns:a16="http://schemas.microsoft.com/office/drawing/2014/main" id="{1937E29E-F30E-85EE-09D4-25CB2BFA9788}"/>
+              </a:ext>
+            </a:extLst>
+          </p:cNvPr>
+          <p:cNvSpPr txBox="1"/>
+          <p:nvPr userDrawn="1"/>
+        </p:nvSpPr>
+        <p:spPr>
+          <a:xfrm>
+            <a:off x="18288" y="4841749"/>
+            <a:ext cx="157094" cy="184666"/>
+          </a:xfrm>
+          <a:prstGeom prst="rect">
+            <a:avLst/>
+          </a:prstGeom>
+          <a:noFill/>
+        </p:spPr>
+        <p:txBody>
+          <a:bodyPr wrap="none" lIns="0" tIns="0" rIns="0" bIns="0" rtlCol="0">
+            <a:spAutoFit/>
+          </a:bodyPr>
+          <a:lstStyle/>
+          <a:p>
+            <a:r>
+              <a:rPr lang="en-US" altLang="ko-KR" sz="1200" dirty="0">
+                <a:solidFill>
+                  <a:schemeClr val="bg1">
+                    <a:lumMod val="65000"/>
+                  </a:schemeClr>
+                </a:solidFill>
+              </a:rPr>
+              <a:t>29</a:t>
+            </a:r>
+            <a:endParaRPr lang="ko-KR" altLang="en-US" sz="1200" dirty="0">
+              <a:solidFill>
+                <a:schemeClr val="bg1">
+                  <a:lumMod val="65000"/>
+                </a:schemeClr>
+              </a:solidFill>
+            </a:endParaRPr>
+          </a:p>
+        </p:txBody>
+      </p:sp>
+      <p:sp>
+        <p:nvSpPr>
+          <p:cNvPr id="82" name="TextBox 81">
+            <a:extLst>
+              <a:ext uri="{FF2B5EF4-FFF2-40B4-BE49-F238E27FC236}">
+                <a16:creationId xmlns:a16="http://schemas.microsoft.com/office/drawing/2014/main" id="{0B5E967E-405C-3FEF-B94B-D44879E1471C}"/>
+              </a:ext>
+            </a:extLst>
+          </p:cNvPr>
+          <p:cNvSpPr txBox="1"/>
+          <p:nvPr userDrawn="1"/>
+        </p:nvSpPr>
+        <p:spPr>
+          <a:xfrm>
+            <a:off x="18288" y="5417168"/>
+            <a:ext cx="157094" cy="184666"/>
+          </a:xfrm>
+          <a:prstGeom prst="rect">
+            <a:avLst/>
+          </a:prstGeom>
+          <a:noFill/>
+        </p:spPr>
+        <p:txBody>
+          <a:bodyPr wrap="none" lIns="0" tIns="0" rIns="0" bIns="0" rtlCol="0">
+            <a:spAutoFit/>
+          </a:bodyPr>
+          <a:lstStyle/>
+          <a:p>
+            <a:r>
+              <a:rPr lang="en-US" altLang="ko-KR" sz="1200" dirty="0">
+                <a:solidFill>
+                  <a:schemeClr val="bg1">
+                    <a:lumMod val="65000"/>
+                  </a:schemeClr>
+                </a:solidFill>
+              </a:rPr>
+              <a:t>33</a:t>
+            </a:r>
+            <a:endParaRPr lang="ko-KR" altLang="en-US" sz="1200" dirty="0">
+              <a:solidFill>
+                <a:schemeClr val="bg1">
+                  <a:lumMod val="65000"/>
+                </a:schemeClr>
+              </a:solidFill>
+            </a:endParaRPr>
+          </a:p>
+        </p:txBody>
+      </p:sp>
+      <p:sp>
+        <p:nvSpPr>
+          <p:cNvPr id="83" name="TextBox 82">
+            <a:extLst>
+              <a:ext uri="{FF2B5EF4-FFF2-40B4-BE49-F238E27FC236}">
+                <a16:creationId xmlns:a16="http://schemas.microsoft.com/office/drawing/2014/main" id="{27D01FC4-5639-5FAD-C53F-7126D3997273}"/>
+              </a:ext>
+            </a:extLst>
+          </p:cNvPr>
+          <p:cNvSpPr txBox="1"/>
+          <p:nvPr userDrawn="1"/>
+        </p:nvSpPr>
+        <p:spPr>
+          <a:xfrm>
+            <a:off x="18288" y="5992587"/>
+            <a:ext cx="157094" cy="184666"/>
+          </a:xfrm>
+          <a:prstGeom prst="rect">
+            <a:avLst/>
+          </a:prstGeom>
+          <a:noFill/>
+        </p:spPr>
+        <p:txBody>
+          <a:bodyPr wrap="none" lIns="0" tIns="0" rIns="0" bIns="0" rtlCol="0">
+            <a:spAutoFit/>
+          </a:bodyPr>
+          <a:lstStyle/>
+          <a:p>
+            <a:r>
+              <a:rPr lang="en-US" altLang="ko-KR" sz="1200" dirty="0">
+                <a:solidFill>
+                  <a:schemeClr val="bg1">
+                    <a:lumMod val="65000"/>
+                  </a:schemeClr>
+                </a:solidFill>
+              </a:rPr>
+              <a:t>37</a:t>
+            </a:r>
+            <a:endParaRPr lang="ko-KR" altLang="en-US" sz="1200" dirty="0">
+              <a:solidFill>
+                <a:schemeClr val="bg1">
+                  <a:lumMod val="65000"/>
+                </a:schemeClr>
+              </a:solidFill>
+            </a:endParaRPr>
+          </a:p>
+        </p:txBody>
+      </p:sp>
+      <p:sp>
+        <p:nvSpPr>
+          <p:cNvPr id="84" name="TextBox 83">
+            <a:extLst>
+              <a:ext uri="{FF2B5EF4-FFF2-40B4-BE49-F238E27FC236}">
+                <a16:creationId xmlns:a16="http://schemas.microsoft.com/office/drawing/2014/main" id="{38FF453E-9F15-3C00-508E-022A1AD9A15A}"/>
+              </a:ext>
+            </a:extLst>
+          </p:cNvPr>
+          <p:cNvSpPr txBox="1"/>
+          <p:nvPr userDrawn="1"/>
+        </p:nvSpPr>
+        <p:spPr>
+          <a:xfrm>
+            <a:off x="18288" y="6568006"/>
+            <a:ext cx="157094" cy="184666"/>
+          </a:xfrm>
+          <a:prstGeom prst="rect">
+            <a:avLst/>
+          </a:prstGeom>
+          <a:noFill/>
+        </p:spPr>
+        <p:txBody>
+          <a:bodyPr wrap="none" lIns="0" tIns="0" rIns="0" bIns="0" rtlCol="0">
+            <a:spAutoFit/>
+          </a:bodyPr>
+          <a:lstStyle/>
+          <a:p>
+            <a:r>
+              <a:rPr lang="en-US" altLang="ko-KR" sz="1200" dirty="0">
+                <a:solidFill>
+                  <a:schemeClr val="bg1">
+                    <a:lumMod val="65000"/>
+                  </a:schemeClr>
+                </a:solidFill>
+              </a:rPr>
+              <a:t>41</a:t>
+            </a:r>
+            <a:endParaRPr lang="ko-KR" altLang="en-US" sz="1200" dirty="0">
+              <a:solidFill>
+                <a:schemeClr val="bg1">
+                  <a:lumMod val="65000"/>
+                </a:schemeClr>
+              </a:solidFill>
+            </a:endParaRPr>
+          </a:p>
+        </p:txBody>
+      </p:sp>
+      <p:sp>
+        <p:nvSpPr>
+          <p:cNvPr id="85" name="TextBox 84">
+            <a:extLst>
+              <a:ext uri="{FF2B5EF4-FFF2-40B4-BE49-F238E27FC236}">
+                <a16:creationId xmlns:a16="http://schemas.microsoft.com/office/drawing/2014/main" id="{E54D946B-5DC0-AE92-7010-5FEC9FF343F4}"/>
+              </a:ext>
+            </a:extLst>
+          </p:cNvPr>
+          <p:cNvSpPr txBox="1"/>
+          <p:nvPr userDrawn="1"/>
+        </p:nvSpPr>
+        <p:spPr>
+          <a:xfrm>
+            <a:off x="18288" y="7143425"/>
+            <a:ext cx="157094" cy="184666"/>
+          </a:xfrm>
+          <a:prstGeom prst="rect">
+            <a:avLst/>
+          </a:prstGeom>
+          <a:noFill/>
+        </p:spPr>
+        <p:txBody>
+          <a:bodyPr wrap="none" lIns="0" tIns="0" rIns="0" bIns="0" rtlCol="0">
+            <a:spAutoFit/>
+          </a:bodyPr>
+          <a:lstStyle/>
+          <a:p>
+            <a:r>
+              <a:rPr lang="en-US" altLang="ko-KR" sz="1200" dirty="0">
+                <a:solidFill>
+                  <a:schemeClr val="bg1">
+                    <a:lumMod val="65000"/>
+                  </a:schemeClr>
+                </a:solidFill>
+              </a:rPr>
+              <a:t>45</a:t>
+            </a:r>
+            <a:endParaRPr lang="ko-KR" altLang="en-US" sz="1200" dirty="0">
+              <a:solidFill>
+                <a:schemeClr val="bg1">
+                  <a:lumMod val="65000"/>
+                </a:schemeClr>
+              </a:solidFill>
+            </a:endParaRPr>
+          </a:p>
+        </p:txBody>
+      </p:sp>
+      <p:sp>
+        <p:nvSpPr>
+          <p:cNvPr id="86" name="TextBox 85">
+            <a:extLst>
+              <a:ext uri="{FF2B5EF4-FFF2-40B4-BE49-F238E27FC236}">
+                <a16:creationId xmlns:a16="http://schemas.microsoft.com/office/drawing/2014/main" id="{0953AC80-E1A0-F390-9B7F-2B3E2785CC05}"/>
+              </a:ext>
+            </a:extLst>
+          </p:cNvPr>
+          <p:cNvSpPr txBox="1"/>
+          <p:nvPr userDrawn="1"/>
+        </p:nvSpPr>
+        <p:spPr>
+          <a:xfrm>
+            <a:off x="18288" y="7718844"/>
+            <a:ext cx="157094" cy="184666"/>
+          </a:xfrm>
+          <a:prstGeom prst="rect">
+            <a:avLst/>
+          </a:prstGeom>
+          <a:noFill/>
+        </p:spPr>
+        <p:txBody>
+          <a:bodyPr wrap="none" lIns="0" tIns="0" rIns="0" bIns="0" rtlCol="0">
+            <a:spAutoFit/>
+          </a:bodyPr>
+          <a:lstStyle/>
+          <a:p>
+            <a:r>
+              <a:rPr lang="en-US" altLang="ko-KR" sz="1200" dirty="0">
+                <a:solidFill>
+                  <a:schemeClr val="bg1">
+                    <a:lumMod val="65000"/>
+                  </a:schemeClr>
+                </a:solidFill>
+              </a:rPr>
+              <a:t>49</a:t>
+            </a:r>
+            <a:endParaRPr lang="ko-KR" altLang="en-US" sz="1200" dirty="0">
+              <a:solidFill>
+                <a:schemeClr val="bg1">
+                  <a:lumMod val="65000"/>
+                </a:schemeClr>
+              </a:solidFill>
+            </a:endParaRPr>
+          </a:p>
+        </p:txBody>
+      </p:sp>
+      <p:sp>
+        <p:nvSpPr>
+          <p:cNvPr id="87" name="TextBox 86">
+            <a:extLst>
+              <a:ext uri="{FF2B5EF4-FFF2-40B4-BE49-F238E27FC236}">
+                <a16:creationId xmlns:a16="http://schemas.microsoft.com/office/drawing/2014/main" id="{51BBA5E3-5EC4-1B17-A18C-988CDA3F3BAD}"/>
+              </a:ext>
+            </a:extLst>
+          </p:cNvPr>
+          <p:cNvSpPr txBox="1"/>
+          <p:nvPr userDrawn="1"/>
+        </p:nvSpPr>
+        <p:spPr>
+          <a:xfrm>
+            <a:off x="18288" y="8294263"/>
+            <a:ext cx="157094" cy="184666"/>
+          </a:xfrm>
+          <a:prstGeom prst="rect">
+            <a:avLst/>
+          </a:prstGeom>
+          <a:noFill/>
+        </p:spPr>
+        <p:txBody>
+          <a:bodyPr wrap="none" lIns="0" tIns="0" rIns="0" bIns="0" rtlCol="0">
+            <a:spAutoFit/>
+          </a:bodyPr>
+          <a:lstStyle/>
+          <a:p>
+            <a:r>
+              <a:rPr lang="en-US" altLang="ko-KR" sz="1200" dirty="0">
+                <a:solidFill>
+                  <a:schemeClr val="bg1">
+                    <a:lumMod val="65000"/>
+                  </a:schemeClr>
+                </a:solidFill>
+              </a:rPr>
+              <a:t>53</a:t>
+            </a:r>
+            <a:endParaRPr lang="ko-KR" altLang="en-US" sz="1200" dirty="0">
+              <a:solidFill>
+                <a:schemeClr val="bg1">
+                  <a:lumMod val="65000"/>
+                </a:schemeClr>
+              </a:solidFill>
+            </a:endParaRPr>
+          </a:p>
+        </p:txBody>
+      </p:sp>
+      <p:sp>
+        <p:nvSpPr>
+          <p:cNvPr id="88" name="TextBox 87">
+            <a:extLst>
+              <a:ext uri="{FF2B5EF4-FFF2-40B4-BE49-F238E27FC236}">
+                <a16:creationId xmlns:a16="http://schemas.microsoft.com/office/drawing/2014/main" id="{74BCF018-542B-6A71-1491-1727B398683B}"/>
+              </a:ext>
+            </a:extLst>
+          </p:cNvPr>
+          <p:cNvSpPr txBox="1"/>
+          <p:nvPr userDrawn="1"/>
+        </p:nvSpPr>
+        <p:spPr>
+          <a:xfrm>
+            <a:off x="18288" y="8869680"/>
+            <a:ext cx="157094" cy="184666"/>
+          </a:xfrm>
+          <a:prstGeom prst="rect">
+            <a:avLst/>
+          </a:prstGeom>
+          <a:noFill/>
+        </p:spPr>
+        <p:txBody>
+          <a:bodyPr wrap="none" lIns="0" tIns="0" rIns="0" bIns="0" rtlCol="0">
+            <a:spAutoFit/>
+          </a:bodyPr>
+          <a:lstStyle/>
+          <a:p>
+            <a:r>
+              <a:rPr lang="en-US" altLang="ko-KR" sz="1200" dirty="0">
+                <a:solidFill>
+                  <a:schemeClr val="bg1">
+                    <a:lumMod val="65000"/>
+                  </a:schemeClr>
+                </a:solidFill>
+              </a:rPr>
+              <a:t>57</a:t>
+            </a:r>
+            <a:endParaRPr lang="ko-KR" altLang="en-US" sz="1200" dirty="0">
+              <a:solidFill>
+                <a:schemeClr val="bg1">
+                  <a:lumMod val="65000"/>
+                </a:schemeClr>
+              </a:solidFill>
+            </a:endParaRPr>
           </a:p>
         </p:txBody>
       </p:sp>
@@ -2971,317 +5986,1640 @@
           <a:chExt cx="0" cy="0"/>
         </a:xfrm>
       </p:grpSpPr>
-      <p:sp>
-        <p:nvSpPr>
-          <p:cNvPr id="37" name="TextBox 36">
+      <p:grpSp>
+        <p:nvGrpSpPr>
+          <p:cNvPr id="23" name="그룹 22">
             <a:extLst>
               <a:ext uri="{FF2B5EF4-FFF2-40B4-BE49-F238E27FC236}">
-                <a16:creationId xmlns:a16="http://schemas.microsoft.com/office/drawing/2014/main" id="{4CFD8216-6BAA-CA5F-FA36-649B9225B378}"/>
+                <a16:creationId xmlns:a16="http://schemas.microsoft.com/office/drawing/2014/main" id="{42D89DFC-FA2D-B1EC-803E-F79E16F6FC86}"/>
               </a:ext>
             </a:extLst>
           </p:cNvPr>
-          <p:cNvSpPr txBox="1"/>
+          <p:cNvGrpSpPr/>
           <p:nvPr/>
-        </p:nvSpPr>
-        <p:spPr>
-          <a:xfrm>
-            <a:off x="111210" y="6780360"/>
-            <a:ext cx="6623222" cy="2270622"/>
-          </a:xfrm>
-          <a:prstGeom prst="rect">
-            <a:avLst/>
-          </a:prstGeom>
-          <a:noFill/>
-        </p:spPr>
-        <p:txBody>
-          <a:bodyPr wrap="square">
-            <a:spAutoFit/>
-          </a:bodyPr>
-          <a:lstStyle/>
-          <a:p>
-            <a:pPr algn="l">
-              <a:lnSpc>
-                <a:spcPct val="250000"/>
-              </a:lnSpc>
-              <a:spcAft>
-                <a:spcPts val="900"/>
-              </a:spcAft>
-              <a:buNone/>
-            </a:pPr>
-            <a:r>
-              <a:rPr lang="ko-KR" altLang="en-US" sz="1400" b="1" i="0" dirty="0">
-                <a:effectLst/>
-                <a:latin typeface="나눔고딕" panose="020D0604000000000000" pitchFamily="50" charset="-127"/>
-                <a:ea typeface="나눔고딕" panose="020D0604000000000000" pitchFamily="50" charset="-127"/>
-              </a:rPr>
-              <a:t>힘들어    보일    땐             내가 더 아파   오고    속상한 마음만    커져</a:t>
-            </a:r>
-            <a:br>
-              <a:rPr lang="ko-KR" altLang="en-US" sz="1400" b="1" i="0" dirty="0">
-                <a:effectLst/>
-                <a:latin typeface="나눔고딕" panose="020D0604000000000000" pitchFamily="50" charset="-127"/>
-                <a:ea typeface="나눔고딕" panose="020D0604000000000000" pitchFamily="50" charset="-127"/>
-              </a:rPr>
-            </a:br>
-            <a:r>
-              <a:rPr lang="ko-KR" altLang="en-US" sz="1400" b="1" i="0" dirty="0">
-                <a:effectLst/>
-                <a:latin typeface="나눔고딕" panose="020D0604000000000000" pitchFamily="50" charset="-127"/>
-                <a:ea typeface="나눔고딕" panose="020D0604000000000000" pitchFamily="50" charset="-127"/>
-              </a:rPr>
-              <a:t>내가    곁에   </a:t>
-            </a:r>
-            <a:r>
-              <a:rPr lang="ko-KR" altLang="en-US" sz="1400" b="1" i="0" dirty="0" err="1">
-                <a:effectLst/>
-                <a:latin typeface="나눔고딕" panose="020D0604000000000000" pitchFamily="50" charset="-127"/>
-                <a:ea typeface="나눔고딕" panose="020D0604000000000000" pitchFamily="50" charset="-127"/>
-              </a:rPr>
-              <a:t>있을게</a:t>
-            </a:r>
-            <a:r>
-              <a:rPr lang="ko-KR" altLang="en-US" sz="1400" b="1" i="0" dirty="0">
-                <a:effectLst/>
-                <a:latin typeface="나눔고딕" panose="020D0604000000000000" pitchFamily="50" charset="-127"/>
-                <a:ea typeface="나눔고딕" panose="020D0604000000000000" pitchFamily="50" charset="-127"/>
-              </a:rPr>
-              <a:t>     항상     너의     편이 </a:t>
-            </a:r>
-            <a:r>
-              <a:rPr lang="ko-KR" altLang="en-US" sz="1400" b="1" i="0" dirty="0" err="1">
-                <a:effectLst/>
-                <a:latin typeface="나눔고딕" panose="020D0604000000000000" pitchFamily="50" charset="-127"/>
-                <a:ea typeface="나눔고딕" panose="020D0604000000000000" pitchFamily="50" charset="-127"/>
-              </a:rPr>
-              <a:t>되어줄게</a:t>
-            </a:r>
-            <a:r>
-              <a:rPr lang="ko-KR" altLang="en-US" sz="1400" b="1" i="0" dirty="0">
-                <a:effectLst/>
-                <a:latin typeface="나눔고딕" panose="020D0604000000000000" pitchFamily="50" charset="-127"/>
-                <a:ea typeface="나눔고딕" panose="020D0604000000000000" pitchFamily="50" charset="-127"/>
-              </a:rPr>
-              <a:t> 저 하늘의 별처럼</a:t>
-            </a:r>
-          </a:p>
-          <a:p>
-            <a:pPr algn="l">
-              <a:lnSpc>
-                <a:spcPct val="250000"/>
-              </a:lnSpc>
-            </a:pPr>
-            <a:r>
-              <a:rPr lang="ko-KR" altLang="en-US" sz="1400" b="1" i="0" dirty="0">
-                <a:effectLst/>
-                <a:latin typeface="나눔고딕" panose="020D0604000000000000" pitchFamily="50" charset="-127"/>
-                <a:ea typeface="나눔고딕" panose="020D0604000000000000" pitchFamily="50" charset="-127"/>
-              </a:rPr>
-              <a:t>나랑 같이 </a:t>
-            </a:r>
-            <a:r>
-              <a:rPr lang="ko-KR" altLang="en-US" sz="1400" b="1" i="0" dirty="0" err="1">
-                <a:effectLst/>
-                <a:latin typeface="나눔고딕" panose="020D0604000000000000" pitchFamily="50" charset="-127"/>
-                <a:ea typeface="나눔고딕" panose="020D0604000000000000" pitchFamily="50" charset="-127"/>
-              </a:rPr>
-              <a:t>걸을래</a:t>
-            </a:r>
-            <a:r>
-              <a:rPr lang="ko-KR" altLang="en-US" sz="1400" b="1" i="0" dirty="0">
-                <a:effectLst/>
-                <a:latin typeface="나눔고딕" panose="020D0604000000000000" pitchFamily="50" charset="-127"/>
-                <a:ea typeface="나눔고딕" panose="020D0604000000000000" pitchFamily="50" charset="-127"/>
-              </a:rPr>
-              <a:t> 혹시 내일은 뭐해 네가 부담되지 않는 날에 산책이라도 </a:t>
-            </a:r>
-            <a:r>
-              <a:rPr lang="ko-KR" altLang="en-US" sz="1400" b="1" i="0" dirty="0" err="1">
-                <a:effectLst/>
-                <a:latin typeface="나눔고딕" panose="020D0604000000000000" pitchFamily="50" charset="-127"/>
-                <a:ea typeface="나눔고딕" panose="020D0604000000000000" pitchFamily="50" charset="-127"/>
-              </a:rPr>
-              <a:t>할래</a:t>
-            </a:r>
-            <a:br>
-              <a:rPr lang="ko-KR" altLang="en-US" sz="1400" b="1" i="0" dirty="0">
-                <a:effectLst/>
-                <a:latin typeface="나눔고딕" panose="020D0604000000000000" pitchFamily="50" charset="-127"/>
-                <a:ea typeface="나눔고딕" panose="020D0604000000000000" pitchFamily="50" charset="-127"/>
-              </a:rPr>
-            </a:br>
-            <a:r>
-              <a:rPr lang="ko-KR" altLang="en-US" sz="1400" b="1" i="0" dirty="0">
-                <a:effectLst/>
-                <a:latin typeface="나눔고딕" panose="020D0604000000000000" pitchFamily="50" charset="-127"/>
-                <a:ea typeface="나눔고딕" panose="020D0604000000000000" pitchFamily="50" charset="-127"/>
-              </a:rPr>
-              <a:t>그냥 날이 좋길래 너와 걷고 </a:t>
-            </a:r>
-            <a:r>
-              <a:rPr lang="ko-KR" altLang="en-US" sz="1400" b="1" i="0" dirty="0" err="1">
-                <a:effectLst/>
-                <a:latin typeface="나눔고딕" panose="020D0604000000000000" pitchFamily="50" charset="-127"/>
-                <a:ea typeface="나눔고딕" panose="020D0604000000000000" pitchFamily="50" charset="-127"/>
-              </a:rPr>
-              <a:t>싶어져서</a:t>
-            </a:r>
-            <a:r>
-              <a:rPr lang="ko-KR" altLang="en-US" sz="1400" b="1" i="0" dirty="0">
-                <a:effectLst/>
-                <a:latin typeface="나눔고딕" panose="020D0604000000000000" pitchFamily="50" charset="-127"/>
-                <a:ea typeface="나눔고딕" panose="020D0604000000000000" pitchFamily="50" charset="-127"/>
-              </a:rPr>
-              <a:t> 내일 많이 바쁘지 않으면 혹시 나랑 같이 </a:t>
-            </a:r>
-            <a:r>
-              <a:rPr lang="ko-KR" altLang="en-US" sz="1400" b="1" i="0" dirty="0" err="1">
-                <a:effectLst/>
-                <a:latin typeface="나눔고딕" panose="020D0604000000000000" pitchFamily="50" charset="-127"/>
-                <a:ea typeface="나눔고딕" panose="020D0604000000000000" pitchFamily="50" charset="-127"/>
-              </a:rPr>
-              <a:t>걸을래</a:t>
-            </a:r>
-            <a:endParaRPr lang="ko-KR" altLang="en-US" sz="1400" b="1" i="0" dirty="0">
-              <a:effectLst/>
-              <a:latin typeface="나눔고딕" panose="020D0604000000000000" pitchFamily="50" charset="-127"/>
-              <a:ea typeface="나눔고딕" panose="020D0604000000000000" pitchFamily="50" charset="-127"/>
-            </a:endParaRPr>
-          </a:p>
-        </p:txBody>
-      </p:sp>
-      <p:sp>
-        <p:nvSpPr>
-          <p:cNvPr id="30" name="TextBox 29">
+        </p:nvGrpSpPr>
+        <p:grpSpPr>
+          <a:xfrm>
+            <a:off x="117389" y="995304"/>
+            <a:ext cx="6456406" cy="8340447"/>
+            <a:chOff x="117389" y="995304"/>
+            <a:chExt cx="6456406" cy="8340447"/>
+          </a:xfrm>
+        </p:grpSpPr>
+        <p:sp>
+          <p:nvSpPr>
+            <p:cNvPr id="7" name="TextBox 6">
+              <a:extLst>
+                <a:ext uri="{FF2B5EF4-FFF2-40B4-BE49-F238E27FC236}">
+                  <a16:creationId xmlns:a16="http://schemas.microsoft.com/office/drawing/2014/main" id="{088F6108-7144-9914-A837-91050A461F38}"/>
+                </a:ext>
+              </a:extLst>
+            </p:cNvPr>
+            <p:cNvSpPr txBox="1"/>
+            <p:nvPr/>
+          </p:nvSpPr>
+          <p:spPr>
+            <a:xfrm>
+              <a:off x="117389" y="995304"/>
+              <a:ext cx="6456406" cy="307777"/>
+            </a:xfrm>
+            <a:prstGeom prst="rect">
+              <a:avLst/>
+            </a:prstGeom>
+            <a:noFill/>
+          </p:spPr>
+          <p:txBody>
+            <a:bodyPr wrap="square" rtlCol="0">
+              <a:spAutoFit/>
+            </a:bodyPr>
+            <a:lstStyle/>
+            <a:p>
+              <a:r>
+                <a:rPr lang="en-US" altLang="ko-KR" sz="1400" b="1" dirty="0">
+                  <a:solidFill>
+                    <a:srgbClr val="C00000"/>
+                  </a:solidFill>
+                  <a:latin typeface="Calibri" panose="020F0502020204030204" pitchFamily="34" charset="0"/>
+                  <a:cs typeface="Calibri" panose="020F0502020204030204" pitchFamily="34" charset="0"/>
+                </a:rPr>
+                <a:t>GM7                             </a:t>
+              </a:r>
+              <a:r>
+                <a:rPr lang="en-US" altLang="ko-KR" sz="1400" b="1" dirty="0" err="1">
+                  <a:solidFill>
+                    <a:srgbClr val="C00000"/>
+                  </a:solidFill>
+                  <a:latin typeface="Calibri" panose="020F0502020204030204" pitchFamily="34" charset="0"/>
+                  <a:cs typeface="Calibri" panose="020F0502020204030204" pitchFamily="34" charset="0"/>
+                </a:rPr>
+                <a:t>GM7</a:t>
+              </a:r>
+              <a:r>
+                <a:rPr lang="en-US" altLang="ko-KR" sz="1400" b="1" dirty="0">
+                  <a:solidFill>
+                    <a:srgbClr val="C00000"/>
+                  </a:solidFill>
+                  <a:latin typeface="Calibri" panose="020F0502020204030204" pitchFamily="34" charset="0"/>
+                  <a:cs typeface="Calibri" panose="020F0502020204030204" pitchFamily="34" charset="0"/>
+                </a:rPr>
+                <a:t>                                   Em7                                   </a:t>
+              </a:r>
+              <a:r>
+                <a:rPr lang="en-US" altLang="ko-KR" sz="1400" b="1" dirty="0" err="1">
+                  <a:solidFill>
+                    <a:srgbClr val="C00000"/>
+                  </a:solidFill>
+                  <a:latin typeface="Calibri" panose="020F0502020204030204" pitchFamily="34" charset="0"/>
+                  <a:cs typeface="Calibri" panose="020F0502020204030204" pitchFamily="34" charset="0"/>
+                </a:rPr>
+                <a:t>Em7</a:t>
+              </a:r>
+              <a:r>
+                <a:rPr lang="en-US" altLang="ko-KR" sz="1400" b="1" dirty="0">
+                  <a:solidFill>
+                    <a:srgbClr val="C00000"/>
+                  </a:solidFill>
+                  <a:latin typeface="Calibri" panose="020F0502020204030204" pitchFamily="34" charset="0"/>
+                  <a:cs typeface="Calibri" panose="020F0502020204030204" pitchFamily="34" charset="0"/>
+                </a:rPr>
+                <a:t> </a:t>
+              </a:r>
+              <a:endParaRPr lang="ko-KR" altLang="en-US" sz="1400" b="1" dirty="0">
+                <a:solidFill>
+                  <a:srgbClr val="C00000"/>
+                </a:solidFill>
+                <a:latin typeface="Calibri" panose="020F0502020204030204" pitchFamily="34" charset="0"/>
+                <a:cs typeface="Calibri" panose="020F0502020204030204" pitchFamily="34" charset="0"/>
+              </a:endParaRPr>
+            </a:p>
+          </p:txBody>
+        </p:sp>
+        <p:sp>
+          <p:nvSpPr>
+            <p:cNvPr id="2" name="TextBox 1">
+              <a:extLst>
+                <a:ext uri="{FF2B5EF4-FFF2-40B4-BE49-F238E27FC236}">
+                  <a16:creationId xmlns:a16="http://schemas.microsoft.com/office/drawing/2014/main" id="{FCE36D4C-39C3-6357-B56A-E2AFA1661640}"/>
+                </a:ext>
+              </a:extLst>
+            </p:cNvPr>
+            <p:cNvSpPr txBox="1"/>
+            <p:nvPr/>
+          </p:nvSpPr>
+          <p:spPr>
+            <a:xfrm>
+              <a:off x="117389" y="1569556"/>
+              <a:ext cx="6456406" cy="307777"/>
+            </a:xfrm>
+            <a:prstGeom prst="rect">
+              <a:avLst/>
+            </a:prstGeom>
+            <a:noFill/>
+          </p:spPr>
+          <p:txBody>
+            <a:bodyPr wrap="square" rtlCol="0">
+              <a:spAutoFit/>
+            </a:bodyPr>
+            <a:lstStyle/>
+            <a:p>
+              <a:r>
+                <a:rPr lang="en-US" altLang="ko-KR" sz="1400" b="1" dirty="0">
+                  <a:solidFill>
+                    <a:srgbClr val="C00000"/>
+                  </a:solidFill>
+                  <a:latin typeface="Calibri" panose="020F0502020204030204" pitchFamily="34" charset="0"/>
+                  <a:cs typeface="Calibri" panose="020F0502020204030204" pitchFamily="34" charset="0"/>
+                </a:rPr>
+                <a:t>CM7                             </a:t>
+              </a:r>
+              <a:r>
+                <a:rPr lang="en-US" altLang="ko-KR" sz="1400" b="1" dirty="0" err="1">
+                  <a:solidFill>
+                    <a:srgbClr val="C00000"/>
+                  </a:solidFill>
+                  <a:latin typeface="Calibri" panose="020F0502020204030204" pitchFamily="34" charset="0"/>
+                  <a:cs typeface="Calibri" panose="020F0502020204030204" pitchFamily="34" charset="0"/>
+                </a:rPr>
+                <a:t>CM7</a:t>
+              </a:r>
+              <a:r>
+                <a:rPr lang="en-US" altLang="ko-KR" sz="1400" b="1" dirty="0">
+                  <a:solidFill>
+                    <a:srgbClr val="C00000"/>
+                  </a:solidFill>
+                  <a:latin typeface="Calibri" panose="020F0502020204030204" pitchFamily="34" charset="0"/>
+                  <a:cs typeface="Calibri" panose="020F0502020204030204" pitchFamily="34" charset="0"/>
+                </a:rPr>
+                <a:t>                                   GM7                                   </a:t>
+              </a:r>
+              <a:r>
+                <a:rPr lang="en-US" altLang="ko-KR" sz="1400" b="1" dirty="0" err="1">
+                  <a:solidFill>
+                    <a:srgbClr val="C00000"/>
+                  </a:solidFill>
+                  <a:latin typeface="Calibri" panose="020F0502020204030204" pitchFamily="34" charset="0"/>
+                  <a:cs typeface="Calibri" panose="020F0502020204030204" pitchFamily="34" charset="0"/>
+                </a:rPr>
+                <a:t>GM7</a:t>
+              </a:r>
+              <a:r>
+                <a:rPr lang="en-US" altLang="ko-KR" sz="1400" b="1" dirty="0">
+                  <a:solidFill>
+                    <a:srgbClr val="C00000"/>
+                  </a:solidFill>
+                  <a:latin typeface="Calibri" panose="020F0502020204030204" pitchFamily="34" charset="0"/>
+                  <a:cs typeface="Calibri" panose="020F0502020204030204" pitchFamily="34" charset="0"/>
+                </a:rPr>
+                <a:t> </a:t>
+              </a:r>
+              <a:endParaRPr lang="ko-KR" altLang="en-US" sz="1400" b="1" dirty="0">
+                <a:solidFill>
+                  <a:srgbClr val="C00000"/>
+                </a:solidFill>
+                <a:latin typeface="Calibri" panose="020F0502020204030204" pitchFamily="34" charset="0"/>
+                <a:cs typeface="Calibri" panose="020F0502020204030204" pitchFamily="34" charset="0"/>
+              </a:endParaRPr>
+            </a:p>
+          </p:txBody>
+        </p:sp>
+        <p:sp>
+          <p:nvSpPr>
+            <p:cNvPr id="4" name="TextBox 3">
+              <a:extLst>
+                <a:ext uri="{FF2B5EF4-FFF2-40B4-BE49-F238E27FC236}">
+                  <a16:creationId xmlns:a16="http://schemas.microsoft.com/office/drawing/2014/main" id="{01FF50C9-434B-3EF7-8980-5EF18B58538E}"/>
+                </a:ext>
+              </a:extLst>
+            </p:cNvPr>
+            <p:cNvSpPr txBox="1"/>
+            <p:nvPr/>
+          </p:nvSpPr>
+          <p:spPr>
+            <a:xfrm>
+              <a:off x="117389" y="2143808"/>
+              <a:ext cx="6456406" cy="307777"/>
+            </a:xfrm>
+            <a:prstGeom prst="rect">
+              <a:avLst/>
+            </a:prstGeom>
+            <a:noFill/>
+          </p:spPr>
+          <p:txBody>
+            <a:bodyPr wrap="square" rtlCol="0">
+              <a:spAutoFit/>
+            </a:bodyPr>
+            <a:lstStyle/>
+            <a:p>
+              <a:r>
+                <a:rPr lang="en-US" altLang="ko-KR" sz="1400" b="1" dirty="0">
+                  <a:solidFill>
+                    <a:srgbClr val="C00000"/>
+                  </a:solidFill>
+                  <a:latin typeface="Calibri" panose="020F0502020204030204" pitchFamily="34" charset="0"/>
+                  <a:cs typeface="Calibri" panose="020F0502020204030204" pitchFamily="34" charset="0"/>
+                </a:rPr>
+                <a:t>GM7                             </a:t>
+              </a:r>
+              <a:r>
+                <a:rPr lang="en-US" altLang="ko-KR" sz="1400" b="1" dirty="0" err="1">
+                  <a:solidFill>
+                    <a:srgbClr val="C00000"/>
+                  </a:solidFill>
+                  <a:latin typeface="Calibri" panose="020F0502020204030204" pitchFamily="34" charset="0"/>
+                  <a:cs typeface="Calibri" panose="020F0502020204030204" pitchFamily="34" charset="0"/>
+                </a:rPr>
+                <a:t>GM7</a:t>
+              </a:r>
+              <a:r>
+                <a:rPr lang="en-US" altLang="ko-KR" sz="1400" b="1" dirty="0">
+                  <a:solidFill>
+                    <a:srgbClr val="C00000"/>
+                  </a:solidFill>
+                  <a:latin typeface="Calibri" panose="020F0502020204030204" pitchFamily="34" charset="0"/>
+                  <a:cs typeface="Calibri" panose="020F0502020204030204" pitchFamily="34" charset="0"/>
+                </a:rPr>
+                <a:t>                                   Em7                                   </a:t>
+              </a:r>
+              <a:r>
+                <a:rPr lang="en-US" altLang="ko-KR" sz="1400" b="1" dirty="0" err="1">
+                  <a:solidFill>
+                    <a:srgbClr val="C00000"/>
+                  </a:solidFill>
+                  <a:latin typeface="Calibri" panose="020F0502020204030204" pitchFamily="34" charset="0"/>
+                  <a:cs typeface="Calibri" panose="020F0502020204030204" pitchFamily="34" charset="0"/>
+                </a:rPr>
+                <a:t>Em7</a:t>
+              </a:r>
+              <a:r>
+                <a:rPr lang="en-US" altLang="ko-KR" sz="1400" b="1" dirty="0">
+                  <a:solidFill>
+                    <a:srgbClr val="C00000"/>
+                  </a:solidFill>
+                  <a:latin typeface="Calibri" panose="020F0502020204030204" pitchFamily="34" charset="0"/>
+                  <a:cs typeface="Calibri" panose="020F0502020204030204" pitchFamily="34" charset="0"/>
+                </a:rPr>
+                <a:t> </a:t>
+              </a:r>
+              <a:endParaRPr lang="ko-KR" altLang="en-US" sz="1400" b="1" dirty="0">
+                <a:solidFill>
+                  <a:srgbClr val="C00000"/>
+                </a:solidFill>
+                <a:latin typeface="Calibri" panose="020F0502020204030204" pitchFamily="34" charset="0"/>
+                <a:cs typeface="Calibri" panose="020F0502020204030204" pitchFamily="34" charset="0"/>
+              </a:endParaRPr>
+            </a:p>
+          </p:txBody>
+        </p:sp>
+        <p:sp>
+          <p:nvSpPr>
+            <p:cNvPr id="6" name="TextBox 5">
+              <a:extLst>
+                <a:ext uri="{FF2B5EF4-FFF2-40B4-BE49-F238E27FC236}">
+                  <a16:creationId xmlns:a16="http://schemas.microsoft.com/office/drawing/2014/main" id="{B15E356B-0A6D-7F23-6F63-A8232C572753}"/>
+                </a:ext>
+              </a:extLst>
+            </p:cNvPr>
+            <p:cNvSpPr txBox="1"/>
+            <p:nvPr/>
+          </p:nvSpPr>
+          <p:spPr>
+            <a:xfrm>
+              <a:off x="117389" y="2718060"/>
+              <a:ext cx="6456406" cy="307777"/>
+            </a:xfrm>
+            <a:prstGeom prst="rect">
+              <a:avLst/>
+            </a:prstGeom>
+            <a:noFill/>
+          </p:spPr>
+          <p:txBody>
+            <a:bodyPr wrap="square" rtlCol="0">
+              <a:spAutoFit/>
+            </a:bodyPr>
+            <a:lstStyle/>
+            <a:p>
+              <a:r>
+                <a:rPr lang="en-US" altLang="ko-KR" sz="1400" b="1" dirty="0">
+                  <a:solidFill>
+                    <a:srgbClr val="C00000"/>
+                  </a:solidFill>
+                  <a:latin typeface="Calibri" panose="020F0502020204030204" pitchFamily="34" charset="0"/>
+                  <a:cs typeface="Calibri" panose="020F0502020204030204" pitchFamily="34" charset="0"/>
+                </a:rPr>
+                <a:t>CM7                             </a:t>
+              </a:r>
+              <a:r>
+                <a:rPr lang="en-US" altLang="ko-KR" sz="1400" b="1" dirty="0" err="1">
+                  <a:solidFill>
+                    <a:srgbClr val="C00000"/>
+                  </a:solidFill>
+                  <a:latin typeface="Calibri" panose="020F0502020204030204" pitchFamily="34" charset="0"/>
+                  <a:cs typeface="Calibri" panose="020F0502020204030204" pitchFamily="34" charset="0"/>
+                </a:rPr>
+                <a:t>CM7</a:t>
+              </a:r>
+              <a:r>
+                <a:rPr lang="en-US" altLang="ko-KR" sz="1400" b="1" dirty="0">
+                  <a:solidFill>
+                    <a:srgbClr val="C00000"/>
+                  </a:solidFill>
+                  <a:latin typeface="Calibri" panose="020F0502020204030204" pitchFamily="34" charset="0"/>
+                  <a:cs typeface="Calibri" panose="020F0502020204030204" pitchFamily="34" charset="0"/>
+                </a:rPr>
+                <a:t>                                   GM7                                   </a:t>
+              </a:r>
+              <a:r>
+                <a:rPr lang="en-US" altLang="ko-KR" sz="1400" b="1" dirty="0" err="1">
+                  <a:solidFill>
+                    <a:srgbClr val="C00000"/>
+                  </a:solidFill>
+                  <a:latin typeface="Calibri" panose="020F0502020204030204" pitchFamily="34" charset="0"/>
+                  <a:cs typeface="Calibri" panose="020F0502020204030204" pitchFamily="34" charset="0"/>
+                </a:rPr>
+                <a:t>GM7</a:t>
+              </a:r>
+              <a:r>
+                <a:rPr lang="en-US" altLang="ko-KR" sz="1400" b="1" dirty="0">
+                  <a:solidFill>
+                    <a:srgbClr val="C00000"/>
+                  </a:solidFill>
+                  <a:latin typeface="Calibri" panose="020F0502020204030204" pitchFamily="34" charset="0"/>
+                  <a:cs typeface="Calibri" panose="020F0502020204030204" pitchFamily="34" charset="0"/>
+                </a:rPr>
+                <a:t> </a:t>
+              </a:r>
+              <a:endParaRPr lang="ko-KR" altLang="en-US" sz="1400" b="1" dirty="0">
+                <a:solidFill>
+                  <a:srgbClr val="C00000"/>
+                </a:solidFill>
+                <a:latin typeface="Calibri" panose="020F0502020204030204" pitchFamily="34" charset="0"/>
+                <a:cs typeface="Calibri" panose="020F0502020204030204" pitchFamily="34" charset="0"/>
+              </a:endParaRPr>
+            </a:p>
+          </p:txBody>
+        </p:sp>
+        <p:sp>
+          <p:nvSpPr>
+            <p:cNvPr id="9" name="TextBox 8">
+              <a:extLst>
+                <a:ext uri="{FF2B5EF4-FFF2-40B4-BE49-F238E27FC236}">
+                  <a16:creationId xmlns:a16="http://schemas.microsoft.com/office/drawing/2014/main" id="{3AF10377-A26B-675C-D196-A9CDA9232798}"/>
+                </a:ext>
+              </a:extLst>
+            </p:cNvPr>
+            <p:cNvSpPr txBox="1"/>
+            <p:nvPr/>
+          </p:nvSpPr>
+          <p:spPr>
+            <a:xfrm>
+              <a:off x="117389" y="3292312"/>
+              <a:ext cx="6456406" cy="307777"/>
+            </a:xfrm>
+            <a:prstGeom prst="rect">
+              <a:avLst/>
+            </a:prstGeom>
+            <a:noFill/>
+          </p:spPr>
+          <p:txBody>
+            <a:bodyPr wrap="square" rtlCol="0">
+              <a:spAutoFit/>
+            </a:bodyPr>
+            <a:lstStyle/>
+            <a:p>
+              <a:r>
+                <a:rPr lang="en-US" altLang="ko-KR" sz="1400" b="1" dirty="0">
+                  <a:solidFill>
+                    <a:srgbClr val="C00000"/>
+                  </a:solidFill>
+                  <a:latin typeface="Calibri" panose="020F0502020204030204" pitchFamily="34" charset="0"/>
+                  <a:cs typeface="Calibri" panose="020F0502020204030204" pitchFamily="34" charset="0"/>
+                </a:rPr>
+                <a:t>GM7                             </a:t>
+              </a:r>
+              <a:r>
+                <a:rPr lang="en-US" altLang="ko-KR" sz="1400" b="1" dirty="0" err="1">
+                  <a:solidFill>
+                    <a:srgbClr val="C00000"/>
+                  </a:solidFill>
+                  <a:latin typeface="Calibri" panose="020F0502020204030204" pitchFamily="34" charset="0"/>
+                  <a:cs typeface="Calibri" panose="020F0502020204030204" pitchFamily="34" charset="0"/>
+                </a:rPr>
+                <a:t>GM7</a:t>
+              </a:r>
+              <a:r>
+                <a:rPr lang="en-US" altLang="ko-KR" sz="1400" b="1" dirty="0">
+                  <a:solidFill>
+                    <a:srgbClr val="C00000"/>
+                  </a:solidFill>
+                  <a:latin typeface="Calibri" panose="020F0502020204030204" pitchFamily="34" charset="0"/>
+                  <a:cs typeface="Calibri" panose="020F0502020204030204" pitchFamily="34" charset="0"/>
+                </a:rPr>
+                <a:t>                                   Em7                                   </a:t>
+              </a:r>
+              <a:r>
+                <a:rPr lang="en-US" altLang="ko-KR" sz="1400" b="1" dirty="0" err="1">
+                  <a:solidFill>
+                    <a:srgbClr val="C00000"/>
+                  </a:solidFill>
+                  <a:latin typeface="Calibri" panose="020F0502020204030204" pitchFamily="34" charset="0"/>
+                  <a:cs typeface="Calibri" panose="020F0502020204030204" pitchFamily="34" charset="0"/>
+                </a:rPr>
+                <a:t>Em7</a:t>
+              </a:r>
+              <a:r>
+                <a:rPr lang="en-US" altLang="ko-KR" sz="1400" b="1" dirty="0">
+                  <a:solidFill>
+                    <a:srgbClr val="C00000"/>
+                  </a:solidFill>
+                  <a:latin typeface="Calibri" panose="020F0502020204030204" pitchFamily="34" charset="0"/>
+                  <a:cs typeface="Calibri" panose="020F0502020204030204" pitchFamily="34" charset="0"/>
+                </a:rPr>
+                <a:t> </a:t>
+              </a:r>
+              <a:endParaRPr lang="ko-KR" altLang="en-US" sz="1400" b="1" dirty="0">
+                <a:solidFill>
+                  <a:srgbClr val="C00000"/>
+                </a:solidFill>
+                <a:latin typeface="Calibri" panose="020F0502020204030204" pitchFamily="34" charset="0"/>
+                <a:cs typeface="Calibri" panose="020F0502020204030204" pitchFamily="34" charset="0"/>
+              </a:endParaRPr>
+            </a:p>
+          </p:txBody>
+        </p:sp>
+        <p:sp>
+          <p:nvSpPr>
+            <p:cNvPr id="10" name="TextBox 9">
+              <a:extLst>
+                <a:ext uri="{FF2B5EF4-FFF2-40B4-BE49-F238E27FC236}">
+                  <a16:creationId xmlns:a16="http://schemas.microsoft.com/office/drawing/2014/main" id="{44F9971F-83FE-D7AA-17B8-DA0C3BDAD91A}"/>
+                </a:ext>
+              </a:extLst>
+            </p:cNvPr>
+            <p:cNvSpPr txBox="1"/>
+            <p:nvPr/>
+          </p:nvSpPr>
+          <p:spPr>
+            <a:xfrm>
+              <a:off x="117389" y="3866564"/>
+              <a:ext cx="6456406" cy="307777"/>
+            </a:xfrm>
+            <a:prstGeom prst="rect">
+              <a:avLst/>
+            </a:prstGeom>
+            <a:noFill/>
+          </p:spPr>
+          <p:txBody>
+            <a:bodyPr wrap="square" rtlCol="0">
+              <a:spAutoFit/>
+            </a:bodyPr>
+            <a:lstStyle/>
+            <a:p>
+              <a:r>
+                <a:rPr lang="en-US" altLang="ko-KR" sz="1400" b="1" dirty="0">
+                  <a:solidFill>
+                    <a:srgbClr val="C00000"/>
+                  </a:solidFill>
+                  <a:latin typeface="Calibri" panose="020F0502020204030204" pitchFamily="34" charset="0"/>
+                  <a:cs typeface="Calibri" panose="020F0502020204030204" pitchFamily="34" charset="0"/>
+                </a:rPr>
+                <a:t>CM7                             </a:t>
+              </a:r>
+              <a:r>
+                <a:rPr lang="en-US" altLang="ko-KR" sz="1400" b="1" dirty="0" err="1">
+                  <a:solidFill>
+                    <a:srgbClr val="C00000"/>
+                  </a:solidFill>
+                  <a:latin typeface="Calibri" panose="020F0502020204030204" pitchFamily="34" charset="0"/>
+                  <a:cs typeface="Calibri" panose="020F0502020204030204" pitchFamily="34" charset="0"/>
+                </a:rPr>
+                <a:t>CM7</a:t>
+              </a:r>
+              <a:r>
+                <a:rPr lang="en-US" altLang="ko-KR" sz="1400" b="1" dirty="0">
+                  <a:solidFill>
+                    <a:srgbClr val="C00000"/>
+                  </a:solidFill>
+                  <a:latin typeface="Calibri" panose="020F0502020204030204" pitchFamily="34" charset="0"/>
+                  <a:cs typeface="Calibri" panose="020F0502020204030204" pitchFamily="34" charset="0"/>
+                </a:rPr>
+                <a:t>                                   GM7                                   </a:t>
+              </a:r>
+              <a:r>
+                <a:rPr lang="en-US" altLang="ko-KR" sz="1400" b="1" dirty="0" err="1">
+                  <a:solidFill>
+                    <a:srgbClr val="C00000"/>
+                  </a:solidFill>
+                  <a:latin typeface="Calibri" panose="020F0502020204030204" pitchFamily="34" charset="0"/>
+                  <a:cs typeface="Calibri" panose="020F0502020204030204" pitchFamily="34" charset="0"/>
+                </a:rPr>
+                <a:t>GM7</a:t>
+              </a:r>
+              <a:r>
+                <a:rPr lang="en-US" altLang="ko-KR" sz="1400" b="1" dirty="0">
+                  <a:solidFill>
+                    <a:srgbClr val="C00000"/>
+                  </a:solidFill>
+                  <a:latin typeface="Calibri" panose="020F0502020204030204" pitchFamily="34" charset="0"/>
+                  <a:cs typeface="Calibri" panose="020F0502020204030204" pitchFamily="34" charset="0"/>
+                </a:rPr>
+                <a:t> </a:t>
+              </a:r>
+              <a:endParaRPr lang="ko-KR" altLang="en-US" sz="1400" b="1" dirty="0">
+                <a:solidFill>
+                  <a:srgbClr val="C00000"/>
+                </a:solidFill>
+                <a:latin typeface="Calibri" panose="020F0502020204030204" pitchFamily="34" charset="0"/>
+                <a:cs typeface="Calibri" panose="020F0502020204030204" pitchFamily="34" charset="0"/>
+              </a:endParaRPr>
+            </a:p>
+          </p:txBody>
+        </p:sp>
+        <p:sp>
+          <p:nvSpPr>
+            <p:cNvPr id="11" name="TextBox 10">
+              <a:extLst>
+                <a:ext uri="{FF2B5EF4-FFF2-40B4-BE49-F238E27FC236}">
+                  <a16:creationId xmlns:a16="http://schemas.microsoft.com/office/drawing/2014/main" id="{4533FCF9-2FBC-DB97-5724-E0981617B8F4}"/>
+                </a:ext>
+              </a:extLst>
+            </p:cNvPr>
+            <p:cNvSpPr txBox="1"/>
+            <p:nvPr/>
+          </p:nvSpPr>
+          <p:spPr>
+            <a:xfrm>
+              <a:off x="117389" y="4440816"/>
+              <a:ext cx="6456406" cy="307777"/>
+            </a:xfrm>
+            <a:prstGeom prst="rect">
+              <a:avLst/>
+            </a:prstGeom>
+            <a:noFill/>
+          </p:spPr>
+          <p:txBody>
+            <a:bodyPr wrap="square" rtlCol="0">
+              <a:spAutoFit/>
+            </a:bodyPr>
+            <a:lstStyle/>
+            <a:p>
+              <a:r>
+                <a:rPr lang="en-US" altLang="ko-KR" sz="1400" b="1" dirty="0">
+                  <a:solidFill>
+                    <a:srgbClr val="C00000"/>
+                  </a:solidFill>
+                  <a:latin typeface="Calibri" panose="020F0502020204030204" pitchFamily="34" charset="0"/>
+                  <a:cs typeface="Calibri" panose="020F0502020204030204" pitchFamily="34" charset="0"/>
+                </a:rPr>
+                <a:t>Em7                              CM7                                   G5        Gsus2       G         Gsus2  G </a:t>
+              </a:r>
+              <a:endParaRPr lang="ko-KR" altLang="en-US" sz="1400" b="1" dirty="0">
+                <a:solidFill>
+                  <a:srgbClr val="C00000"/>
+                </a:solidFill>
+                <a:latin typeface="Calibri" panose="020F0502020204030204" pitchFamily="34" charset="0"/>
+                <a:cs typeface="Calibri" panose="020F0502020204030204" pitchFamily="34" charset="0"/>
+              </a:endParaRPr>
+            </a:p>
+          </p:txBody>
+        </p:sp>
+        <p:sp>
+          <p:nvSpPr>
+            <p:cNvPr id="13" name="TextBox 12">
+              <a:extLst>
+                <a:ext uri="{FF2B5EF4-FFF2-40B4-BE49-F238E27FC236}">
+                  <a16:creationId xmlns:a16="http://schemas.microsoft.com/office/drawing/2014/main" id="{CE3FBCBD-F21E-6A4B-3A3A-90C26D2B5318}"/>
+                </a:ext>
+              </a:extLst>
+            </p:cNvPr>
+            <p:cNvSpPr txBox="1"/>
+            <p:nvPr/>
+          </p:nvSpPr>
+          <p:spPr>
+            <a:xfrm>
+              <a:off x="117389" y="5015068"/>
+              <a:ext cx="6456406" cy="307777"/>
+            </a:xfrm>
+            <a:prstGeom prst="rect">
+              <a:avLst/>
+            </a:prstGeom>
+            <a:noFill/>
+          </p:spPr>
+          <p:txBody>
+            <a:bodyPr wrap="square" rtlCol="0">
+              <a:spAutoFit/>
+            </a:bodyPr>
+            <a:lstStyle/>
+            <a:p>
+              <a:r>
+                <a:rPr lang="en-US" altLang="ko-KR" sz="1400" b="1" dirty="0">
+                  <a:solidFill>
+                    <a:srgbClr val="C00000"/>
+                  </a:solidFill>
+                  <a:latin typeface="Calibri" panose="020F0502020204030204" pitchFamily="34" charset="0"/>
+                  <a:cs typeface="Calibri" panose="020F0502020204030204" pitchFamily="34" charset="0"/>
+                </a:rPr>
+                <a:t>Em7                              CM7                                   G5        Gsus2       G         Gsus2  G </a:t>
+              </a:r>
+              <a:endParaRPr lang="ko-KR" altLang="en-US" sz="1400" b="1" dirty="0">
+                <a:solidFill>
+                  <a:srgbClr val="C00000"/>
+                </a:solidFill>
+                <a:latin typeface="Calibri" panose="020F0502020204030204" pitchFamily="34" charset="0"/>
+                <a:cs typeface="Calibri" panose="020F0502020204030204" pitchFamily="34" charset="0"/>
+              </a:endParaRPr>
+            </a:p>
+          </p:txBody>
+        </p:sp>
+        <p:sp>
+          <p:nvSpPr>
+            <p:cNvPr id="14" name="TextBox 13">
+              <a:extLst>
+                <a:ext uri="{FF2B5EF4-FFF2-40B4-BE49-F238E27FC236}">
+                  <a16:creationId xmlns:a16="http://schemas.microsoft.com/office/drawing/2014/main" id="{2DAB7A27-747D-C276-DE0A-199E4D65D2DC}"/>
+                </a:ext>
+              </a:extLst>
+            </p:cNvPr>
+            <p:cNvSpPr txBox="1"/>
+            <p:nvPr/>
+          </p:nvSpPr>
+          <p:spPr>
+            <a:xfrm>
+              <a:off x="117389" y="5589320"/>
+              <a:ext cx="6456406" cy="307777"/>
+            </a:xfrm>
+            <a:prstGeom prst="rect">
+              <a:avLst/>
+            </a:prstGeom>
+            <a:noFill/>
+          </p:spPr>
+          <p:txBody>
+            <a:bodyPr wrap="square" rtlCol="0">
+              <a:spAutoFit/>
+            </a:bodyPr>
+            <a:lstStyle/>
+            <a:p>
+              <a:r>
+                <a:rPr lang="en-US" altLang="ko-KR" sz="1400" b="1" dirty="0">
+                  <a:solidFill>
+                    <a:srgbClr val="C00000"/>
+                  </a:solidFill>
+                  <a:latin typeface="Calibri" panose="020F0502020204030204" pitchFamily="34" charset="0"/>
+                  <a:cs typeface="Calibri" panose="020F0502020204030204" pitchFamily="34" charset="0"/>
+                </a:rPr>
+                <a:t>GM7                             </a:t>
+              </a:r>
+              <a:r>
+                <a:rPr lang="en-US" altLang="ko-KR" sz="1400" b="1" dirty="0" err="1">
+                  <a:solidFill>
+                    <a:srgbClr val="C00000"/>
+                  </a:solidFill>
+                  <a:latin typeface="Calibri" panose="020F0502020204030204" pitchFamily="34" charset="0"/>
+                  <a:cs typeface="Calibri" panose="020F0502020204030204" pitchFamily="34" charset="0"/>
+                </a:rPr>
+                <a:t>GM7</a:t>
+              </a:r>
+              <a:r>
+                <a:rPr lang="en-US" altLang="ko-KR" sz="1400" b="1" dirty="0">
+                  <a:solidFill>
+                    <a:srgbClr val="C00000"/>
+                  </a:solidFill>
+                  <a:latin typeface="Calibri" panose="020F0502020204030204" pitchFamily="34" charset="0"/>
+                  <a:cs typeface="Calibri" panose="020F0502020204030204" pitchFamily="34" charset="0"/>
+                </a:rPr>
+                <a:t>                                   Em7                                   </a:t>
+              </a:r>
+              <a:r>
+                <a:rPr lang="en-US" altLang="ko-KR" sz="1400" b="1" dirty="0" err="1">
+                  <a:solidFill>
+                    <a:srgbClr val="C00000"/>
+                  </a:solidFill>
+                  <a:latin typeface="Calibri" panose="020F0502020204030204" pitchFamily="34" charset="0"/>
+                  <a:cs typeface="Calibri" panose="020F0502020204030204" pitchFamily="34" charset="0"/>
+                </a:rPr>
+                <a:t>Em7</a:t>
+              </a:r>
+              <a:r>
+                <a:rPr lang="en-US" altLang="ko-KR" sz="1400" b="1" dirty="0">
+                  <a:solidFill>
+                    <a:srgbClr val="C00000"/>
+                  </a:solidFill>
+                  <a:latin typeface="Calibri" panose="020F0502020204030204" pitchFamily="34" charset="0"/>
+                  <a:cs typeface="Calibri" panose="020F0502020204030204" pitchFamily="34" charset="0"/>
+                </a:rPr>
+                <a:t> </a:t>
+              </a:r>
+              <a:endParaRPr lang="ko-KR" altLang="en-US" sz="1400" b="1" dirty="0">
+                <a:solidFill>
+                  <a:srgbClr val="C00000"/>
+                </a:solidFill>
+                <a:latin typeface="Calibri" panose="020F0502020204030204" pitchFamily="34" charset="0"/>
+                <a:cs typeface="Calibri" panose="020F0502020204030204" pitchFamily="34" charset="0"/>
+              </a:endParaRPr>
+            </a:p>
+          </p:txBody>
+        </p:sp>
+        <p:sp>
+          <p:nvSpPr>
+            <p:cNvPr id="15" name="TextBox 14">
+              <a:extLst>
+                <a:ext uri="{FF2B5EF4-FFF2-40B4-BE49-F238E27FC236}">
+                  <a16:creationId xmlns:a16="http://schemas.microsoft.com/office/drawing/2014/main" id="{19582BA8-739B-0738-395E-A95BEB889BE7}"/>
+                </a:ext>
+              </a:extLst>
+            </p:cNvPr>
+            <p:cNvSpPr txBox="1"/>
+            <p:nvPr/>
+          </p:nvSpPr>
+          <p:spPr>
+            <a:xfrm>
+              <a:off x="117389" y="6163572"/>
+              <a:ext cx="6456406" cy="307777"/>
+            </a:xfrm>
+            <a:prstGeom prst="rect">
+              <a:avLst/>
+            </a:prstGeom>
+            <a:noFill/>
+          </p:spPr>
+          <p:txBody>
+            <a:bodyPr wrap="square" rtlCol="0">
+              <a:spAutoFit/>
+            </a:bodyPr>
+            <a:lstStyle/>
+            <a:p>
+              <a:r>
+                <a:rPr lang="en-US" altLang="ko-KR" sz="1400" b="1" dirty="0">
+                  <a:solidFill>
+                    <a:srgbClr val="C00000"/>
+                  </a:solidFill>
+                  <a:latin typeface="Calibri" panose="020F0502020204030204" pitchFamily="34" charset="0"/>
+                  <a:cs typeface="Calibri" panose="020F0502020204030204" pitchFamily="34" charset="0"/>
+                </a:rPr>
+                <a:t>CM7                             </a:t>
+              </a:r>
+              <a:r>
+                <a:rPr lang="en-US" altLang="ko-KR" sz="1400" b="1" dirty="0" err="1">
+                  <a:solidFill>
+                    <a:srgbClr val="C00000"/>
+                  </a:solidFill>
+                  <a:latin typeface="Calibri" panose="020F0502020204030204" pitchFamily="34" charset="0"/>
+                  <a:cs typeface="Calibri" panose="020F0502020204030204" pitchFamily="34" charset="0"/>
+                </a:rPr>
+                <a:t>CM7</a:t>
+              </a:r>
+              <a:r>
+                <a:rPr lang="en-US" altLang="ko-KR" sz="1400" b="1" dirty="0">
+                  <a:solidFill>
+                    <a:srgbClr val="C00000"/>
+                  </a:solidFill>
+                  <a:latin typeface="Calibri" panose="020F0502020204030204" pitchFamily="34" charset="0"/>
+                  <a:cs typeface="Calibri" panose="020F0502020204030204" pitchFamily="34" charset="0"/>
+                </a:rPr>
+                <a:t>                                   GM7                                   </a:t>
+              </a:r>
+              <a:r>
+                <a:rPr lang="en-US" altLang="ko-KR" sz="1400" b="1" dirty="0" err="1">
+                  <a:solidFill>
+                    <a:srgbClr val="C00000"/>
+                  </a:solidFill>
+                  <a:latin typeface="Calibri" panose="020F0502020204030204" pitchFamily="34" charset="0"/>
+                  <a:cs typeface="Calibri" panose="020F0502020204030204" pitchFamily="34" charset="0"/>
+                </a:rPr>
+                <a:t>GM7</a:t>
+              </a:r>
+              <a:r>
+                <a:rPr lang="en-US" altLang="ko-KR" sz="1400" b="1" dirty="0">
+                  <a:solidFill>
+                    <a:srgbClr val="C00000"/>
+                  </a:solidFill>
+                  <a:latin typeface="Calibri" panose="020F0502020204030204" pitchFamily="34" charset="0"/>
+                  <a:cs typeface="Calibri" panose="020F0502020204030204" pitchFamily="34" charset="0"/>
+                </a:rPr>
+                <a:t>           </a:t>
+              </a:r>
+              <a:r>
+                <a:rPr lang="en-US" altLang="ko-KR" sz="1400" b="1" dirty="0" err="1">
+                  <a:solidFill>
+                    <a:srgbClr val="C00000"/>
+                  </a:solidFill>
+                  <a:latin typeface="Calibri" panose="020F0502020204030204" pitchFamily="34" charset="0"/>
+                  <a:cs typeface="Calibri" panose="020F0502020204030204" pitchFamily="34" charset="0"/>
+                </a:rPr>
+                <a:t>Bdim</a:t>
+              </a:r>
+              <a:endParaRPr lang="ko-KR" altLang="en-US" sz="1400" b="1" dirty="0">
+                <a:solidFill>
+                  <a:srgbClr val="C00000"/>
+                </a:solidFill>
+                <a:latin typeface="Calibri" panose="020F0502020204030204" pitchFamily="34" charset="0"/>
+                <a:cs typeface="Calibri" panose="020F0502020204030204" pitchFamily="34" charset="0"/>
+              </a:endParaRPr>
+            </a:p>
+          </p:txBody>
+        </p:sp>
+        <p:sp>
+          <p:nvSpPr>
+            <p:cNvPr id="16" name="TextBox 15">
+              <a:extLst>
+                <a:ext uri="{FF2B5EF4-FFF2-40B4-BE49-F238E27FC236}">
+                  <a16:creationId xmlns:a16="http://schemas.microsoft.com/office/drawing/2014/main" id="{87E2EBDC-A950-0622-F726-A6D898D0A0A2}"/>
+                </a:ext>
+              </a:extLst>
+            </p:cNvPr>
+            <p:cNvSpPr txBox="1"/>
+            <p:nvPr/>
+          </p:nvSpPr>
+          <p:spPr>
+            <a:xfrm>
+              <a:off x="117389" y="6728506"/>
+              <a:ext cx="6456406" cy="307777"/>
+            </a:xfrm>
+            <a:prstGeom prst="rect">
+              <a:avLst/>
+            </a:prstGeom>
+            <a:noFill/>
+          </p:spPr>
+          <p:txBody>
+            <a:bodyPr wrap="square" rtlCol="0">
+              <a:spAutoFit/>
+            </a:bodyPr>
+            <a:lstStyle/>
+            <a:p>
+              <a:r>
+                <a:rPr lang="en-US" altLang="ko-KR" sz="1400" b="1" dirty="0">
+                  <a:solidFill>
+                    <a:srgbClr val="C00000"/>
+                  </a:solidFill>
+                  <a:latin typeface="Calibri" panose="020F0502020204030204" pitchFamily="34" charset="0"/>
+                  <a:cs typeface="Calibri" panose="020F0502020204030204" pitchFamily="34" charset="0"/>
+                </a:rPr>
+                <a:t>Em7                              </a:t>
+              </a:r>
+              <a:r>
+                <a:rPr lang="en-US" altLang="ko-KR" sz="1400" b="1" dirty="0" err="1">
+                  <a:solidFill>
+                    <a:srgbClr val="C00000"/>
+                  </a:solidFill>
+                  <a:latin typeface="Calibri" panose="020F0502020204030204" pitchFamily="34" charset="0"/>
+                  <a:cs typeface="Calibri" panose="020F0502020204030204" pitchFamily="34" charset="0"/>
+                </a:rPr>
+                <a:t>D#aug</a:t>
+              </a:r>
+              <a:r>
+                <a:rPr lang="en-US" altLang="ko-KR" sz="1400" b="1" dirty="0">
+                  <a:solidFill>
+                    <a:srgbClr val="C00000"/>
+                  </a:solidFill>
+                  <a:latin typeface="Calibri" panose="020F0502020204030204" pitchFamily="34" charset="0"/>
+                  <a:cs typeface="Calibri" panose="020F0502020204030204" pitchFamily="34" charset="0"/>
+                </a:rPr>
+                <a:t>                               Dadd11                              A7(13)        A7</a:t>
+              </a:r>
+              <a:endParaRPr lang="ko-KR" altLang="en-US" sz="1400" b="1" dirty="0">
+                <a:solidFill>
+                  <a:srgbClr val="C00000"/>
+                </a:solidFill>
+                <a:latin typeface="Calibri" panose="020F0502020204030204" pitchFamily="34" charset="0"/>
+                <a:cs typeface="Calibri" panose="020F0502020204030204" pitchFamily="34" charset="0"/>
+              </a:endParaRPr>
+            </a:p>
+          </p:txBody>
+        </p:sp>
+        <p:sp>
+          <p:nvSpPr>
+            <p:cNvPr id="17" name="TextBox 16">
+              <a:extLst>
+                <a:ext uri="{FF2B5EF4-FFF2-40B4-BE49-F238E27FC236}">
+                  <a16:creationId xmlns:a16="http://schemas.microsoft.com/office/drawing/2014/main" id="{CDDE5840-533C-043B-1C78-D1EC673518CB}"/>
+                </a:ext>
+              </a:extLst>
+            </p:cNvPr>
+            <p:cNvSpPr txBox="1"/>
+            <p:nvPr/>
+          </p:nvSpPr>
+          <p:spPr>
+            <a:xfrm>
+              <a:off x="117389" y="7322531"/>
+              <a:ext cx="6456406" cy="307777"/>
+            </a:xfrm>
+            <a:prstGeom prst="rect">
+              <a:avLst/>
+            </a:prstGeom>
+            <a:noFill/>
+          </p:spPr>
+          <p:txBody>
+            <a:bodyPr wrap="square" rtlCol="0">
+              <a:spAutoFit/>
+            </a:bodyPr>
+            <a:lstStyle/>
+            <a:p>
+              <a:r>
+                <a:rPr lang="en-US" altLang="ko-KR" sz="1400" b="1" dirty="0">
+                  <a:solidFill>
+                    <a:srgbClr val="C00000"/>
+                  </a:solidFill>
+                  <a:latin typeface="Calibri" panose="020F0502020204030204" pitchFamily="34" charset="0"/>
+                  <a:cs typeface="Calibri" panose="020F0502020204030204" pitchFamily="34" charset="0"/>
+                </a:rPr>
+                <a:t>Am9                              </a:t>
+              </a:r>
+              <a:r>
+                <a:rPr lang="en-US" altLang="ko-KR" sz="1400" b="1" dirty="0" err="1">
+                  <a:solidFill>
+                    <a:srgbClr val="C00000"/>
+                  </a:solidFill>
+                  <a:latin typeface="Calibri" panose="020F0502020204030204" pitchFamily="34" charset="0"/>
+                  <a:cs typeface="Calibri" panose="020F0502020204030204" pitchFamily="34" charset="0"/>
+                </a:rPr>
+                <a:t>Am9</a:t>
+              </a:r>
+              <a:r>
+                <a:rPr lang="en-US" altLang="ko-KR" sz="1400" b="1" dirty="0">
+                  <a:solidFill>
+                    <a:srgbClr val="C00000"/>
+                  </a:solidFill>
+                  <a:latin typeface="Calibri" panose="020F0502020204030204" pitchFamily="34" charset="0"/>
+                  <a:cs typeface="Calibri" panose="020F0502020204030204" pitchFamily="34" charset="0"/>
+                </a:rPr>
+                <a:t>                                  G5        Gsus2  G              Gsus2  G    </a:t>
+              </a:r>
+              <a:r>
+                <a:rPr lang="en-US" altLang="ko-KR" sz="1400" b="1" dirty="0" err="1">
+                  <a:solidFill>
+                    <a:srgbClr val="C00000"/>
+                  </a:solidFill>
+                  <a:latin typeface="Calibri" panose="020F0502020204030204" pitchFamily="34" charset="0"/>
+                  <a:cs typeface="Calibri" panose="020F0502020204030204" pitchFamily="34" charset="0"/>
+                </a:rPr>
+                <a:t>Bdim</a:t>
+              </a:r>
+              <a:endParaRPr lang="ko-KR" altLang="en-US" sz="1400" b="1" dirty="0">
+                <a:solidFill>
+                  <a:srgbClr val="C00000"/>
+                </a:solidFill>
+                <a:latin typeface="Calibri" panose="020F0502020204030204" pitchFamily="34" charset="0"/>
+                <a:cs typeface="Calibri" panose="020F0502020204030204" pitchFamily="34" charset="0"/>
+              </a:endParaRPr>
+            </a:p>
+          </p:txBody>
+        </p:sp>
+        <p:sp>
+          <p:nvSpPr>
+            <p:cNvPr id="18" name="TextBox 17">
+              <a:extLst>
+                <a:ext uri="{FF2B5EF4-FFF2-40B4-BE49-F238E27FC236}">
+                  <a16:creationId xmlns:a16="http://schemas.microsoft.com/office/drawing/2014/main" id="{2C4CE3D7-24BB-8CAF-4CE6-6F9EC8B11BAD}"/>
+                </a:ext>
+              </a:extLst>
+            </p:cNvPr>
+            <p:cNvSpPr txBox="1"/>
+            <p:nvPr/>
+          </p:nvSpPr>
+          <p:spPr>
+            <a:xfrm>
+              <a:off x="117389" y="7886494"/>
+              <a:ext cx="6456406" cy="307777"/>
+            </a:xfrm>
+            <a:prstGeom prst="rect">
+              <a:avLst/>
+            </a:prstGeom>
+            <a:noFill/>
+          </p:spPr>
+          <p:txBody>
+            <a:bodyPr wrap="square" rtlCol="0">
+              <a:spAutoFit/>
+            </a:bodyPr>
+            <a:lstStyle/>
+            <a:p>
+              <a:r>
+                <a:rPr lang="en-US" altLang="ko-KR" sz="1400" b="1" dirty="0">
+                  <a:solidFill>
+                    <a:srgbClr val="C00000"/>
+                  </a:solidFill>
+                  <a:latin typeface="Calibri" panose="020F0502020204030204" pitchFamily="34" charset="0"/>
+                  <a:cs typeface="Calibri" panose="020F0502020204030204" pitchFamily="34" charset="0"/>
+                </a:rPr>
+                <a:t>CM7                             Cm6                                   Bm7                                   E7(b9)        E7</a:t>
+              </a:r>
+              <a:endParaRPr lang="ko-KR" altLang="en-US" sz="1400" b="1" dirty="0">
+                <a:solidFill>
+                  <a:srgbClr val="C00000"/>
+                </a:solidFill>
+                <a:latin typeface="Calibri" panose="020F0502020204030204" pitchFamily="34" charset="0"/>
+                <a:cs typeface="Calibri" panose="020F0502020204030204" pitchFamily="34" charset="0"/>
+              </a:endParaRPr>
+            </a:p>
+          </p:txBody>
+        </p:sp>
+        <p:sp>
+          <p:nvSpPr>
+            <p:cNvPr id="21" name="TextBox 20">
+              <a:extLst>
+                <a:ext uri="{FF2B5EF4-FFF2-40B4-BE49-F238E27FC236}">
+                  <a16:creationId xmlns:a16="http://schemas.microsoft.com/office/drawing/2014/main" id="{FBFB1740-760F-90FC-76FE-8811E90962F8}"/>
+                </a:ext>
+              </a:extLst>
+            </p:cNvPr>
+            <p:cNvSpPr txBox="1"/>
+            <p:nvPr/>
+          </p:nvSpPr>
+          <p:spPr>
+            <a:xfrm>
+              <a:off x="117389" y="8460082"/>
+              <a:ext cx="6456406" cy="307777"/>
+            </a:xfrm>
+            <a:prstGeom prst="rect">
+              <a:avLst/>
+            </a:prstGeom>
+            <a:noFill/>
+          </p:spPr>
+          <p:txBody>
+            <a:bodyPr wrap="square" rtlCol="0">
+              <a:spAutoFit/>
+            </a:bodyPr>
+            <a:lstStyle/>
+            <a:p>
+              <a:r>
+                <a:rPr lang="en-US" altLang="ko-KR" sz="1400" b="1" dirty="0">
+                  <a:solidFill>
+                    <a:srgbClr val="C00000"/>
+                  </a:solidFill>
+                  <a:latin typeface="Calibri" panose="020F0502020204030204" pitchFamily="34" charset="0"/>
+                  <a:cs typeface="Calibri" panose="020F0502020204030204" pitchFamily="34" charset="0"/>
+                </a:rPr>
+                <a:t>Am7         Am7(9,11) Am7         Am7(9,11)       Am7         Am7(9,11)     A7           A7(13)</a:t>
+              </a:r>
+              <a:endParaRPr lang="ko-KR" altLang="en-US" sz="1400" b="1" dirty="0">
+                <a:solidFill>
+                  <a:srgbClr val="C00000"/>
+                </a:solidFill>
+                <a:latin typeface="Calibri" panose="020F0502020204030204" pitchFamily="34" charset="0"/>
+                <a:cs typeface="Calibri" panose="020F0502020204030204" pitchFamily="34" charset="0"/>
+              </a:endParaRPr>
+            </a:p>
+          </p:txBody>
+        </p:sp>
+        <p:sp>
+          <p:nvSpPr>
+            <p:cNvPr id="22" name="TextBox 21">
+              <a:extLst>
+                <a:ext uri="{FF2B5EF4-FFF2-40B4-BE49-F238E27FC236}">
+                  <a16:creationId xmlns:a16="http://schemas.microsoft.com/office/drawing/2014/main" id="{F51C2C58-1E0A-2DB1-C9CD-D4ECAE197AFC}"/>
+                </a:ext>
+              </a:extLst>
+            </p:cNvPr>
+            <p:cNvSpPr txBox="1"/>
+            <p:nvPr/>
+          </p:nvSpPr>
+          <p:spPr>
+            <a:xfrm>
+              <a:off x="117389" y="9027974"/>
+              <a:ext cx="6456406" cy="307777"/>
+            </a:xfrm>
+            <a:prstGeom prst="rect">
+              <a:avLst/>
+            </a:prstGeom>
+            <a:noFill/>
+          </p:spPr>
+          <p:txBody>
+            <a:bodyPr wrap="square" rtlCol="0">
+              <a:spAutoFit/>
+            </a:bodyPr>
+            <a:lstStyle/>
+            <a:p>
+              <a:r>
+                <a:rPr lang="en-US" altLang="ko-KR" sz="1400" b="1" dirty="0">
+                  <a:solidFill>
+                    <a:srgbClr val="C00000"/>
+                  </a:solidFill>
+                  <a:latin typeface="Calibri" panose="020F0502020204030204" pitchFamily="34" charset="0"/>
+                  <a:cs typeface="Calibri" panose="020F0502020204030204" pitchFamily="34" charset="0"/>
+                </a:rPr>
+                <a:t>G5</a:t>
+              </a:r>
+              <a:endParaRPr lang="ko-KR" altLang="en-US" sz="1400" b="1" dirty="0">
+                <a:solidFill>
+                  <a:srgbClr val="C00000"/>
+                </a:solidFill>
+                <a:latin typeface="Calibri" panose="020F0502020204030204" pitchFamily="34" charset="0"/>
+                <a:cs typeface="Calibri" panose="020F0502020204030204" pitchFamily="34" charset="0"/>
+              </a:endParaRPr>
+            </a:p>
+          </p:txBody>
+        </p:sp>
+      </p:grpSp>
+      <p:pic>
+        <p:nvPicPr>
+          <p:cNvPr id="29" name="그림 28">
             <a:extLst>
               <a:ext uri="{FF2B5EF4-FFF2-40B4-BE49-F238E27FC236}">
-                <a16:creationId xmlns:a16="http://schemas.microsoft.com/office/drawing/2014/main" id="{95E55F4F-2001-43C7-2E4E-910A44FFF7FB}"/>
+                <a16:creationId xmlns:a16="http://schemas.microsoft.com/office/drawing/2014/main" id="{59359397-BC03-7248-8740-43ADB0B029E9}"/>
               </a:ext>
             </a:extLst>
           </p:cNvPr>
-          <p:cNvSpPr txBox="1"/>
+          <p:cNvPicPr>
+            <a:picLocks noChangeAspect="1"/>
+          </p:cNvPicPr>
           <p:nvPr/>
-        </p:nvSpPr>
-        <p:spPr>
-          <a:xfrm>
-            <a:off x="111210" y="5398675"/>
-            <a:ext cx="6623222" cy="1077987"/>
-          </a:xfrm>
-          <a:prstGeom prst="rect">
-            <a:avLst/>
-          </a:prstGeom>
-          <a:noFill/>
-        </p:spPr>
-        <p:txBody>
-          <a:bodyPr wrap="square">
-            <a:spAutoFit/>
-          </a:bodyPr>
-          <a:lstStyle/>
-          <a:p>
-            <a:pPr algn="l">
-              <a:lnSpc>
-                <a:spcPct val="250000"/>
-              </a:lnSpc>
-              <a:spcAft>
-                <a:spcPts val="900"/>
-              </a:spcAft>
-              <a:buNone/>
-            </a:pPr>
-            <a:r>
-              <a:rPr lang="ko-KR" altLang="en-US" sz="1400" b="1" i="0" dirty="0">
-                <a:effectLst/>
-                <a:latin typeface="나눔고딕" panose="020D0604000000000000" pitchFamily="50" charset="-127"/>
-                <a:ea typeface="나눔고딕" panose="020D0604000000000000" pitchFamily="50" charset="-127"/>
-              </a:rPr>
-              <a:t>많이 어색한가 봐          자꾸  딴   델 보고          널 닮은 별만 바라봐</a:t>
-            </a:r>
-            <a:br>
-              <a:rPr lang="ko-KR" altLang="en-US" sz="1400" b="1" i="0" dirty="0">
-                <a:effectLst/>
-                <a:latin typeface="나눔고딕" panose="020D0604000000000000" pitchFamily="50" charset="-127"/>
-                <a:ea typeface="나눔고딕" panose="020D0604000000000000" pitchFamily="50" charset="-127"/>
-              </a:rPr>
-            </a:br>
-            <a:r>
-              <a:rPr lang="ko-KR" altLang="en-US" sz="1400" b="1" i="0" dirty="0">
-                <a:effectLst/>
-                <a:latin typeface="나눔고딕" panose="020D0604000000000000" pitchFamily="50" charset="-127"/>
-                <a:ea typeface="나눔고딕" panose="020D0604000000000000" pitchFamily="50" charset="-127"/>
-              </a:rPr>
-              <a:t>싱그럽게 불어오는 바람에 너와 함께 있는                  이 순간이 난 소중해</a:t>
-            </a:r>
-          </a:p>
-        </p:txBody>
-      </p:sp>
-      <p:sp>
-        <p:nvSpPr>
-          <p:cNvPr id="3" name="TextBox 2">
+        </p:nvPicPr>
+        <p:blipFill>
+          <a:blip r:embed="rId2"/>
+          <a:stretch>
+            <a:fillRect/>
+          </a:stretch>
+        </p:blipFill>
+        <p:spPr>
+          <a:xfrm>
+            <a:off x="853591" y="138411"/>
+            <a:ext cx="571500" cy="742950"/>
+          </a:xfrm>
+          <a:prstGeom prst="rect">
+            <a:avLst/>
+          </a:prstGeom>
+        </p:spPr>
+      </p:pic>
+      <p:pic>
+        <p:nvPicPr>
+          <p:cNvPr id="31" name="그림 30">
             <a:extLst>
               <a:ext uri="{FF2B5EF4-FFF2-40B4-BE49-F238E27FC236}">
-                <a16:creationId xmlns:a16="http://schemas.microsoft.com/office/drawing/2014/main" id="{51FA1A28-A61E-8AC8-A44E-C9001E89AC7D}"/>
+                <a16:creationId xmlns:a16="http://schemas.microsoft.com/office/drawing/2014/main" id="{7D1D3646-6305-6981-7F41-4A323F5C8027}"/>
               </a:ext>
             </a:extLst>
           </p:cNvPr>
-          <p:cNvSpPr txBox="1"/>
+          <p:cNvPicPr>
+            <a:picLocks noChangeAspect="1"/>
+          </p:cNvPicPr>
           <p:nvPr/>
-        </p:nvSpPr>
-        <p:spPr>
-          <a:xfrm>
-            <a:off x="1591282" y="491142"/>
-            <a:ext cx="3429000" cy="369332"/>
-          </a:xfrm>
-          <a:prstGeom prst="rect">
-            <a:avLst/>
-          </a:prstGeom>
-          <a:noFill/>
-        </p:spPr>
-        <p:txBody>
-          <a:bodyPr wrap="square">
-            <a:spAutoFit/>
-          </a:bodyPr>
-          <a:lstStyle/>
-          <a:p>
-            <a:pPr algn="ctr"/>
-            <a:r>
-              <a:rPr lang="ko-KR" altLang="en-US" b="1" dirty="0">
-                <a:latin typeface="나눔고딕" panose="020D0604000000000000" pitchFamily="50" charset="-127"/>
-                <a:ea typeface="나눔고딕" panose="020D0604000000000000" pitchFamily="50" charset="-127"/>
-              </a:rPr>
-              <a:t>나랑 같이 </a:t>
-            </a:r>
-            <a:r>
-              <a:rPr lang="ko-KR" altLang="en-US" b="1" dirty="0" err="1">
-                <a:latin typeface="나눔고딕" panose="020D0604000000000000" pitchFamily="50" charset="-127"/>
-                <a:ea typeface="나눔고딕" panose="020D0604000000000000" pitchFamily="50" charset="-127"/>
-              </a:rPr>
-              <a:t>걸을래</a:t>
-            </a:r>
-            <a:r>
-              <a:rPr lang="ko-KR" altLang="en-US" b="1" dirty="0">
-                <a:latin typeface="나눔고딕" panose="020D0604000000000000" pitchFamily="50" charset="-127"/>
-                <a:ea typeface="나눔고딕" panose="020D0604000000000000" pitchFamily="50" charset="-127"/>
-              </a:rPr>
-              <a:t> </a:t>
-            </a:r>
-            <a:r>
-              <a:rPr lang="en-US" altLang="ko-KR" b="1" dirty="0">
-                <a:latin typeface="나눔고딕" panose="020D0604000000000000" pitchFamily="50" charset="-127"/>
-                <a:ea typeface="나눔고딕" panose="020D0604000000000000" pitchFamily="50" charset="-127"/>
-              </a:rPr>
-              <a:t>- </a:t>
-            </a:r>
-            <a:r>
-              <a:rPr lang="ko-KR" altLang="en-US" b="1" dirty="0">
-                <a:latin typeface="나눔고딕" panose="020D0604000000000000" pitchFamily="50" charset="-127"/>
-                <a:ea typeface="나눔고딕" panose="020D0604000000000000" pitchFamily="50" charset="-127"/>
-              </a:rPr>
-              <a:t>적재</a:t>
-            </a:r>
-          </a:p>
-        </p:txBody>
-      </p:sp>
+        </p:nvPicPr>
+        <p:blipFill>
+          <a:blip r:embed="rId3"/>
+          <a:stretch>
+            <a:fillRect/>
+          </a:stretch>
+        </p:blipFill>
+        <p:spPr>
+          <a:xfrm>
+            <a:off x="281038" y="138411"/>
+            <a:ext cx="581025" cy="781050"/>
+          </a:xfrm>
+          <a:prstGeom prst="rect">
+            <a:avLst/>
+          </a:prstGeom>
+        </p:spPr>
+      </p:pic>
+      <p:pic>
+        <p:nvPicPr>
+          <p:cNvPr id="33" name="그림 32">
+            <a:extLst>
+              <a:ext uri="{FF2B5EF4-FFF2-40B4-BE49-F238E27FC236}">
+                <a16:creationId xmlns:a16="http://schemas.microsoft.com/office/drawing/2014/main" id="{C954CA92-588E-5CE7-7997-3C557D52254A}"/>
+              </a:ext>
+            </a:extLst>
+          </p:cNvPr>
+          <p:cNvPicPr>
+            <a:picLocks noChangeAspect="1"/>
+          </p:cNvPicPr>
+          <p:nvPr/>
+        </p:nvPicPr>
+        <p:blipFill>
+          <a:blip r:embed="rId4"/>
+          <a:stretch>
+            <a:fillRect/>
+          </a:stretch>
+        </p:blipFill>
+        <p:spPr>
+          <a:xfrm>
+            <a:off x="1416619" y="138411"/>
+            <a:ext cx="523875" cy="771525"/>
+          </a:xfrm>
+          <a:prstGeom prst="rect">
+            <a:avLst/>
+          </a:prstGeom>
+        </p:spPr>
+      </p:pic>
+      <p:pic>
+        <p:nvPicPr>
+          <p:cNvPr id="35" name="그림 34">
+            <a:extLst>
+              <a:ext uri="{FF2B5EF4-FFF2-40B4-BE49-F238E27FC236}">
+                <a16:creationId xmlns:a16="http://schemas.microsoft.com/office/drawing/2014/main" id="{33723941-8C6E-C3C6-8B8C-1A7F9191B6C1}"/>
+              </a:ext>
+            </a:extLst>
+          </p:cNvPr>
+          <p:cNvPicPr>
+            <a:picLocks noChangeAspect="1"/>
+          </p:cNvPicPr>
+          <p:nvPr/>
+        </p:nvPicPr>
+        <p:blipFill>
+          <a:blip r:embed="rId5"/>
+          <a:stretch>
+            <a:fillRect/>
+          </a:stretch>
+        </p:blipFill>
+        <p:spPr>
+          <a:xfrm>
+            <a:off x="4310314" y="122829"/>
+            <a:ext cx="495300" cy="771525"/>
+          </a:xfrm>
+          <a:prstGeom prst="rect">
+            <a:avLst/>
+          </a:prstGeom>
+        </p:spPr>
+      </p:pic>
+      <p:pic>
+        <p:nvPicPr>
+          <p:cNvPr id="37" name="그림 36">
+            <a:extLst>
+              <a:ext uri="{FF2B5EF4-FFF2-40B4-BE49-F238E27FC236}">
+                <a16:creationId xmlns:a16="http://schemas.microsoft.com/office/drawing/2014/main" id="{614AE6F1-3597-2847-A99B-381E36F52B4E}"/>
+              </a:ext>
+            </a:extLst>
+          </p:cNvPr>
+          <p:cNvPicPr>
+            <a:picLocks noChangeAspect="1"/>
+          </p:cNvPicPr>
+          <p:nvPr/>
+        </p:nvPicPr>
+        <p:blipFill>
+          <a:blip r:embed="rId6"/>
+          <a:stretch>
+            <a:fillRect/>
+          </a:stretch>
+        </p:blipFill>
+        <p:spPr>
+          <a:xfrm>
+            <a:off x="4823470" y="122829"/>
+            <a:ext cx="523875" cy="781050"/>
+          </a:xfrm>
+          <a:prstGeom prst="rect">
+            <a:avLst/>
+          </a:prstGeom>
+        </p:spPr>
+      </p:pic>
+      <p:pic>
+        <p:nvPicPr>
+          <p:cNvPr id="39" name="그림 38">
+            <a:extLst>
+              <a:ext uri="{FF2B5EF4-FFF2-40B4-BE49-F238E27FC236}">
+                <a16:creationId xmlns:a16="http://schemas.microsoft.com/office/drawing/2014/main" id="{FB2239AC-4F0F-80F7-A180-88F13B3F6391}"/>
+              </a:ext>
+            </a:extLst>
+          </p:cNvPr>
+          <p:cNvPicPr>
+            <a:picLocks noChangeAspect="1"/>
+          </p:cNvPicPr>
+          <p:nvPr/>
+        </p:nvPicPr>
+        <p:blipFill>
+          <a:blip r:embed="rId7"/>
+          <a:stretch>
+            <a:fillRect/>
+          </a:stretch>
+        </p:blipFill>
+        <p:spPr>
+          <a:xfrm>
+            <a:off x="5365202" y="122829"/>
+            <a:ext cx="514350" cy="781050"/>
+          </a:xfrm>
+          <a:prstGeom prst="rect">
+            <a:avLst/>
+          </a:prstGeom>
+        </p:spPr>
+      </p:pic>
+      <p:pic>
+        <p:nvPicPr>
+          <p:cNvPr id="41" name="그림 40">
+            <a:extLst>
+              <a:ext uri="{FF2B5EF4-FFF2-40B4-BE49-F238E27FC236}">
+                <a16:creationId xmlns:a16="http://schemas.microsoft.com/office/drawing/2014/main" id="{6BC3CC82-40F0-8BBC-4E7A-B6D311420B32}"/>
+              </a:ext>
+            </a:extLst>
+          </p:cNvPr>
+          <p:cNvPicPr>
+            <a:picLocks noChangeAspect="1"/>
+          </p:cNvPicPr>
+          <p:nvPr/>
+        </p:nvPicPr>
+        <p:blipFill>
+          <a:blip r:embed="rId8"/>
+          <a:stretch>
+            <a:fillRect/>
+          </a:stretch>
+        </p:blipFill>
+        <p:spPr>
+          <a:xfrm>
+            <a:off x="5964195" y="122829"/>
+            <a:ext cx="609600" cy="752475"/>
+          </a:xfrm>
+          <a:prstGeom prst="rect">
+            <a:avLst/>
+          </a:prstGeom>
+        </p:spPr>
+      </p:pic>
+      <p:pic>
+        <p:nvPicPr>
+          <p:cNvPr id="43" name="그림 42">
+            <a:extLst>
+              <a:ext uri="{FF2B5EF4-FFF2-40B4-BE49-F238E27FC236}">
+                <a16:creationId xmlns:a16="http://schemas.microsoft.com/office/drawing/2014/main" id="{1B35876E-8DB4-0E2F-2B86-62A2D49AB87A}"/>
+              </a:ext>
+            </a:extLst>
+          </p:cNvPr>
+          <p:cNvPicPr>
+            <a:picLocks noChangeAspect="1"/>
+          </p:cNvPicPr>
+          <p:nvPr/>
+        </p:nvPicPr>
+        <p:blipFill>
+          <a:blip r:embed="rId9"/>
+          <a:stretch>
+            <a:fillRect/>
+          </a:stretch>
+        </p:blipFill>
+        <p:spPr>
+          <a:xfrm>
+            <a:off x="1340419" y="9031296"/>
+            <a:ext cx="600075" cy="809625"/>
+          </a:xfrm>
+          <a:prstGeom prst="rect">
+            <a:avLst/>
+          </a:prstGeom>
+        </p:spPr>
+      </p:pic>
+      <p:pic>
+        <p:nvPicPr>
+          <p:cNvPr id="45" name="그림 44">
+            <a:extLst>
+              <a:ext uri="{FF2B5EF4-FFF2-40B4-BE49-F238E27FC236}">
+                <a16:creationId xmlns:a16="http://schemas.microsoft.com/office/drawing/2014/main" id="{171A0EE8-23C6-6866-8AD6-E9899F9837F3}"/>
+              </a:ext>
+            </a:extLst>
+          </p:cNvPr>
+          <p:cNvPicPr>
+            <a:picLocks noChangeAspect="1"/>
+          </p:cNvPicPr>
+          <p:nvPr/>
+        </p:nvPicPr>
+        <p:blipFill>
+          <a:blip r:embed="rId10"/>
+          <a:stretch>
+            <a:fillRect/>
+          </a:stretch>
+        </p:blipFill>
+        <p:spPr>
+          <a:xfrm>
+            <a:off x="1900050" y="9031296"/>
+            <a:ext cx="571500" cy="809625"/>
+          </a:xfrm>
+          <a:prstGeom prst="rect">
+            <a:avLst/>
+          </a:prstGeom>
+        </p:spPr>
+      </p:pic>
+      <p:pic>
+        <p:nvPicPr>
+          <p:cNvPr id="47" name="그림 46">
+            <a:extLst>
+              <a:ext uri="{FF2B5EF4-FFF2-40B4-BE49-F238E27FC236}">
+                <a16:creationId xmlns:a16="http://schemas.microsoft.com/office/drawing/2014/main" id="{C937B35C-A82F-9417-1522-0F7BF45EC482}"/>
+              </a:ext>
+            </a:extLst>
+          </p:cNvPr>
+          <p:cNvPicPr>
+            <a:picLocks noChangeAspect="1"/>
+          </p:cNvPicPr>
+          <p:nvPr/>
+        </p:nvPicPr>
+        <p:blipFill>
+          <a:blip r:embed="rId11"/>
+          <a:stretch>
+            <a:fillRect/>
+          </a:stretch>
+        </p:blipFill>
+        <p:spPr>
+          <a:xfrm>
+            <a:off x="2431106" y="9050346"/>
+            <a:ext cx="571500" cy="790575"/>
+          </a:xfrm>
+          <a:prstGeom prst="rect">
+            <a:avLst/>
+          </a:prstGeom>
+        </p:spPr>
+      </p:pic>
+      <p:pic>
+        <p:nvPicPr>
+          <p:cNvPr id="49" name="그림 48">
+            <a:extLst>
+              <a:ext uri="{FF2B5EF4-FFF2-40B4-BE49-F238E27FC236}">
+                <a16:creationId xmlns:a16="http://schemas.microsoft.com/office/drawing/2014/main" id="{435E4C2A-89A3-0259-B238-2597A7C56A73}"/>
+              </a:ext>
+            </a:extLst>
+          </p:cNvPr>
+          <p:cNvPicPr>
+            <a:picLocks noChangeAspect="1"/>
+          </p:cNvPicPr>
+          <p:nvPr/>
+        </p:nvPicPr>
+        <p:blipFill>
+          <a:blip r:embed="rId12"/>
+          <a:stretch>
+            <a:fillRect/>
+          </a:stretch>
+        </p:blipFill>
+        <p:spPr>
+          <a:xfrm>
+            <a:off x="2962162" y="9050346"/>
+            <a:ext cx="609600" cy="790575"/>
+          </a:xfrm>
+          <a:prstGeom prst="rect">
+            <a:avLst/>
+          </a:prstGeom>
+        </p:spPr>
+      </p:pic>
+      <p:pic>
+        <p:nvPicPr>
+          <p:cNvPr id="51" name="그림 50">
+            <a:extLst>
+              <a:ext uri="{FF2B5EF4-FFF2-40B4-BE49-F238E27FC236}">
+                <a16:creationId xmlns:a16="http://schemas.microsoft.com/office/drawing/2014/main" id="{E885CABE-6C1E-9C24-3F5E-3AB8CE8CDF09}"/>
+              </a:ext>
+            </a:extLst>
+          </p:cNvPr>
+          <p:cNvPicPr>
+            <a:picLocks noChangeAspect="1"/>
+          </p:cNvPicPr>
+          <p:nvPr/>
+        </p:nvPicPr>
+        <p:blipFill>
+          <a:blip r:embed="rId13"/>
+          <a:stretch>
+            <a:fillRect/>
+          </a:stretch>
+        </p:blipFill>
+        <p:spPr>
+          <a:xfrm>
+            <a:off x="3531318" y="9078921"/>
+            <a:ext cx="581025" cy="762000"/>
+          </a:xfrm>
+          <a:prstGeom prst="rect">
+            <a:avLst/>
+          </a:prstGeom>
+        </p:spPr>
+      </p:pic>
+      <p:pic>
+        <p:nvPicPr>
+          <p:cNvPr id="53" name="그림 52">
+            <a:extLst>
+              <a:ext uri="{FF2B5EF4-FFF2-40B4-BE49-F238E27FC236}">
+                <a16:creationId xmlns:a16="http://schemas.microsoft.com/office/drawing/2014/main" id="{2177186E-7AC8-A9BC-DC3B-D34446654DD3}"/>
+              </a:ext>
+            </a:extLst>
+          </p:cNvPr>
+          <p:cNvPicPr>
+            <a:picLocks noChangeAspect="1"/>
+          </p:cNvPicPr>
+          <p:nvPr/>
+        </p:nvPicPr>
+        <p:blipFill>
+          <a:blip r:embed="rId14"/>
+          <a:stretch>
+            <a:fillRect/>
+          </a:stretch>
+        </p:blipFill>
+        <p:spPr>
+          <a:xfrm>
+            <a:off x="4071899" y="9078921"/>
+            <a:ext cx="523875" cy="762000"/>
+          </a:xfrm>
+          <a:prstGeom prst="rect">
+            <a:avLst/>
+          </a:prstGeom>
+        </p:spPr>
+      </p:pic>
+      <p:pic>
+        <p:nvPicPr>
+          <p:cNvPr id="55" name="그림 54">
+            <a:extLst>
+              <a:ext uri="{FF2B5EF4-FFF2-40B4-BE49-F238E27FC236}">
+                <a16:creationId xmlns:a16="http://schemas.microsoft.com/office/drawing/2014/main" id="{D4DF0F9C-23A6-E70F-C92A-B303B5C45D09}"/>
+              </a:ext>
+            </a:extLst>
+          </p:cNvPr>
+          <p:cNvPicPr>
+            <a:picLocks noChangeAspect="1"/>
+          </p:cNvPicPr>
+          <p:nvPr/>
+        </p:nvPicPr>
+        <p:blipFill>
+          <a:blip r:embed="rId15"/>
+          <a:stretch>
+            <a:fillRect/>
+          </a:stretch>
+        </p:blipFill>
+        <p:spPr>
+          <a:xfrm>
+            <a:off x="4555330" y="9107796"/>
+            <a:ext cx="733425" cy="762000"/>
+          </a:xfrm>
+          <a:prstGeom prst="rect">
+            <a:avLst/>
+          </a:prstGeom>
+        </p:spPr>
+      </p:pic>
+      <p:pic>
+        <p:nvPicPr>
+          <p:cNvPr id="57" name="그림 56">
+            <a:extLst>
+              <a:ext uri="{FF2B5EF4-FFF2-40B4-BE49-F238E27FC236}">
+                <a16:creationId xmlns:a16="http://schemas.microsoft.com/office/drawing/2014/main" id="{C3A878AD-AC5E-C913-53B0-7AE5A324C636}"/>
+              </a:ext>
+            </a:extLst>
+          </p:cNvPr>
+          <p:cNvPicPr>
+            <a:picLocks noChangeAspect="1"/>
+          </p:cNvPicPr>
+          <p:nvPr/>
+        </p:nvPicPr>
+        <p:blipFill>
+          <a:blip r:embed="rId16"/>
+          <a:stretch>
+            <a:fillRect/>
+          </a:stretch>
+        </p:blipFill>
+        <p:spPr>
+          <a:xfrm>
+            <a:off x="6262795" y="9079221"/>
+            <a:ext cx="514350" cy="790575"/>
+          </a:xfrm>
+          <a:prstGeom prst="rect">
+            <a:avLst/>
+          </a:prstGeom>
+        </p:spPr>
+      </p:pic>
+      <p:pic>
+        <p:nvPicPr>
+          <p:cNvPr id="59" name="그림 58">
+            <a:extLst>
+              <a:ext uri="{FF2B5EF4-FFF2-40B4-BE49-F238E27FC236}">
+                <a16:creationId xmlns:a16="http://schemas.microsoft.com/office/drawing/2014/main" id="{B850AD38-3B9B-D17A-1DB4-8C253C828120}"/>
+              </a:ext>
+            </a:extLst>
+          </p:cNvPr>
+          <p:cNvPicPr>
+            <a:picLocks noChangeAspect="1"/>
+          </p:cNvPicPr>
+          <p:nvPr/>
+        </p:nvPicPr>
+        <p:blipFill>
+          <a:blip r:embed="rId17"/>
+          <a:stretch>
+            <a:fillRect/>
+          </a:stretch>
+        </p:blipFill>
+        <p:spPr>
+          <a:xfrm>
+            <a:off x="5731742" y="9088446"/>
+            <a:ext cx="571500" cy="752475"/>
+          </a:xfrm>
+          <a:prstGeom prst="rect">
+            <a:avLst/>
+          </a:prstGeom>
+        </p:spPr>
+      </p:pic>
+      <p:pic>
+        <p:nvPicPr>
+          <p:cNvPr id="61" name="그림 60">
+            <a:extLst>
+              <a:ext uri="{FF2B5EF4-FFF2-40B4-BE49-F238E27FC236}">
+                <a16:creationId xmlns:a16="http://schemas.microsoft.com/office/drawing/2014/main" id="{B3346303-556C-4308-3776-1172387A7F38}"/>
+              </a:ext>
+            </a:extLst>
+          </p:cNvPr>
+          <p:cNvPicPr>
+            <a:picLocks noChangeAspect="1"/>
+          </p:cNvPicPr>
+          <p:nvPr/>
+        </p:nvPicPr>
+        <p:blipFill>
+          <a:blip r:embed="rId18"/>
+          <a:stretch>
+            <a:fillRect/>
+          </a:stretch>
+        </p:blipFill>
+        <p:spPr>
+          <a:xfrm>
+            <a:off x="5248311" y="9079221"/>
+            <a:ext cx="523875" cy="790575"/>
+          </a:xfrm>
+          <a:prstGeom prst="rect">
+            <a:avLst/>
+          </a:prstGeom>
+        </p:spPr>
+      </p:pic>
       <p:sp>
         <p:nvSpPr>
-          <p:cNvPr id="5" name="TextBox 4">
+          <p:cNvPr id="63" name="TextBox 62">
             <a:extLst>
               <a:ext uri="{FF2B5EF4-FFF2-40B4-BE49-F238E27FC236}">
                 <a16:creationId xmlns:a16="http://schemas.microsoft.com/office/drawing/2014/main" id="{C3FACD05-091F-0F8B-83AF-3922320D9BE9}"/>
@@ -3293,8 +7631,8 @@
         </p:nvSpPr>
         <p:spPr>
           <a:xfrm>
-            <a:off x="111210" y="1160294"/>
-            <a:ext cx="6623222" cy="3694088"/>
+            <a:off x="111210" y="1102540"/>
+            <a:ext cx="6623222" cy="8093947"/>
           </a:xfrm>
           <a:prstGeom prst="rect">
             <a:avLst/>
@@ -3309,26 +7647,23 @@
           <a:p>
             <a:pPr algn="l">
               <a:lnSpc>
-                <a:spcPct val="250000"/>
+                <a:spcPct val="218000"/>
               </a:lnSpc>
               <a:spcAft>
                 <a:spcPts val="900"/>
               </a:spcAft>
               <a:buNone/>
             </a:pPr>
-            <a:r>
-              <a:rPr lang="ko-KR" altLang="en-US" sz="1400" b="1" i="0" dirty="0">
-                <a:effectLst/>
-                <a:latin typeface="나눔고딕" panose="020D0604000000000000" pitchFamily="50" charset="-127"/>
-                <a:ea typeface="나눔고딕" panose="020D0604000000000000" pitchFamily="50" charset="-127"/>
-              </a:rPr>
-              <a:t>가을밤이   찾아와                 그대를 비추고   또 나를 감싸네</a:t>
-            </a:r>
+            <a:endParaRPr lang="en-US" altLang="ko-KR" sz="1400" b="1" i="0" dirty="0">
+              <a:effectLst/>
+              <a:latin typeface="나눔고딕" panose="020D0604000000000000" pitchFamily="50" charset="-127"/>
+              <a:ea typeface="나눔고딕" panose="020D0604000000000000" pitchFamily="50" charset="-127"/>
+            </a:endParaRPr>
           </a:p>
           <a:p>
             <a:pPr algn="l">
               <a:lnSpc>
-                <a:spcPct val="250000"/>
+                <a:spcPct val="218000"/>
               </a:lnSpc>
               <a:spcAft>
                 <a:spcPts val="900"/>
@@ -3336,26 +7671,28 @@
               <a:buNone/>
             </a:pPr>
             <a:r>
-              <a:rPr lang="ko-KR" altLang="en-US" sz="1400" b="1" i="0" dirty="0">
-                <a:effectLst/>
+              <a:rPr lang="en-US" altLang="ko-KR" sz="1400" b="1" dirty="0">
                 <a:latin typeface="나눔고딕" panose="020D0604000000000000" pitchFamily="50" charset="-127"/>
                 <a:ea typeface="나눔고딕" panose="020D0604000000000000" pitchFamily="50" charset="-127"/>
               </a:rPr>
-              <a:t>눈을 감을 때마다    향기로운        네 맘이      내게 전해지네      </a:t>
-            </a:r>
-            <a:r>
-              <a:rPr lang="en-US" altLang="ko-KR" sz="1400" b="1" i="0" dirty="0">
-                <a:effectLst/>
+              <a:t>                                                                                                                            </a:t>
+            </a:r>
+            <a:r>
+              <a:rPr lang="ko-KR" altLang="en-US" sz="1400" b="1" dirty="0">
                 <a:latin typeface="나눔고딕" panose="020D0604000000000000" pitchFamily="50" charset="-127"/>
                 <a:ea typeface="나눔고딕" panose="020D0604000000000000" pitchFamily="50" charset="-127"/>
               </a:rPr>
-              <a:t>hmm</a:t>
-            </a:r>
+              <a:t>그대</a:t>
+            </a:r>
+            <a:endParaRPr lang="en-US" altLang="ko-KR" sz="1400" b="1" dirty="0">
+              <a:latin typeface="나눔고딕" panose="020D0604000000000000" pitchFamily="50" charset="-127"/>
+              <a:ea typeface="나눔고딕" panose="020D0604000000000000" pitchFamily="50" charset="-127"/>
+            </a:endParaRPr>
           </a:p>
           <a:p>
             <a:pPr algn="l">
               <a:lnSpc>
-                <a:spcPct val="250000"/>
+                <a:spcPct val="218000"/>
               </a:lnSpc>
               <a:spcAft>
                 <a:spcPts val="900"/>
@@ -3368,13 +7705,13 @@
                 <a:latin typeface="나눔고딕" panose="020D0604000000000000" pitchFamily="50" charset="-127"/>
                 <a:ea typeface="나눔고딕" panose="020D0604000000000000" pitchFamily="50" charset="-127"/>
               </a:rPr>
-              <a:t>너는 무슨 생각해        나란히      누워서           저 별을 바라볼 때면</a:t>
+              <a:t>나의 손을 잡고                                   같이 길을 걸으며</a:t>
             </a:r>
           </a:p>
           <a:p>
             <a:pPr algn="l">
               <a:lnSpc>
-                <a:spcPct val="250000"/>
+                <a:spcPct val="218000"/>
               </a:lnSpc>
               <a:spcAft>
                 <a:spcPts val="900"/>
@@ -3387,13 +7724,13 @@
                 <a:latin typeface="나눔고딕" panose="020D0604000000000000" pitchFamily="50" charset="-127"/>
                 <a:ea typeface="나눔고딕" panose="020D0604000000000000" pitchFamily="50" charset="-127"/>
               </a:rPr>
-              <a:t>나와 같은 마음인지는 몰라도 너와 함께 있는              이 순간이 난 소중해</a:t>
+              <a:t>날                                                 사랑한대                                                          내가</a:t>
             </a:r>
           </a:p>
           <a:p>
             <a:pPr algn="l">
               <a:lnSpc>
-                <a:spcPct val="250000"/>
+                <a:spcPct val="218000"/>
               </a:lnSpc>
               <a:spcAft>
                 <a:spcPts val="900"/>
@@ -3406,7 +7743,83 @@
                 <a:latin typeface="나눔고딕" panose="020D0604000000000000" pitchFamily="50" charset="-127"/>
                 <a:ea typeface="나눔고딕" panose="020D0604000000000000" pitchFamily="50" charset="-127"/>
               </a:rPr>
-              <a:t>나랑 같이 </a:t>
+              <a:t>무너져 갈 때도                                    나와 눈을 맞추고는</a:t>
+            </a:r>
+          </a:p>
+          <a:p>
+            <a:pPr algn="l">
+              <a:lnSpc>
+                <a:spcPct val="218000"/>
+              </a:lnSpc>
+              <a:spcAft>
+                <a:spcPts val="900"/>
+              </a:spcAft>
+              <a:buNone/>
+            </a:pPr>
+            <a:r>
+              <a:rPr lang="ko-KR" altLang="en-US" sz="1400" b="1" i="0" dirty="0">
+                <a:effectLst/>
+                <a:latin typeface="나눔고딕" panose="020D0604000000000000" pitchFamily="50" charset="-127"/>
+                <a:ea typeface="나눔고딕" panose="020D0604000000000000" pitchFamily="50" charset="-127"/>
+              </a:rPr>
+              <a:t>날                                                 사랑한대</a:t>
+            </a:r>
+          </a:p>
+          <a:p>
+            <a:pPr algn="l">
+              <a:lnSpc>
+                <a:spcPct val="218000"/>
+              </a:lnSpc>
+              <a:spcAft>
+                <a:spcPts val="900"/>
+              </a:spcAft>
+              <a:buNone/>
+            </a:pPr>
+            <a:r>
+              <a:rPr lang="ko-KR" altLang="en-US" sz="1400" b="1" i="0" dirty="0">
+                <a:effectLst/>
+                <a:latin typeface="나눔고딕" panose="020D0604000000000000" pitchFamily="50" charset="-127"/>
+                <a:ea typeface="나눔고딕" panose="020D0604000000000000" pitchFamily="50" charset="-127"/>
+              </a:rPr>
+              <a:t>날                                                 사랑한대</a:t>
+            </a:r>
+          </a:p>
+          <a:p>
+            <a:pPr algn="l">
+              <a:lnSpc>
+                <a:spcPct val="218000"/>
+              </a:lnSpc>
+              <a:spcAft>
+                <a:spcPts val="900"/>
+              </a:spcAft>
+              <a:buNone/>
+            </a:pPr>
+            <a:r>
+              <a:rPr lang="ko-KR" altLang="en-US" sz="1400" b="1" i="0" dirty="0">
+                <a:effectLst/>
+                <a:latin typeface="나눔고딕" panose="020D0604000000000000" pitchFamily="50" charset="-127"/>
+                <a:ea typeface="나눔고딕" panose="020D0604000000000000" pitchFamily="50" charset="-127"/>
+              </a:rPr>
+              <a:t>날                                                 사랑한대                                                          그대</a:t>
+            </a:r>
+          </a:p>
+          <a:p>
+            <a:pPr algn="l">
+              <a:lnSpc>
+                <a:spcPct val="218000"/>
+              </a:lnSpc>
+              <a:spcAft>
+                <a:spcPts val="900"/>
+              </a:spcAft>
+              <a:buNone/>
+            </a:pPr>
+            <a:r>
+              <a:rPr lang="ko-KR" altLang="en-US" sz="1400" b="1" i="0" dirty="0">
+                <a:effectLst/>
+                <a:latin typeface="나눔고딕" panose="020D0604000000000000" pitchFamily="50" charset="-127"/>
+                <a:ea typeface="나눔고딕" panose="020D0604000000000000" pitchFamily="50" charset="-127"/>
+              </a:rPr>
+              <a:t>나의 손을 잡고                                   기분 좋은 </a:t>
             </a:r>
             <a:r>
               <a:rPr lang="ko-KR" altLang="en-US" sz="1400" b="1" i="0" dirty="0" err="1">
@@ -3414,7 +7827,7 @@
                 <a:latin typeface="나눔고딕" panose="020D0604000000000000" pitchFamily="50" charset="-127"/>
                 <a:ea typeface="나눔고딕" panose="020D0604000000000000" pitchFamily="50" charset="-127"/>
               </a:rPr>
-              <a:t>걸을래</a:t>
+              <a:t>노랠</a:t>
             </a:r>
             <a:r>
               <a:rPr lang="ko-KR" altLang="en-US" sz="1400" b="1" i="0" dirty="0">
@@ -3422,722 +7835,136 @@
                 <a:latin typeface="나눔고딕" panose="020D0604000000000000" pitchFamily="50" charset="-127"/>
                 <a:ea typeface="나눔고딕" panose="020D0604000000000000" pitchFamily="50" charset="-127"/>
               </a:rPr>
-              <a:t> 혹시 내일은 뭐해 네가 부담되지 않는 날에 산책이라도 </a:t>
-            </a:r>
-            <a:r>
-              <a:rPr lang="ko-KR" altLang="en-US" sz="1400" b="1" i="0" dirty="0" err="1">
-                <a:effectLst/>
-                <a:latin typeface="나눔고딕" panose="020D0604000000000000" pitchFamily="50" charset="-127"/>
-                <a:ea typeface="나눔고딕" panose="020D0604000000000000" pitchFamily="50" charset="-127"/>
-              </a:rPr>
-              <a:t>할래</a:t>
-            </a:r>
-            <a:br>
+              <a:t>   흥얼거리듯</a:t>
+            </a:r>
+          </a:p>
+          <a:p>
+            <a:pPr algn="l">
+              <a:lnSpc>
+                <a:spcPct val="218000"/>
+              </a:lnSpc>
+              <a:spcAft>
+                <a:spcPts val="900"/>
+              </a:spcAft>
+              <a:buNone/>
+            </a:pPr>
+            <a:r>
               <a:rPr lang="ko-KR" altLang="en-US" sz="1400" b="1" i="0" dirty="0">
                 <a:effectLst/>
                 <a:latin typeface="나눔고딕" panose="020D0604000000000000" pitchFamily="50" charset="-127"/>
                 <a:ea typeface="나눔고딕" panose="020D0604000000000000" pitchFamily="50" charset="-127"/>
               </a:rPr>
-            </a:br>
+              <a:t>날                                                 사랑한대                                                             꼭</a:t>
+            </a:r>
+          </a:p>
+          <a:p>
+            <a:pPr algn="l">
+              <a:lnSpc>
+                <a:spcPct val="218000"/>
+              </a:lnSpc>
+              <a:spcAft>
+                <a:spcPts val="900"/>
+              </a:spcAft>
+              <a:buNone/>
+            </a:pPr>
             <a:r>
               <a:rPr lang="ko-KR" altLang="en-US" sz="1400" b="1" i="0" dirty="0">
                 <a:effectLst/>
                 <a:latin typeface="나눔고딕" panose="020D0604000000000000" pitchFamily="50" charset="-127"/>
                 <a:ea typeface="나눔고딕" panose="020D0604000000000000" pitchFamily="50" charset="-127"/>
               </a:rPr>
-              <a:t>그냥 날이 좋길래 너와 걷고 </a:t>
-            </a:r>
-            <a:r>
-              <a:rPr lang="ko-KR" altLang="en-US" sz="1400" b="1" i="0" dirty="0" err="1">
-                <a:effectLst/>
-                <a:latin typeface="나눔고딕" panose="020D0604000000000000" pitchFamily="50" charset="-127"/>
-                <a:ea typeface="나눔고딕" panose="020D0604000000000000" pitchFamily="50" charset="-127"/>
-              </a:rPr>
-              <a:t>싶어져서</a:t>
-            </a:r>
+              <a:t>한번씩 내 마음 변할 때도                어디로 가야 하는지      잘 모를 때도            그대는</a:t>
+            </a:r>
+          </a:p>
+          <a:p>
+            <a:pPr algn="l">
+              <a:lnSpc>
+                <a:spcPct val="218000"/>
+              </a:lnSpc>
+              <a:spcAft>
+                <a:spcPts val="900"/>
+              </a:spcAft>
+              <a:buNone/>
+            </a:pPr>
             <a:r>
               <a:rPr lang="ko-KR" altLang="en-US" sz="1400" b="1" i="0" dirty="0">
                 <a:effectLst/>
                 <a:latin typeface="나눔고딕" panose="020D0604000000000000" pitchFamily="50" charset="-127"/>
                 <a:ea typeface="나눔고딕" panose="020D0604000000000000" pitchFamily="50" charset="-127"/>
               </a:rPr>
-              <a:t> 내일 많이 바쁘지 않으면 혹시 나랑 같이 </a:t>
-            </a:r>
-            <a:r>
-              <a:rPr lang="ko-KR" altLang="en-US" sz="1400" b="1" i="0" dirty="0" err="1">
+              <a:t>날                                                 사랑한대</a:t>
+            </a:r>
+          </a:p>
+          <a:p>
+            <a:pPr algn="l">
+              <a:lnSpc>
+                <a:spcPct val="218000"/>
+              </a:lnSpc>
+              <a:spcAft>
+                <a:spcPts val="900"/>
+              </a:spcAft>
+              <a:buNone/>
+            </a:pPr>
+            <a:r>
+              <a:rPr lang="ko-KR" altLang="en-US" sz="1400" b="1" i="0" dirty="0">
                 <a:effectLst/>
                 <a:latin typeface="나눔고딕" panose="020D0604000000000000" pitchFamily="50" charset="-127"/>
                 <a:ea typeface="나눔고딕" panose="020D0604000000000000" pitchFamily="50" charset="-127"/>
               </a:rPr>
-              <a:t>걸을래</a:t>
-            </a:r>
-            <a:endParaRPr lang="ko-KR" altLang="en-US" sz="1400" b="1" i="0" dirty="0">
-              <a:effectLst/>
-              <a:latin typeface="나눔고딕" panose="020D0604000000000000" pitchFamily="50" charset="-127"/>
-              <a:ea typeface="나눔고딕" panose="020D0604000000000000" pitchFamily="50" charset="-127"/>
-            </a:endParaRPr>
+              <a:t>날                                                 사랑한대</a:t>
+            </a:r>
+          </a:p>
+          <a:p>
+            <a:pPr algn="l">
+              <a:lnSpc>
+                <a:spcPct val="218000"/>
+              </a:lnSpc>
+              <a:spcAft>
+                <a:spcPts val="900"/>
+              </a:spcAft>
+              <a:buNone/>
+            </a:pPr>
+            <a:r>
+              <a:rPr lang="ko-KR" altLang="en-US" sz="1400" b="1" i="0" dirty="0">
+                <a:effectLst/>
+                <a:latin typeface="나눔고딕" panose="020D0604000000000000" pitchFamily="50" charset="-127"/>
+                <a:ea typeface="나눔고딕" panose="020D0604000000000000" pitchFamily="50" charset="-127"/>
+              </a:rPr>
+              <a:t>날                                                 사랑한대</a:t>
+            </a:r>
           </a:p>
         </p:txBody>
       </p:sp>
-      <p:sp>
-        <p:nvSpPr>
-          <p:cNvPr id="7" name="TextBox 6">
+      <p:pic>
+        <p:nvPicPr>
+          <p:cNvPr id="65" name="그림 64">
             <a:extLst>
               <a:ext uri="{FF2B5EF4-FFF2-40B4-BE49-F238E27FC236}">
-                <a16:creationId xmlns:a16="http://schemas.microsoft.com/office/drawing/2014/main" id="{088F6108-7144-9914-A837-91050A461F38}"/>
+                <a16:creationId xmlns:a16="http://schemas.microsoft.com/office/drawing/2014/main" id="{A9A9B504-C268-2B4A-3044-CFC978EA3C80}"/>
               </a:ext>
             </a:extLst>
           </p:cNvPr>
-          <p:cNvSpPr txBox="1"/>
+          <p:cNvPicPr>
+            <a:picLocks noChangeAspect="1"/>
+          </p:cNvPicPr>
           <p:nvPr/>
-        </p:nvSpPr>
-        <p:spPr>
-          <a:xfrm>
-            <a:off x="117389" y="1062679"/>
-            <a:ext cx="6456406" cy="307777"/>
-          </a:xfrm>
-          <a:prstGeom prst="rect">
-            <a:avLst/>
-          </a:prstGeom>
-          <a:noFill/>
-        </p:spPr>
-        <p:txBody>
-          <a:bodyPr wrap="square" rtlCol="0">
-            <a:spAutoFit/>
-          </a:bodyPr>
-          <a:lstStyle/>
-          <a:p>
-            <a:r>
-              <a:rPr lang="en-US" altLang="ko-KR" sz="1400" b="1" dirty="0">
-                <a:solidFill>
-                  <a:srgbClr val="C00000"/>
-                </a:solidFill>
-                <a:latin typeface="Calibri" panose="020F0502020204030204" pitchFamily="34" charset="0"/>
-                <a:ea typeface="Calibri" panose="020F0502020204030204" pitchFamily="34" charset="0"/>
-                <a:cs typeface="Calibri" panose="020F0502020204030204" pitchFamily="34" charset="0"/>
-              </a:rPr>
-              <a:t>E   A(add9)                  E(add9)/G#                      F#m11   B9sus4               E  </a:t>
-            </a:r>
-            <a:endParaRPr lang="ko-KR" altLang="en-US" sz="1400" b="1" dirty="0">
-              <a:solidFill>
-                <a:srgbClr val="C00000"/>
-              </a:solidFill>
-              <a:latin typeface="Calibri" panose="020F0502020204030204" pitchFamily="34" charset="0"/>
-              <a:cs typeface="Calibri" panose="020F0502020204030204" pitchFamily="34" charset="0"/>
-            </a:endParaRPr>
-          </a:p>
-        </p:txBody>
-      </p:sp>
-      <p:sp>
-        <p:nvSpPr>
-          <p:cNvPr id="8" name="TextBox 7">
-            <a:extLst>
-              <a:ext uri="{FF2B5EF4-FFF2-40B4-BE49-F238E27FC236}">
-                <a16:creationId xmlns:a16="http://schemas.microsoft.com/office/drawing/2014/main" id="{612ACF4B-EAC0-24D9-7127-34AC4D4FAFBC}"/>
-              </a:ext>
-            </a:extLst>
-          </p:cNvPr>
-          <p:cNvSpPr txBox="1"/>
-          <p:nvPr/>
-        </p:nvSpPr>
-        <p:spPr>
-          <a:xfrm>
-            <a:off x="117389" y="1717587"/>
-            <a:ext cx="6456406" cy="307777"/>
-          </a:xfrm>
-          <a:prstGeom prst="rect">
-            <a:avLst/>
-          </a:prstGeom>
-          <a:noFill/>
-        </p:spPr>
-        <p:txBody>
-          <a:bodyPr wrap="square" rtlCol="0">
-            <a:spAutoFit/>
-          </a:bodyPr>
-          <a:lstStyle/>
-          <a:p>
-            <a:r>
-              <a:rPr lang="en-US" altLang="ko-KR" sz="1400" b="1" dirty="0">
-                <a:solidFill>
-                  <a:srgbClr val="C00000"/>
-                </a:solidFill>
-                <a:latin typeface="Calibri" panose="020F0502020204030204" pitchFamily="34" charset="0"/>
-                <a:ea typeface="Calibri" panose="020F0502020204030204" pitchFamily="34" charset="0"/>
-                <a:cs typeface="Calibri" panose="020F0502020204030204" pitchFamily="34" charset="0"/>
-              </a:rPr>
-              <a:t>AM7    Am6                 G#m7    C#7(b9)C#7       F#m11                               B9sus4   </a:t>
-            </a:r>
-            <a:endParaRPr lang="ko-KR" altLang="en-US" sz="1400" b="1" dirty="0">
-              <a:solidFill>
-                <a:srgbClr val="C00000"/>
-              </a:solidFill>
-              <a:latin typeface="Calibri" panose="020F0502020204030204" pitchFamily="34" charset="0"/>
-              <a:cs typeface="Calibri" panose="020F0502020204030204" pitchFamily="34" charset="0"/>
-            </a:endParaRPr>
-          </a:p>
-        </p:txBody>
-      </p:sp>
-      <p:sp>
-        <p:nvSpPr>
-          <p:cNvPr id="19" name="TextBox 18">
-            <a:extLst>
-              <a:ext uri="{FF2B5EF4-FFF2-40B4-BE49-F238E27FC236}">
-                <a16:creationId xmlns:a16="http://schemas.microsoft.com/office/drawing/2014/main" id="{22555CE8-9E51-B474-81FC-275949882357}"/>
-              </a:ext>
-            </a:extLst>
-          </p:cNvPr>
-          <p:cNvSpPr txBox="1"/>
-          <p:nvPr/>
-        </p:nvSpPr>
-        <p:spPr>
-          <a:xfrm>
-            <a:off x="117389" y="2379117"/>
-            <a:ext cx="6456406" cy="307777"/>
-          </a:xfrm>
-          <a:prstGeom prst="rect">
-            <a:avLst/>
-          </a:prstGeom>
-          <a:noFill/>
-        </p:spPr>
-        <p:txBody>
-          <a:bodyPr wrap="square" rtlCol="0">
-            <a:spAutoFit/>
-          </a:bodyPr>
-          <a:lstStyle/>
-          <a:p>
-            <a:r>
-              <a:rPr lang="en-US" altLang="ko-KR" sz="1400" b="1" dirty="0">
-                <a:solidFill>
-                  <a:srgbClr val="C00000"/>
-                </a:solidFill>
-                <a:latin typeface="Calibri" panose="020F0502020204030204" pitchFamily="34" charset="0"/>
-                <a:ea typeface="Calibri" panose="020F0502020204030204" pitchFamily="34" charset="0"/>
-                <a:cs typeface="Calibri" panose="020F0502020204030204" pitchFamily="34" charset="0"/>
-              </a:rPr>
-              <a:t>E   A(add9)                  E(add9)/G#                      F#m11   B9sus4               Bm7</a:t>
-            </a:r>
-            <a:r>
-              <a:rPr lang="ko-KR" altLang="en-US" sz="1400" b="1" dirty="0">
-                <a:solidFill>
-                  <a:srgbClr val="C00000"/>
-                </a:solidFill>
-                <a:latin typeface="Calibri" panose="020F0502020204030204" pitchFamily="34" charset="0"/>
-                <a:ea typeface="Calibri" panose="020F0502020204030204" pitchFamily="34" charset="0"/>
-                <a:cs typeface="Calibri" panose="020F0502020204030204" pitchFamily="34" charset="0"/>
-              </a:rPr>
-              <a:t>      </a:t>
-            </a:r>
-            <a:r>
-              <a:rPr lang="en-US" altLang="ko-KR" sz="1400" b="1" dirty="0">
-                <a:solidFill>
-                  <a:srgbClr val="C00000"/>
-                </a:solidFill>
-                <a:latin typeface="Calibri" panose="020F0502020204030204" pitchFamily="34" charset="0"/>
-                <a:ea typeface="Calibri" panose="020F0502020204030204" pitchFamily="34" charset="0"/>
-                <a:cs typeface="Calibri" panose="020F0502020204030204" pitchFamily="34" charset="0"/>
-              </a:rPr>
-              <a:t>E  </a:t>
-            </a:r>
-            <a:endParaRPr lang="ko-KR" altLang="en-US" sz="1400" b="1" dirty="0">
-              <a:solidFill>
-                <a:srgbClr val="C00000"/>
-              </a:solidFill>
-              <a:latin typeface="Calibri" panose="020F0502020204030204" pitchFamily="34" charset="0"/>
-              <a:cs typeface="Calibri" panose="020F0502020204030204" pitchFamily="34" charset="0"/>
-            </a:endParaRPr>
-          </a:p>
-        </p:txBody>
-      </p:sp>
-      <p:sp>
-        <p:nvSpPr>
-          <p:cNvPr id="20" name="TextBox 19">
-            <a:extLst>
-              <a:ext uri="{FF2B5EF4-FFF2-40B4-BE49-F238E27FC236}">
-                <a16:creationId xmlns:a16="http://schemas.microsoft.com/office/drawing/2014/main" id="{4DD7DA1C-DF94-B88D-3BA1-BFC24929F7E8}"/>
-              </a:ext>
-            </a:extLst>
-          </p:cNvPr>
-          <p:cNvSpPr txBox="1"/>
-          <p:nvPr/>
-        </p:nvSpPr>
-        <p:spPr>
-          <a:xfrm>
-            <a:off x="117389" y="3040647"/>
-            <a:ext cx="6456406" cy="307777"/>
-          </a:xfrm>
-          <a:prstGeom prst="rect">
-            <a:avLst/>
-          </a:prstGeom>
-          <a:noFill/>
-        </p:spPr>
-        <p:txBody>
-          <a:bodyPr wrap="square" rtlCol="0">
-            <a:spAutoFit/>
-          </a:bodyPr>
-          <a:lstStyle/>
-          <a:p>
-            <a:r>
-              <a:rPr lang="en-US" altLang="ko-KR" sz="1400" b="1" dirty="0">
-                <a:solidFill>
-                  <a:srgbClr val="C00000"/>
-                </a:solidFill>
-                <a:latin typeface="Calibri" panose="020F0502020204030204" pitchFamily="34" charset="0"/>
-                <a:ea typeface="Calibri" panose="020F0502020204030204" pitchFamily="34" charset="0"/>
-                <a:cs typeface="Calibri" panose="020F0502020204030204" pitchFamily="34" charset="0"/>
-              </a:rPr>
-              <a:t>AM7    Am6                 G#m7    C#7(b9)C#7       F#m11                               B9sus4   D9sus4</a:t>
-            </a:r>
-            <a:endParaRPr lang="ko-KR" altLang="en-US" sz="1400" b="1" dirty="0">
-              <a:solidFill>
-                <a:srgbClr val="C00000"/>
-              </a:solidFill>
-              <a:latin typeface="Calibri" panose="020F0502020204030204" pitchFamily="34" charset="0"/>
-              <a:cs typeface="Calibri" panose="020F0502020204030204" pitchFamily="34" charset="0"/>
-            </a:endParaRPr>
-          </a:p>
-        </p:txBody>
-      </p:sp>
-      <p:sp>
-        <p:nvSpPr>
-          <p:cNvPr id="21" name="TextBox 20">
-            <a:extLst>
-              <a:ext uri="{FF2B5EF4-FFF2-40B4-BE49-F238E27FC236}">
-                <a16:creationId xmlns:a16="http://schemas.microsoft.com/office/drawing/2014/main" id="{45039D5E-A2B0-F094-028A-D360B81AAC6B}"/>
-              </a:ext>
-            </a:extLst>
-          </p:cNvPr>
-          <p:cNvSpPr txBox="1"/>
-          <p:nvPr/>
-        </p:nvSpPr>
-        <p:spPr>
-          <a:xfrm>
-            <a:off x="117389" y="3695555"/>
-            <a:ext cx="6456406" cy="307777"/>
-          </a:xfrm>
-          <a:prstGeom prst="rect">
-            <a:avLst/>
-          </a:prstGeom>
-          <a:noFill/>
-        </p:spPr>
-        <p:txBody>
-          <a:bodyPr wrap="square" rtlCol="0">
-            <a:spAutoFit/>
-          </a:bodyPr>
-          <a:lstStyle/>
-          <a:p>
-            <a:r>
-              <a:rPr lang="en-US" altLang="ko-KR" sz="1400" b="1" dirty="0">
-                <a:solidFill>
-                  <a:srgbClr val="C00000"/>
-                </a:solidFill>
-                <a:latin typeface="Calibri" panose="020F0502020204030204" pitchFamily="34" charset="0"/>
-                <a:ea typeface="Calibri" panose="020F0502020204030204" pitchFamily="34" charset="0"/>
-                <a:cs typeface="Calibri" panose="020F0502020204030204" pitchFamily="34" charset="0"/>
-              </a:rPr>
-              <a:t>G        C(add9)             Bm7  B7    Em7                C(add9)     G/B                Am7      Dsus4</a:t>
-            </a:r>
-            <a:endParaRPr lang="ko-KR" altLang="en-US" sz="1400" b="1" dirty="0">
-              <a:solidFill>
-                <a:srgbClr val="C00000"/>
-              </a:solidFill>
-              <a:latin typeface="Calibri" panose="020F0502020204030204" pitchFamily="34" charset="0"/>
-              <a:cs typeface="Calibri" panose="020F0502020204030204" pitchFamily="34" charset="0"/>
-            </a:endParaRPr>
-          </a:p>
-        </p:txBody>
-      </p:sp>
-      <p:sp>
-        <p:nvSpPr>
-          <p:cNvPr id="22" name="TextBox 21">
-            <a:extLst>
-              <a:ext uri="{FF2B5EF4-FFF2-40B4-BE49-F238E27FC236}">
-                <a16:creationId xmlns:a16="http://schemas.microsoft.com/office/drawing/2014/main" id="{3D409D79-2566-F254-F0F4-B7D543778A6B}"/>
-              </a:ext>
-            </a:extLst>
-          </p:cNvPr>
-          <p:cNvSpPr txBox="1"/>
-          <p:nvPr/>
-        </p:nvSpPr>
-        <p:spPr>
-          <a:xfrm>
-            <a:off x="117389" y="4239253"/>
-            <a:ext cx="6456406" cy="307777"/>
-          </a:xfrm>
-          <a:prstGeom prst="rect">
-            <a:avLst/>
-          </a:prstGeom>
-          <a:noFill/>
-        </p:spPr>
-        <p:txBody>
-          <a:bodyPr wrap="square" rtlCol="0">
-            <a:spAutoFit/>
-          </a:bodyPr>
-          <a:lstStyle/>
-          <a:p>
-            <a:r>
-              <a:rPr lang="en-US" altLang="ko-KR" sz="1400" b="1" dirty="0">
-                <a:solidFill>
-                  <a:srgbClr val="C00000"/>
-                </a:solidFill>
-                <a:latin typeface="Calibri" panose="020F0502020204030204" pitchFamily="34" charset="0"/>
-                <a:ea typeface="Calibri" panose="020F0502020204030204" pitchFamily="34" charset="0"/>
-                <a:cs typeface="Calibri" panose="020F0502020204030204" pitchFamily="34" charset="0"/>
-              </a:rPr>
-              <a:t>G        C(add9)             Bm7  B7/D#  Em7           C(add9)              G/B       Am7      Dsus4</a:t>
-            </a:r>
-            <a:endParaRPr lang="ko-KR" altLang="en-US" sz="1400" b="1" dirty="0">
-              <a:solidFill>
-                <a:srgbClr val="C00000"/>
-              </a:solidFill>
-              <a:latin typeface="Calibri" panose="020F0502020204030204" pitchFamily="34" charset="0"/>
-              <a:cs typeface="Calibri" panose="020F0502020204030204" pitchFamily="34" charset="0"/>
-            </a:endParaRPr>
-          </a:p>
-        </p:txBody>
-      </p:sp>
-      <p:sp>
-        <p:nvSpPr>
-          <p:cNvPr id="23" name="TextBox 22">
-            <a:extLst>
-              <a:ext uri="{FF2B5EF4-FFF2-40B4-BE49-F238E27FC236}">
-                <a16:creationId xmlns:a16="http://schemas.microsoft.com/office/drawing/2014/main" id="{B22EC351-776E-5BFC-81EB-80A0D8F47A1E}"/>
-              </a:ext>
-            </a:extLst>
-          </p:cNvPr>
-          <p:cNvSpPr txBox="1"/>
-          <p:nvPr/>
-        </p:nvSpPr>
-        <p:spPr>
-          <a:xfrm>
-            <a:off x="117389" y="4832377"/>
-            <a:ext cx="6456406" cy="307777"/>
-          </a:xfrm>
-          <a:prstGeom prst="rect">
-            <a:avLst/>
-          </a:prstGeom>
-          <a:noFill/>
-        </p:spPr>
-        <p:txBody>
-          <a:bodyPr wrap="square" rtlCol="0">
-            <a:spAutoFit/>
-          </a:bodyPr>
-          <a:lstStyle/>
-          <a:p>
-            <a:r>
-              <a:rPr lang="en-US" altLang="ko-KR" sz="1400" b="1" dirty="0">
-                <a:solidFill>
-                  <a:srgbClr val="C00000"/>
-                </a:solidFill>
-                <a:latin typeface="Calibri" panose="020F0502020204030204" pitchFamily="34" charset="0"/>
-                <a:ea typeface="Calibri" panose="020F0502020204030204" pitchFamily="34" charset="0"/>
-                <a:cs typeface="Calibri" panose="020F0502020204030204" pitchFamily="34" charset="0"/>
-              </a:rPr>
-              <a:t>AM7  E/G#  F#m11 B9sus4</a:t>
-            </a:r>
-            <a:endParaRPr lang="ko-KR" altLang="en-US" sz="1400" b="1" dirty="0">
-              <a:solidFill>
-                <a:srgbClr val="C00000"/>
-              </a:solidFill>
-              <a:latin typeface="Calibri" panose="020F0502020204030204" pitchFamily="34" charset="0"/>
-              <a:cs typeface="Calibri" panose="020F0502020204030204" pitchFamily="34" charset="0"/>
-            </a:endParaRPr>
-          </a:p>
-        </p:txBody>
-      </p:sp>
-      <p:sp>
-        <p:nvSpPr>
-          <p:cNvPr id="24" name="TextBox 23">
-            <a:extLst>
-              <a:ext uri="{FF2B5EF4-FFF2-40B4-BE49-F238E27FC236}">
-                <a16:creationId xmlns:a16="http://schemas.microsoft.com/office/drawing/2014/main" id="{A570B3B2-9D5C-7341-EEE7-47967A3BBDF6}"/>
-              </a:ext>
-            </a:extLst>
-          </p:cNvPr>
-          <p:cNvSpPr txBox="1"/>
-          <p:nvPr/>
-        </p:nvSpPr>
-        <p:spPr>
-          <a:xfrm>
-            <a:off x="117389" y="5320226"/>
-            <a:ext cx="6456406" cy="307777"/>
-          </a:xfrm>
-          <a:prstGeom prst="rect">
-            <a:avLst/>
-          </a:prstGeom>
-          <a:noFill/>
-        </p:spPr>
-        <p:txBody>
-          <a:bodyPr wrap="square" rtlCol="0">
-            <a:spAutoFit/>
-          </a:bodyPr>
-          <a:lstStyle/>
-          <a:p>
-            <a:r>
-              <a:rPr lang="en-US" altLang="ko-KR" sz="1400" b="1" dirty="0">
-                <a:solidFill>
-                  <a:srgbClr val="C00000"/>
-                </a:solidFill>
-                <a:latin typeface="Calibri" panose="020F0502020204030204" pitchFamily="34" charset="0"/>
-                <a:ea typeface="Calibri" panose="020F0502020204030204" pitchFamily="34" charset="0"/>
-                <a:cs typeface="Calibri" panose="020F0502020204030204" pitchFamily="34" charset="0"/>
-              </a:rPr>
-              <a:t>E   A(add9)                  E(add9)/G#  C#7(b9)C#7 F#m11   B9sus4             Bm7         E  </a:t>
-            </a:r>
-            <a:endParaRPr lang="ko-KR" altLang="en-US" sz="1400" b="1" dirty="0">
-              <a:solidFill>
-                <a:srgbClr val="C00000"/>
-              </a:solidFill>
-              <a:latin typeface="Calibri" panose="020F0502020204030204" pitchFamily="34" charset="0"/>
-              <a:cs typeface="Calibri" panose="020F0502020204030204" pitchFamily="34" charset="0"/>
-            </a:endParaRPr>
-          </a:p>
-        </p:txBody>
-      </p:sp>
-      <p:sp>
-        <p:nvSpPr>
-          <p:cNvPr id="26" name="TextBox 25">
-            <a:extLst>
-              <a:ext uri="{FF2B5EF4-FFF2-40B4-BE49-F238E27FC236}">
-                <a16:creationId xmlns:a16="http://schemas.microsoft.com/office/drawing/2014/main" id="{DFEEAA04-E9DE-B55D-1599-98A5F4FF5E32}"/>
-              </a:ext>
-            </a:extLst>
-          </p:cNvPr>
-          <p:cNvSpPr txBox="1"/>
-          <p:nvPr/>
-        </p:nvSpPr>
-        <p:spPr>
-          <a:xfrm>
-            <a:off x="117389" y="5931908"/>
-            <a:ext cx="6456406" cy="307777"/>
-          </a:xfrm>
-          <a:prstGeom prst="rect">
-            <a:avLst/>
-          </a:prstGeom>
-          <a:noFill/>
-        </p:spPr>
-        <p:txBody>
-          <a:bodyPr wrap="square" rtlCol="0">
-            <a:spAutoFit/>
-          </a:bodyPr>
-          <a:lstStyle/>
-          <a:p>
-            <a:r>
-              <a:rPr lang="en-US" altLang="ko-KR" sz="1400" b="1" dirty="0">
-                <a:solidFill>
-                  <a:srgbClr val="C00000"/>
-                </a:solidFill>
-                <a:latin typeface="Calibri" panose="020F0502020204030204" pitchFamily="34" charset="0"/>
-                <a:ea typeface="Calibri" panose="020F0502020204030204" pitchFamily="34" charset="0"/>
-                <a:cs typeface="Calibri" panose="020F0502020204030204" pitchFamily="34" charset="0"/>
-              </a:rPr>
-              <a:t>AM7    Am6                 G#m7    C#7(b9)C#7       F#m11                               B9sus4   D9sus4</a:t>
-            </a:r>
-            <a:endParaRPr lang="ko-KR" altLang="en-US" sz="1400" b="1" dirty="0">
-              <a:solidFill>
-                <a:srgbClr val="C00000"/>
-              </a:solidFill>
-              <a:latin typeface="Calibri" panose="020F0502020204030204" pitchFamily="34" charset="0"/>
-              <a:cs typeface="Calibri" panose="020F0502020204030204" pitchFamily="34" charset="0"/>
-            </a:endParaRPr>
-          </a:p>
-        </p:txBody>
-      </p:sp>
-      <p:sp>
-        <p:nvSpPr>
-          <p:cNvPr id="32" name="TextBox 31">
-            <a:extLst>
-              <a:ext uri="{FF2B5EF4-FFF2-40B4-BE49-F238E27FC236}">
-                <a16:creationId xmlns:a16="http://schemas.microsoft.com/office/drawing/2014/main" id="{DA092D6D-0315-998A-9BD8-B456E3941CEC}"/>
-              </a:ext>
-            </a:extLst>
-          </p:cNvPr>
-          <p:cNvSpPr txBox="1"/>
-          <p:nvPr/>
-        </p:nvSpPr>
-        <p:spPr>
-          <a:xfrm>
-            <a:off x="117389" y="6741301"/>
-            <a:ext cx="6456406" cy="307777"/>
-          </a:xfrm>
-          <a:prstGeom prst="rect">
-            <a:avLst/>
-          </a:prstGeom>
-          <a:noFill/>
-        </p:spPr>
-        <p:txBody>
-          <a:bodyPr wrap="square" rtlCol="0">
-            <a:spAutoFit/>
-          </a:bodyPr>
-          <a:lstStyle/>
-          <a:p>
-            <a:r>
-              <a:rPr lang="en-US" altLang="ko-KR" sz="1400" b="1" dirty="0">
-                <a:solidFill>
-                  <a:srgbClr val="C00000"/>
-                </a:solidFill>
-                <a:latin typeface="Calibri" panose="020F0502020204030204" pitchFamily="34" charset="0"/>
-                <a:ea typeface="Calibri" panose="020F0502020204030204" pitchFamily="34" charset="0"/>
-                <a:cs typeface="Calibri" panose="020F0502020204030204" pitchFamily="34" charset="0"/>
-              </a:rPr>
-              <a:t>CM7                               G(add9) /B                      Am7        D9sus4             GM7</a:t>
-            </a:r>
-            <a:endParaRPr lang="ko-KR" altLang="en-US" sz="1400" b="1" dirty="0">
-              <a:solidFill>
-                <a:srgbClr val="C00000"/>
-              </a:solidFill>
-              <a:latin typeface="Calibri" panose="020F0502020204030204" pitchFamily="34" charset="0"/>
-              <a:cs typeface="Calibri" panose="020F0502020204030204" pitchFamily="34" charset="0"/>
-            </a:endParaRPr>
-          </a:p>
-        </p:txBody>
-      </p:sp>
-      <p:sp>
-        <p:nvSpPr>
-          <p:cNvPr id="33" name="TextBox 32">
-            <a:extLst>
-              <a:ext uri="{FF2B5EF4-FFF2-40B4-BE49-F238E27FC236}">
-                <a16:creationId xmlns:a16="http://schemas.microsoft.com/office/drawing/2014/main" id="{A3745803-6506-FF23-585C-7CA694152F19}"/>
-              </a:ext>
-            </a:extLst>
-          </p:cNvPr>
-          <p:cNvSpPr txBox="1"/>
-          <p:nvPr/>
-        </p:nvSpPr>
-        <p:spPr>
-          <a:xfrm>
-            <a:off x="117389" y="7322516"/>
-            <a:ext cx="6456406" cy="307777"/>
-          </a:xfrm>
-          <a:prstGeom prst="rect">
-            <a:avLst/>
-          </a:prstGeom>
-          <a:noFill/>
-        </p:spPr>
-        <p:txBody>
-          <a:bodyPr wrap="square" rtlCol="0">
-            <a:spAutoFit/>
-          </a:bodyPr>
-          <a:lstStyle/>
-          <a:p>
-            <a:r>
-              <a:rPr lang="en-US" altLang="ko-KR" sz="1400" b="1" dirty="0">
-                <a:solidFill>
-                  <a:srgbClr val="C00000"/>
-                </a:solidFill>
-                <a:latin typeface="Calibri" panose="020F0502020204030204" pitchFamily="34" charset="0"/>
-                <a:ea typeface="Calibri" panose="020F0502020204030204" pitchFamily="34" charset="0"/>
-                <a:cs typeface="Calibri" panose="020F0502020204030204" pitchFamily="34" charset="0"/>
-              </a:rPr>
-              <a:t>C(add9)                        B7      Em7                        Am7                                   D9sus4  Eb9sus4 </a:t>
-            </a:r>
-            <a:endParaRPr lang="ko-KR" altLang="en-US" sz="1400" b="1" dirty="0">
-              <a:solidFill>
-                <a:srgbClr val="C00000"/>
-              </a:solidFill>
-              <a:latin typeface="Calibri" panose="020F0502020204030204" pitchFamily="34" charset="0"/>
-              <a:cs typeface="Calibri" panose="020F0502020204030204" pitchFamily="34" charset="0"/>
-            </a:endParaRPr>
-          </a:p>
-        </p:txBody>
-      </p:sp>
-      <p:sp>
-        <p:nvSpPr>
-          <p:cNvPr id="34" name="TextBox 33">
-            <a:extLst>
-              <a:ext uri="{FF2B5EF4-FFF2-40B4-BE49-F238E27FC236}">
-                <a16:creationId xmlns:a16="http://schemas.microsoft.com/office/drawing/2014/main" id="{FE885C9C-AD58-F5C5-2964-CA3E53087D56}"/>
-              </a:ext>
-            </a:extLst>
-          </p:cNvPr>
-          <p:cNvSpPr txBox="1"/>
-          <p:nvPr/>
-        </p:nvSpPr>
-        <p:spPr>
-          <a:xfrm>
-            <a:off x="117389" y="7988970"/>
-            <a:ext cx="6456406" cy="307777"/>
-          </a:xfrm>
-          <a:prstGeom prst="rect">
-            <a:avLst/>
-          </a:prstGeom>
-          <a:noFill/>
-        </p:spPr>
-        <p:txBody>
-          <a:bodyPr wrap="square" rtlCol="0">
-            <a:spAutoFit/>
-          </a:bodyPr>
-          <a:lstStyle/>
-          <a:p>
-            <a:r>
-              <a:rPr lang="en-US" altLang="ko-KR" sz="1400" b="1" dirty="0">
-                <a:solidFill>
-                  <a:srgbClr val="C00000"/>
-                </a:solidFill>
-                <a:latin typeface="Calibri" panose="020F0502020204030204" pitchFamily="34" charset="0"/>
-                <a:ea typeface="Calibri" panose="020F0502020204030204" pitchFamily="34" charset="0"/>
-                <a:cs typeface="Calibri" panose="020F0502020204030204" pitchFamily="34" charset="0"/>
-              </a:rPr>
-              <a:t>Ab       Db(add9)         Cm7  C7/E   Fm7             Db(add9)          Ab/C       Bbm7    Ebsus4</a:t>
-            </a:r>
-            <a:endParaRPr lang="ko-KR" altLang="en-US" sz="1400" b="1" dirty="0">
-              <a:solidFill>
-                <a:srgbClr val="C00000"/>
-              </a:solidFill>
-              <a:latin typeface="Calibri" panose="020F0502020204030204" pitchFamily="34" charset="0"/>
-              <a:cs typeface="Calibri" panose="020F0502020204030204" pitchFamily="34" charset="0"/>
-            </a:endParaRPr>
-          </a:p>
-        </p:txBody>
-      </p:sp>
-      <p:sp>
-        <p:nvSpPr>
-          <p:cNvPr id="36" name="TextBox 35">
-            <a:extLst>
-              <a:ext uri="{FF2B5EF4-FFF2-40B4-BE49-F238E27FC236}">
-                <a16:creationId xmlns:a16="http://schemas.microsoft.com/office/drawing/2014/main" id="{5F6A11D0-84F5-2D4F-E132-DFFCCFF2B623}"/>
-              </a:ext>
-            </a:extLst>
-          </p:cNvPr>
-          <p:cNvSpPr txBox="1"/>
-          <p:nvPr/>
-        </p:nvSpPr>
-        <p:spPr>
-          <a:xfrm>
-            <a:off x="117389" y="8460401"/>
-            <a:ext cx="6456406" cy="307777"/>
-          </a:xfrm>
-          <a:prstGeom prst="rect">
-            <a:avLst/>
-          </a:prstGeom>
-          <a:noFill/>
-        </p:spPr>
-        <p:txBody>
-          <a:bodyPr wrap="square" rtlCol="0">
-            <a:spAutoFit/>
-          </a:bodyPr>
-          <a:lstStyle/>
-          <a:p>
-            <a:r>
-              <a:rPr lang="en-US" altLang="ko-KR" sz="1400" b="1" dirty="0">
-                <a:solidFill>
-                  <a:srgbClr val="C00000"/>
-                </a:solidFill>
-                <a:latin typeface="Calibri" panose="020F0502020204030204" pitchFamily="34" charset="0"/>
-                <a:ea typeface="Calibri" panose="020F0502020204030204" pitchFamily="34" charset="0"/>
-                <a:cs typeface="Calibri" panose="020F0502020204030204" pitchFamily="34" charset="0"/>
-              </a:rPr>
-              <a:t>Ab       Db(add9)         Cm7  C7/E   Fm7             Db(add9)          Ab/C       Bbm7    Ebsus4</a:t>
-            </a:r>
-            <a:endParaRPr lang="ko-KR" altLang="en-US" sz="1400" b="1" dirty="0">
-              <a:solidFill>
-                <a:srgbClr val="C00000"/>
-              </a:solidFill>
-              <a:latin typeface="Calibri" panose="020F0502020204030204" pitchFamily="34" charset="0"/>
-              <a:cs typeface="Calibri" panose="020F0502020204030204" pitchFamily="34" charset="0"/>
-            </a:endParaRPr>
-          </a:p>
-        </p:txBody>
-      </p:sp>
+        </p:nvPicPr>
+        <p:blipFill>
+          <a:blip r:embed="rId19"/>
+          <a:stretch>
+            <a:fillRect/>
+          </a:stretch>
+        </p:blipFill>
+        <p:spPr>
+          <a:xfrm>
+            <a:off x="747751" y="9029179"/>
+            <a:ext cx="590550" cy="800100"/>
+          </a:xfrm>
+          <a:prstGeom prst="rect">
+            <a:avLst/>
+          </a:prstGeom>
+        </p:spPr>
+      </p:pic>
     </p:spTree>
     <p:extLst>
       <p:ext uri="{BB962C8B-B14F-4D97-AF65-F5344CB8AC3E}">
@@ -4410,4 +8237,299 @@
     </a:ext>
   </a:extLst>
 </a:theme>
+</file>
+
+<file path=ppt/theme/theme2.xml><?xml version="1.0" encoding="utf-8"?>
+<a:theme xmlns:a="http://schemas.openxmlformats.org/drawingml/2006/main" name="Office 테마">
+  <a:themeElements>
+    <a:clrScheme name="Office">
+      <a:dk1>
+        <a:sysClr val="windowText" lastClr="000000"/>
+      </a:dk1>
+      <a:lt1>
+        <a:sysClr val="window" lastClr="FFFFFF"/>
+      </a:lt1>
+      <a:dk2>
+        <a:srgbClr val="44546A"/>
+      </a:dk2>
+      <a:lt2>
+        <a:srgbClr val="E7E6E6"/>
+      </a:lt2>
+      <a:accent1>
+        <a:srgbClr val="4472C4"/>
+      </a:accent1>
+      <a:accent2>
+        <a:srgbClr val="ED7D31"/>
+      </a:accent2>
+      <a:accent3>
+        <a:srgbClr val="A5A5A5"/>
+      </a:accent3>
+      <a:accent4>
+        <a:srgbClr val="FFC000"/>
+      </a:accent4>
+      <a:accent5>
+        <a:srgbClr val="5B9BD5"/>
+      </a:accent5>
+      <a:accent6>
+        <a:srgbClr val="70AD47"/>
+      </a:accent6>
+      <a:hlink>
+        <a:srgbClr val="0563C1"/>
+      </a:hlink>
+      <a:folHlink>
+        <a:srgbClr val="954F72"/>
+      </a:folHlink>
+    </a:clrScheme>
+    <a:fontScheme name="Office">
+      <a:majorFont>
+        <a:latin typeface="맑은 고딕" panose="020F0302020204030204"/>
+        <a:ea typeface=""/>
+        <a:cs typeface=""/>
+        <a:font script="Jpan" typeface="游ゴシック Light"/>
+        <a:font script="Hang" typeface="맑은 고딕"/>
+        <a:font script="Hans" typeface="等线 Light"/>
+        <a:font script="Hant" typeface="新細明體"/>
+        <a:font script="Arab" typeface="Times New Roman"/>
+        <a:font script="Hebr" typeface="Times New Roman"/>
+        <a:font script="Thai" typeface="Angsana New"/>
+        <a:font script="Ethi" typeface="Nyala"/>
+        <a:font script="Beng" typeface="Vrinda"/>
+        <a:font script="Gujr" typeface="Shruti"/>
+        <a:font script="Khmr" typeface="MoolBoran"/>
+        <a:font script="Knda" typeface="Tunga"/>
+        <a:font script="Guru" typeface="Raavi"/>
+        <a:font script="Cans" typeface="Euphemia"/>
+        <a:font script="Cher" typeface="Plantagenet Cherokee"/>
+        <a:font script="Yiii" typeface="Microsoft Yi Baiti"/>
+        <a:font script="Tibt" typeface="Microsoft Himalaya"/>
+        <a:font script="Thaa" typeface="MV Boli"/>
+        <a:font script="Deva" typeface="Mangal"/>
+        <a:font script="Telu" typeface="Gautami"/>
+        <a:font script="Taml" typeface="Latha"/>
+        <a:font script="Syrc" typeface="Estrangelo Edessa"/>
+        <a:font script="Orya" typeface="Kalinga"/>
+        <a:font script="Mlym" typeface="Kartika"/>
+        <a:font script="Laoo" typeface="DokChampa"/>
+        <a:font script="Sinh" typeface="Iskoola Pota"/>
+        <a:font script="Mong" typeface="Mongolian Baiti"/>
+        <a:font script="Viet" typeface="Times New Roman"/>
+        <a:font script="Uigh" typeface="Microsoft Uighur"/>
+        <a:font script="Geor" typeface="Sylfaen"/>
+        <a:font script="Armn" typeface="Arial"/>
+        <a:font script="Bugi" typeface="Leelawadee UI"/>
+        <a:font script="Bopo" typeface="Microsoft JhengHei"/>
+        <a:font script="Java" typeface="Javanese Text"/>
+        <a:font script="Lisu" typeface="Segoe UI"/>
+        <a:font script="Mymr" typeface="Myanmar Text"/>
+        <a:font script="Nkoo" typeface="Ebrima"/>
+        <a:font script="Olck" typeface="Nirmala UI"/>
+        <a:font script="Osma" typeface="Ebrima"/>
+        <a:font script="Phag" typeface="Phagspa"/>
+        <a:font script="Syrn" typeface="Estrangelo Edessa"/>
+        <a:font script="Syrj" typeface="Estrangelo Edessa"/>
+        <a:font script="Syre" typeface="Estrangelo Edessa"/>
+        <a:font script="Sora" typeface="Nirmala UI"/>
+        <a:font script="Tale" typeface="Microsoft Tai Le"/>
+        <a:font script="Talu" typeface="Microsoft New Tai Lue"/>
+        <a:font script="Tfng" typeface="Ebrima"/>
+      </a:majorFont>
+      <a:minorFont>
+        <a:latin typeface="맑은 고딕" panose="020F0502020204030204"/>
+        <a:ea typeface=""/>
+        <a:cs typeface=""/>
+        <a:font script="Jpan" typeface="游ゴシック"/>
+        <a:font script="Hang" typeface="맑은 고딕"/>
+        <a:font script="Hans" typeface="等线"/>
+        <a:font script="Hant" typeface="新細明體"/>
+        <a:font script="Arab" typeface="Arial"/>
+        <a:font script="Hebr" typeface="Arial"/>
+        <a:font script="Thai" typeface="Cordia New"/>
+        <a:font script="Ethi" typeface="Nyala"/>
+        <a:font script="Beng" typeface="Vrinda"/>
+        <a:font script="Gujr" typeface="Shruti"/>
+        <a:font script="Khmr" typeface="DaunPenh"/>
+        <a:font script="Knda" typeface="Tunga"/>
+        <a:font script="Guru" typeface="Raavi"/>
+        <a:font script="Cans" typeface="Euphemia"/>
+        <a:font script="Cher" typeface="Plantagenet Cherokee"/>
+        <a:font script="Yiii" typeface="Microsoft Yi Baiti"/>
+        <a:font script="Tibt" typeface="Microsoft Himalaya"/>
+        <a:font script="Thaa" typeface="MV Boli"/>
+        <a:font script="Deva" typeface="Mangal"/>
+        <a:font script="Telu" typeface="Gautami"/>
+        <a:font script="Taml" typeface="Latha"/>
+        <a:font script="Syrc" typeface="Estrangelo Edessa"/>
+        <a:font script="Orya" typeface="Kalinga"/>
+        <a:font script="Mlym" typeface="Kartika"/>
+        <a:font script="Laoo" typeface="DokChampa"/>
+        <a:font script="Sinh" typeface="Iskoola Pota"/>
+        <a:font script="Mong" typeface="Mongolian Baiti"/>
+        <a:font script="Viet" typeface="Arial"/>
+        <a:font script="Uigh" typeface="Microsoft Uighur"/>
+        <a:font script="Geor" typeface="Sylfaen"/>
+        <a:font script="Armn" typeface="Arial"/>
+        <a:font script="Bugi" typeface="Leelawadee UI"/>
+        <a:font script="Bopo" typeface="Microsoft JhengHei"/>
+        <a:font script="Java" typeface="Javanese Text"/>
+        <a:font script="Lisu" typeface="Segoe UI"/>
+        <a:font script="Mymr" typeface="Myanmar Text"/>
+        <a:font script="Nkoo" typeface="Ebrima"/>
+        <a:font script="Olck" typeface="Nirmala UI"/>
+        <a:font script="Osma" typeface="Ebrima"/>
+        <a:font script="Phag" typeface="Phagspa"/>
+        <a:font script="Syrn" typeface="Estrangelo Edessa"/>
+        <a:font script="Syrj" typeface="Estrangelo Edessa"/>
+        <a:font script="Syre" typeface="Estrangelo Edessa"/>
+        <a:font script="Sora" typeface="Nirmala UI"/>
+        <a:font script="Tale" typeface="Microsoft Tai Le"/>
+        <a:font script="Talu" typeface="Microsoft New Tai Lue"/>
+        <a:font script="Tfng" typeface="Ebrima"/>
+      </a:minorFont>
+    </a:fontScheme>
+    <a:fmtScheme name="Office">
+      <a:fillStyleLst>
+        <a:solidFill>
+          <a:schemeClr val="phClr"/>
+        </a:solidFill>
+        <a:gradFill rotWithShape="1">
+          <a:gsLst>
+            <a:gs pos="0">
+              <a:schemeClr val="phClr">
+                <a:lumMod val="110000"/>
+                <a:satMod val="105000"/>
+                <a:tint val="67000"/>
+              </a:schemeClr>
+            </a:gs>
+            <a:gs pos="50000">
+              <a:schemeClr val="phClr">
+                <a:lumMod val="105000"/>
+                <a:satMod val="103000"/>
+                <a:tint val="73000"/>
+              </a:schemeClr>
+            </a:gs>
+            <a:gs pos="100000">
+              <a:schemeClr val="phClr">
+                <a:lumMod val="105000"/>
+                <a:satMod val="109000"/>
+                <a:tint val="81000"/>
+              </a:schemeClr>
+            </a:gs>
+          </a:gsLst>
+          <a:lin ang="5400000" scaled="0"/>
+        </a:gradFill>
+        <a:gradFill rotWithShape="1">
+          <a:gsLst>
+            <a:gs pos="0">
+              <a:schemeClr val="phClr">
+                <a:satMod val="103000"/>
+                <a:lumMod val="102000"/>
+                <a:tint val="94000"/>
+              </a:schemeClr>
+            </a:gs>
+            <a:gs pos="50000">
+              <a:schemeClr val="phClr">
+                <a:satMod val="110000"/>
+                <a:lumMod val="100000"/>
+                <a:shade val="100000"/>
+              </a:schemeClr>
+            </a:gs>
+            <a:gs pos="100000">
+              <a:schemeClr val="phClr">
+                <a:lumMod val="99000"/>
+                <a:satMod val="120000"/>
+                <a:shade val="78000"/>
+              </a:schemeClr>
+            </a:gs>
+          </a:gsLst>
+          <a:lin ang="5400000" scaled="0"/>
+        </a:gradFill>
+      </a:fillStyleLst>
+      <a:lnStyleLst>
+        <a:ln w="6350" cap="flat" cmpd="sng" algn="ctr">
+          <a:solidFill>
+            <a:schemeClr val="phClr"/>
+          </a:solidFill>
+          <a:prstDash val="solid"/>
+          <a:miter lim="800000"/>
+        </a:ln>
+        <a:ln w="12700" cap="flat" cmpd="sng" algn="ctr">
+          <a:solidFill>
+            <a:schemeClr val="phClr"/>
+          </a:solidFill>
+          <a:prstDash val="solid"/>
+          <a:miter lim="800000"/>
+        </a:ln>
+        <a:ln w="19050" cap="flat" cmpd="sng" algn="ctr">
+          <a:solidFill>
+            <a:schemeClr val="phClr"/>
+          </a:solidFill>
+          <a:prstDash val="solid"/>
+          <a:miter lim="800000"/>
+        </a:ln>
+      </a:lnStyleLst>
+      <a:effectStyleLst>
+        <a:effectStyle>
+          <a:effectLst/>
+        </a:effectStyle>
+        <a:effectStyle>
+          <a:effectLst/>
+        </a:effectStyle>
+        <a:effectStyle>
+          <a:effectLst>
+            <a:outerShdw blurRad="57150" dist="19050" dir="5400000" algn="ctr" rotWithShape="0">
+              <a:srgbClr val="000000">
+                <a:alpha val="63000"/>
+              </a:srgbClr>
+            </a:outerShdw>
+          </a:effectLst>
+        </a:effectStyle>
+      </a:effectStyleLst>
+      <a:bgFillStyleLst>
+        <a:solidFill>
+          <a:schemeClr val="phClr"/>
+        </a:solidFill>
+        <a:solidFill>
+          <a:schemeClr val="phClr">
+            <a:tint val="95000"/>
+            <a:satMod val="170000"/>
+          </a:schemeClr>
+        </a:solidFill>
+        <a:gradFill rotWithShape="1">
+          <a:gsLst>
+            <a:gs pos="0">
+              <a:schemeClr val="phClr">
+                <a:tint val="93000"/>
+                <a:satMod val="150000"/>
+                <a:shade val="98000"/>
+                <a:lumMod val="102000"/>
+              </a:schemeClr>
+            </a:gs>
+            <a:gs pos="50000">
+              <a:schemeClr val="phClr">
+                <a:tint val="98000"/>
+                <a:satMod val="130000"/>
+                <a:shade val="90000"/>
+                <a:lumMod val="103000"/>
+              </a:schemeClr>
+            </a:gs>
+            <a:gs pos="100000">
+              <a:schemeClr val="phClr">
+                <a:shade val="63000"/>
+                <a:satMod val="120000"/>
+              </a:schemeClr>
+            </a:gs>
+          </a:gsLst>
+          <a:lin ang="5400000" scaled="0"/>
+        </a:gradFill>
+      </a:bgFillStyleLst>
+    </a:fmtScheme>
+  </a:themeElements>
+  <a:objectDefaults/>
+  <a:extraClrSchemeLst/>
+  <a:extLst>
+    <a:ext uri="{05A4C25C-085E-4340-85A3-A5531E510DB2}">
+      <thm15:themeFamily xmlns:thm15="http://schemas.microsoft.com/office/thememl/2012/main" name="Office Theme" id="{62F939B6-93AF-4DB8-9C6B-D6C7DFDC589F}" vid="{4A3C46E8-61CC-4603-A589-7422A47A8E4A}"/>
+    </a:ext>
+  </a:extLst>
+</a:theme>
 </file>